--- a/2019-04-27_SatRday-Chicago/Writing_R_package_for_a_niche_EDA.pptx
+++ b/2019-04-27_SatRday-Chicago/Writing_R_package_for_a_niche_EDA.pptx
@@ -2,18 +2,24 @@
 <file path=ppt/presentation.xml><?xml version="1.0" encoding="utf-8"?>
 <p:presentation xmlns:a="http://schemas.openxmlformats.org/drawingml/2006/main" xmlns:r="http://schemas.openxmlformats.org/officeDocument/2006/relationships" xmlns:p="http://schemas.openxmlformats.org/presentationml/2006/main" saveSubsetFonts="1">
   <p:sldMasterIdLst>
-    <p:sldMasterId id="2147483648" r:id="rId1"/>
+    <p:sldMasterId id="2147483660" r:id="rId1"/>
   </p:sldMasterIdLst>
   <p:sldIdLst>
     <p:sldId id="256" r:id="rId2"/>
+    <p:sldId id="257" r:id="rId3"/>
+    <p:sldId id="258" r:id="rId4"/>
+    <p:sldId id="259" r:id="rId5"/>
+    <p:sldId id="260" r:id="rId6"/>
+    <p:sldId id="261" r:id="rId7"/>
+    <p:sldId id="262" r:id="rId8"/>
   </p:sldIdLst>
-  <p:sldSz cx="12192000" cy="6858000"/>
+  <p:sldSz cx="9144000" cy="6858000" type="screen4x3"/>
   <p:notesSz cx="6858000" cy="9144000"/>
   <p:defaultTextStyle>
     <a:defPPr>
       <a:defRPr lang="en-US"/>
     </a:defPPr>
-    <a:lvl1pPr marL="0" algn="l" defTabSz="914400" rtl="0" eaLnBrk="1" latinLnBrk="0" hangingPunct="1">
+    <a:lvl1pPr marL="0" algn="l" defTabSz="457200" rtl="0" eaLnBrk="1" latinLnBrk="0" hangingPunct="1">
       <a:defRPr sz="1800" kern="1200">
         <a:solidFill>
           <a:schemeClr val="tx1"/>
@@ -23,7 +29,7 @@
         <a:cs typeface="+mn-cs"/>
       </a:defRPr>
     </a:lvl1pPr>
-    <a:lvl2pPr marL="457200" algn="l" defTabSz="914400" rtl="0" eaLnBrk="1" latinLnBrk="0" hangingPunct="1">
+    <a:lvl2pPr marL="457200" algn="l" defTabSz="457200" rtl="0" eaLnBrk="1" latinLnBrk="0" hangingPunct="1">
       <a:defRPr sz="1800" kern="1200">
         <a:solidFill>
           <a:schemeClr val="tx1"/>
@@ -33,7 +39,7 @@
         <a:cs typeface="+mn-cs"/>
       </a:defRPr>
     </a:lvl2pPr>
-    <a:lvl3pPr marL="914400" algn="l" defTabSz="914400" rtl="0" eaLnBrk="1" latinLnBrk="0" hangingPunct="1">
+    <a:lvl3pPr marL="914400" algn="l" defTabSz="457200" rtl="0" eaLnBrk="1" latinLnBrk="0" hangingPunct="1">
       <a:defRPr sz="1800" kern="1200">
         <a:solidFill>
           <a:schemeClr val="tx1"/>
@@ -43,7 +49,7 @@
         <a:cs typeface="+mn-cs"/>
       </a:defRPr>
     </a:lvl3pPr>
-    <a:lvl4pPr marL="1371600" algn="l" defTabSz="914400" rtl="0" eaLnBrk="1" latinLnBrk="0" hangingPunct="1">
+    <a:lvl4pPr marL="1371600" algn="l" defTabSz="457200" rtl="0" eaLnBrk="1" latinLnBrk="0" hangingPunct="1">
       <a:defRPr sz="1800" kern="1200">
         <a:solidFill>
           <a:schemeClr val="tx1"/>
@@ -53,7 +59,7 @@
         <a:cs typeface="+mn-cs"/>
       </a:defRPr>
     </a:lvl4pPr>
-    <a:lvl5pPr marL="1828800" algn="l" defTabSz="914400" rtl="0" eaLnBrk="1" latinLnBrk="0" hangingPunct="1">
+    <a:lvl5pPr marL="1828800" algn="l" defTabSz="457200" rtl="0" eaLnBrk="1" latinLnBrk="0" hangingPunct="1">
       <a:defRPr sz="1800" kern="1200">
         <a:solidFill>
           <a:schemeClr val="tx1"/>
@@ -63,7 +69,7 @@
         <a:cs typeface="+mn-cs"/>
       </a:defRPr>
     </a:lvl5pPr>
-    <a:lvl6pPr marL="2286000" algn="l" defTabSz="914400" rtl="0" eaLnBrk="1" latinLnBrk="0" hangingPunct="1">
+    <a:lvl6pPr marL="2286000" algn="l" defTabSz="457200" rtl="0" eaLnBrk="1" latinLnBrk="0" hangingPunct="1">
       <a:defRPr sz="1800" kern="1200">
         <a:solidFill>
           <a:schemeClr val="tx1"/>
@@ -73,7 +79,7 @@
         <a:cs typeface="+mn-cs"/>
       </a:defRPr>
     </a:lvl6pPr>
-    <a:lvl7pPr marL="2743200" algn="l" defTabSz="914400" rtl="0" eaLnBrk="1" latinLnBrk="0" hangingPunct="1">
+    <a:lvl7pPr marL="2743200" algn="l" defTabSz="457200" rtl="0" eaLnBrk="1" latinLnBrk="0" hangingPunct="1">
       <a:defRPr sz="1800" kern="1200">
         <a:solidFill>
           <a:schemeClr val="tx1"/>
@@ -83,7 +89,7 @@
         <a:cs typeface="+mn-cs"/>
       </a:defRPr>
     </a:lvl7pPr>
-    <a:lvl8pPr marL="3200400" algn="l" defTabSz="914400" rtl="0" eaLnBrk="1" latinLnBrk="0" hangingPunct="1">
+    <a:lvl8pPr marL="3200400" algn="l" defTabSz="457200" rtl="0" eaLnBrk="1" latinLnBrk="0" hangingPunct="1">
       <a:defRPr sz="1800" kern="1200">
         <a:solidFill>
           <a:schemeClr val="tx1"/>
@@ -93,7 +99,7 @@
         <a:cs typeface="+mn-cs"/>
       </a:defRPr>
     </a:lvl8pPr>
-    <a:lvl9pPr marL="3657600" algn="l" defTabSz="914400" rtl="0" eaLnBrk="1" latinLnBrk="0" hangingPunct="1">
+    <a:lvl9pPr marL="3657600" algn="l" defTabSz="457200" rtl="0" eaLnBrk="1" latinLnBrk="0" hangingPunct="1">
       <a:defRPr sz="1800" kern="1200">
         <a:solidFill>
           <a:schemeClr val="tx1"/>
@@ -131,13 +137,7 @@
       </p:grpSpPr>
       <p:sp>
         <p:nvSpPr>
-          <p:cNvPr id="2" name="Title 1">
-            <a:extLst>
-              <a:ext uri="{FF2B5EF4-FFF2-40B4-BE49-F238E27FC236}">
-                <a16:creationId xmlns:a16="http://schemas.microsoft.com/office/drawing/2014/main" id="{07C64923-1964-4C98-875C-822DF1CF5876}"/>
-              </a:ext>
-            </a:extLst>
-          </p:cNvPr>
+          <p:cNvPr id="2" name="Title 1"/>
           <p:cNvSpPr>
             <a:spLocks noGrp="1"/>
           </p:cNvSpPr>
@@ -147,8 +147,8 @@
         </p:nvSpPr>
         <p:spPr>
           <a:xfrm>
-            <a:off x="1524000" y="1122363"/>
-            <a:ext cx="9144000" cy="2387600"/>
+            <a:off x="685800" y="1122363"/>
+            <a:ext cx="7772400" cy="2387600"/>
           </a:xfrm>
         </p:spPr>
         <p:txBody>
@@ -163,18 +163,13 @@
               <a:rPr lang="en-US"/>
               <a:t>Click to edit Master title style</a:t>
             </a:r>
-          </a:p>
-        </p:txBody>
-      </p:sp>
-      <p:sp>
-        <p:nvSpPr>
-          <p:cNvPr id="3" name="Subtitle 2">
-            <a:extLst>
-              <a:ext uri="{FF2B5EF4-FFF2-40B4-BE49-F238E27FC236}">
-                <a16:creationId xmlns:a16="http://schemas.microsoft.com/office/drawing/2014/main" id="{0D136AE2-A7F1-4BD6-A427-5413033940F2}"/>
-              </a:ext>
-            </a:extLst>
-          </p:cNvPr>
+            <a:endParaRPr lang="en-US" dirty="0"/>
+          </a:p>
+        </p:txBody>
+      </p:sp>
+      <p:sp>
+        <p:nvSpPr>
+          <p:cNvPr id="3" name="Subtitle 2"/>
           <p:cNvSpPr>
             <a:spLocks noGrp="1"/>
           </p:cNvSpPr>
@@ -184,8 +179,8 @@
         </p:nvSpPr>
         <p:spPr>
           <a:xfrm>
-            <a:off x="1524000" y="3602038"/>
-            <a:ext cx="9144000" cy="1655762"/>
+            <a:off x="1143000" y="3602038"/>
+            <a:ext cx="6858000" cy="1655762"/>
           </a:xfrm>
         </p:spPr>
         <p:txBody>
@@ -233,18 +228,13 @@
               <a:rPr lang="en-US"/>
               <a:t>Click to edit Master subtitle style</a:t>
             </a:r>
-          </a:p>
-        </p:txBody>
-      </p:sp>
-      <p:sp>
-        <p:nvSpPr>
-          <p:cNvPr id="4" name="Date Placeholder 3">
-            <a:extLst>
-              <a:ext uri="{FF2B5EF4-FFF2-40B4-BE49-F238E27FC236}">
-                <a16:creationId xmlns:a16="http://schemas.microsoft.com/office/drawing/2014/main" id="{46927348-2111-4614-B1B9-797498B071EA}"/>
-              </a:ext>
-            </a:extLst>
-          </p:cNvPr>
+            <a:endParaRPr lang="en-US" dirty="0"/>
+          </a:p>
+        </p:txBody>
+      </p:sp>
+      <p:sp>
+        <p:nvSpPr>
+          <p:cNvPr id="4" name="Date Placeholder 3"/>
           <p:cNvSpPr>
             <a:spLocks noGrp="1"/>
           </p:cNvSpPr>
@@ -259,7 +249,7 @@
           <a:p>
             <a:fld id="{8F9251AE-A7A2-42B4-87D6-261A7621CCB4}" type="datetimeFigureOut">
               <a:rPr lang="en-US" smtClean="0"/>
-              <a:t>4/25/2019</a:t>
+              <a:t>4/26/2019</a:t>
             </a:fld>
             <a:endParaRPr lang="en-US"/>
           </a:p>
@@ -267,13 +257,7 @@
       </p:sp>
       <p:sp>
         <p:nvSpPr>
-          <p:cNvPr id="5" name="Footer Placeholder 4">
-            <a:extLst>
-              <a:ext uri="{FF2B5EF4-FFF2-40B4-BE49-F238E27FC236}">
-                <a16:creationId xmlns:a16="http://schemas.microsoft.com/office/drawing/2014/main" id="{984E7540-E654-428F-AC7B-E28E7BEB87A5}"/>
-              </a:ext>
-            </a:extLst>
-          </p:cNvPr>
+          <p:cNvPr id="5" name="Footer Placeholder 4"/>
           <p:cNvSpPr>
             <a:spLocks noGrp="1"/>
           </p:cNvSpPr>
@@ -292,13 +276,7 @@
       </p:sp>
       <p:sp>
         <p:nvSpPr>
-          <p:cNvPr id="6" name="Slide Number Placeholder 5">
-            <a:extLst>
-              <a:ext uri="{FF2B5EF4-FFF2-40B4-BE49-F238E27FC236}">
-                <a16:creationId xmlns:a16="http://schemas.microsoft.com/office/drawing/2014/main" id="{E9166890-E851-4017-AE42-6321DC2A9AD5}"/>
-              </a:ext>
-            </a:extLst>
-          </p:cNvPr>
+          <p:cNvPr id="6" name="Slide Number Placeholder 5"/>
           <p:cNvSpPr>
             <a:spLocks noGrp="1"/>
           </p:cNvSpPr>
@@ -322,7 +300,7 @@
     </p:spTree>
     <p:extLst>
       <p:ext uri="{BB962C8B-B14F-4D97-AF65-F5344CB8AC3E}">
-        <p14:creationId xmlns:p14="http://schemas.microsoft.com/office/powerpoint/2010/main" val="2504497310"/>
+        <p14:creationId xmlns:p14="http://schemas.microsoft.com/office/powerpoint/2010/main" val="3652421458"/>
       </p:ext>
     </p:extLst>
   </p:cSld>
@@ -333,6 +311,263 @@
 </file>
 
 <file path=ppt/slideLayouts/slideLayout10.xml><?xml version="1.0" encoding="utf-8"?>
+<p:sldLayout xmlns:a="http://schemas.openxmlformats.org/drawingml/2006/main" xmlns:r="http://schemas.openxmlformats.org/officeDocument/2006/relationships" xmlns:p="http://schemas.openxmlformats.org/presentationml/2006/main" type="picTx" preserve="1">
+  <p:cSld name="Picture with Caption">
+    <p:spTree>
+      <p:nvGrpSpPr>
+        <p:cNvPr id="1" name=""/>
+        <p:cNvGrpSpPr/>
+        <p:nvPr/>
+      </p:nvGrpSpPr>
+      <p:grpSpPr>
+        <a:xfrm>
+          <a:off x="0" y="0"/>
+          <a:ext cx="0" cy="0"/>
+          <a:chOff x="0" y="0"/>
+          <a:chExt cx="0" cy="0"/>
+        </a:xfrm>
+      </p:grpSpPr>
+      <p:sp>
+        <p:nvSpPr>
+          <p:cNvPr id="2" name="Title 1"/>
+          <p:cNvSpPr>
+            <a:spLocks noGrp="1"/>
+          </p:cNvSpPr>
+          <p:nvPr>
+            <p:ph type="title"/>
+          </p:nvPr>
+        </p:nvSpPr>
+        <p:spPr>
+          <a:xfrm>
+            <a:off x="629841" y="457200"/>
+            <a:ext cx="2949178" cy="1600200"/>
+          </a:xfrm>
+        </p:spPr>
+        <p:txBody>
+          <a:bodyPr anchor="b"/>
+          <a:lstStyle>
+            <a:lvl1pPr>
+              <a:defRPr sz="3200"/>
+            </a:lvl1pPr>
+          </a:lstStyle>
+          <a:p>
+            <a:r>
+              <a:rPr lang="en-US"/>
+              <a:t>Click to edit Master title style</a:t>
+            </a:r>
+            <a:endParaRPr lang="en-US" dirty="0"/>
+          </a:p>
+        </p:txBody>
+      </p:sp>
+      <p:sp>
+        <p:nvSpPr>
+          <p:cNvPr id="3" name="Picture Placeholder 2"/>
+          <p:cNvSpPr>
+            <a:spLocks noGrp="1" noChangeAspect="1"/>
+          </p:cNvSpPr>
+          <p:nvPr>
+            <p:ph type="pic" idx="1"/>
+          </p:nvPr>
+        </p:nvSpPr>
+        <p:spPr>
+          <a:xfrm>
+            <a:off x="3887391" y="987426"/>
+            <a:ext cx="4629150" cy="4873625"/>
+          </a:xfrm>
+        </p:spPr>
+        <p:txBody>
+          <a:bodyPr anchor="t"/>
+          <a:lstStyle>
+            <a:lvl1pPr marL="0" indent="0">
+              <a:buNone/>
+              <a:defRPr sz="3200"/>
+            </a:lvl1pPr>
+            <a:lvl2pPr marL="457200" indent="0">
+              <a:buNone/>
+              <a:defRPr sz="2800"/>
+            </a:lvl2pPr>
+            <a:lvl3pPr marL="914400" indent="0">
+              <a:buNone/>
+              <a:defRPr sz="2400"/>
+            </a:lvl3pPr>
+            <a:lvl4pPr marL="1371600" indent="0">
+              <a:buNone/>
+              <a:defRPr sz="2000"/>
+            </a:lvl4pPr>
+            <a:lvl5pPr marL="1828800" indent="0">
+              <a:buNone/>
+              <a:defRPr sz="2000"/>
+            </a:lvl5pPr>
+            <a:lvl6pPr marL="2286000" indent="0">
+              <a:buNone/>
+              <a:defRPr sz="2000"/>
+            </a:lvl6pPr>
+            <a:lvl7pPr marL="2743200" indent="0">
+              <a:buNone/>
+              <a:defRPr sz="2000"/>
+            </a:lvl7pPr>
+            <a:lvl8pPr marL="3200400" indent="0">
+              <a:buNone/>
+              <a:defRPr sz="2000"/>
+            </a:lvl8pPr>
+            <a:lvl9pPr marL="3657600" indent="0">
+              <a:buNone/>
+              <a:defRPr sz="2000"/>
+            </a:lvl9pPr>
+          </a:lstStyle>
+          <a:p>
+            <a:r>
+              <a:rPr lang="en-US"/>
+              <a:t>Click icon to add picture</a:t>
+            </a:r>
+            <a:endParaRPr lang="en-US" dirty="0"/>
+          </a:p>
+        </p:txBody>
+      </p:sp>
+      <p:sp>
+        <p:nvSpPr>
+          <p:cNvPr id="4" name="Text Placeholder 3"/>
+          <p:cNvSpPr>
+            <a:spLocks noGrp="1"/>
+          </p:cNvSpPr>
+          <p:nvPr>
+            <p:ph type="body" sz="half" idx="2"/>
+          </p:nvPr>
+        </p:nvSpPr>
+        <p:spPr>
+          <a:xfrm>
+            <a:off x="629841" y="2057400"/>
+            <a:ext cx="2949178" cy="3811588"/>
+          </a:xfrm>
+        </p:spPr>
+        <p:txBody>
+          <a:bodyPr/>
+          <a:lstStyle>
+            <a:lvl1pPr marL="0" indent="0">
+              <a:buNone/>
+              <a:defRPr sz="1600"/>
+            </a:lvl1pPr>
+            <a:lvl2pPr marL="457200" indent="0">
+              <a:buNone/>
+              <a:defRPr sz="1400"/>
+            </a:lvl2pPr>
+            <a:lvl3pPr marL="914400" indent="0">
+              <a:buNone/>
+              <a:defRPr sz="1200"/>
+            </a:lvl3pPr>
+            <a:lvl4pPr marL="1371600" indent="0">
+              <a:buNone/>
+              <a:defRPr sz="1000"/>
+            </a:lvl4pPr>
+            <a:lvl5pPr marL="1828800" indent="0">
+              <a:buNone/>
+              <a:defRPr sz="1000"/>
+            </a:lvl5pPr>
+            <a:lvl6pPr marL="2286000" indent="0">
+              <a:buNone/>
+              <a:defRPr sz="1000"/>
+            </a:lvl6pPr>
+            <a:lvl7pPr marL="2743200" indent="0">
+              <a:buNone/>
+              <a:defRPr sz="1000"/>
+            </a:lvl7pPr>
+            <a:lvl8pPr marL="3200400" indent="0">
+              <a:buNone/>
+              <a:defRPr sz="1000"/>
+            </a:lvl8pPr>
+            <a:lvl9pPr marL="3657600" indent="0">
+              <a:buNone/>
+              <a:defRPr sz="1000"/>
+            </a:lvl9pPr>
+          </a:lstStyle>
+          <a:p>
+            <a:pPr lvl="0"/>
+            <a:r>
+              <a:rPr lang="en-US"/>
+              <a:t>Click to edit Master text styles</a:t>
+            </a:r>
+          </a:p>
+        </p:txBody>
+      </p:sp>
+      <p:sp>
+        <p:nvSpPr>
+          <p:cNvPr id="5" name="Date Placeholder 4"/>
+          <p:cNvSpPr>
+            <a:spLocks noGrp="1"/>
+          </p:cNvSpPr>
+          <p:nvPr>
+            <p:ph type="dt" sz="half" idx="10"/>
+          </p:nvPr>
+        </p:nvSpPr>
+        <p:spPr/>
+        <p:txBody>
+          <a:bodyPr/>
+          <a:lstStyle/>
+          <a:p>
+            <a:fld id="{8F9251AE-A7A2-42B4-87D6-261A7621CCB4}" type="datetimeFigureOut">
+              <a:rPr lang="en-US" smtClean="0"/>
+              <a:t>4/26/2019</a:t>
+            </a:fld>
+            <a:endParaRPr lang="en-US"/>
+          </a:p>
+        </p:txBody>
+      </p:sp>
+      <p:sp>
+        <p:nvSpPr>
+          <p:cNvPr id="6" name="Footer Placeholder 5"/>
+          <p:cNvSpPr>
+            <a:spLocks noGrp="1"/>
+          </p:cNvSpPr>
+          <p:nvPr>
+            <p:ph type="ftr" sz="quarter" idx="11"/>
+          </p:nvPr>
+        </p:nvSpPr>
+        <p:spPr/>
+        <p:txBody>
+          <a:bodyPr/>
+          <a:lstStyle/>
+          <a:p>
+            <a:endParaRPr lang="en-US"/>
+          </a:p>
+        </p:txBody>
+      </p:sp>
+      <p:sp>
+        <p:nvSpPr>
+          <p:cNvPr id="7" name="Slide Number Placeholder 6"/>
+          <p:cNvSpPr>
+            <a:spLocks noGrp="1"/>
+          </p:cNvSpPr>
+          <p:nvPr>
+            <p:ph type="sldNum" sz="quarter" idx="12"/>
+          </p:nvPr>
+        </p:nvSpPr>
+        <p:spPr/>
+        <p:txBody>
+          <a:bodyPr/>
+          <a:lstStyle/>
+          <a:p>
+            <a:fld id="{6FD76B2F-FB85-4120-8F09-E66EC8C384C5}" type="slidenum">
+              <a:rPr lang="en-US" smtClean="0"/>
+              <a:t>‹#›</a:t>
+            </a:fld>
+            <a:endParaRPr lang="en-US"/>
+          </a:p>
+        </p:txBody>
+      </p:sp>
+    </p:spTree>
+    <p:extLst>
+      <p:ext uri="{BB962C8B-B14F-4D97-AF65-F5344CB8AC3E}">
+        <p14:creationId xmlns:p14="http://schemas.microsoft.com/office/powerpoint/2010/main" val="2431438912"/>
+      </p:ext>
+    </p:extLst>
+  </p:cSld>
+  <p:clrMapOvr>
+    <a:masterClrMapping/>
+  </p:clrMapOvr>
+</p:sldLayout>
+</file>
+
+<file path=ppt/slideLayouts/slideLayout11.xml><?xml version="1.0" encoding="utf-8"?>
 <p:sldLayout xmlns:a="http://schemas.openxmlformats.org/drawingml/2006/main" xmlns:r="http://schemas.openxmlformats.org/officeDocument/2006/relationships" xmlns:p="http://schemas.openxmlformats.org/presentationml/2006/main" type="vertTx" preserve="1">
   <p:cSld name="Title and Vertical Text">
     <p:spTree>
@@ -351,13 +586,7 @@
       </p:grpSpPr>
       <p:sp>
         <p:nvSpPr>
-          <p:cNvPr id="2" name="Title 1">
-            <a:extLst>
-              <a:ext uri="{FF2B5EF4-FFF2-40B4-BE49-F238E27FC236}">
-                <a16:creationId xmlns:a16="http://schemas.microsoft.com/office/drawing/2014/main" id="{572EC8A9-B47B-47CA-8ECC-8A1ED5025A96}"/>
-              </a:ext>
-            </a:extLst>
-          </p:cNvPr>
+          <p:cNvPr id="2" name="Title 1"/>
           <p:cNvSpPr>
             <a:spLocks noGrp="1"/>
           </p:cNvSpPr>
@@ -374,18 +603,13 @@
               <a:rPr lang="en-US"/>
               <a:t>Click to edit Master title style</a:t>
             </a:r>
-          </a:p>
-        </p:txBody>
-      </p:sp>
-      <p:sp>
-        <p:nvSpPr>
-          <p:cNvPr id="3" name="Vertical Text Placeholder 2">
-            <a:extLst>
-              <a:ext uri="{FF2B5EF4-FFF2-40B4-BE49-F238E27FC236}">
-                <a16:creationId xmlns:a16="http://schemas.microsoft.com/office/drawing/2014/main" id="{14263318-3A86-4B98-BCBF-34F9EB45FEC2}"/>
-              </a:ext>
-            </a:extLst>
-          </p:cNvPr>
+            <a:endParaRPr lang="en-US" dirty="0"/>
+          </a:p>
+        </p:txBody>
+      </p:sp>
+      <p:sp>
+        <p:nvSpPr>
+          <p:cNvPr id="3" name="Vertical Text Placeholder 2"/>
           <p:cNvSpPr>
             <a:spLocks noGrp="1"/>
           </p:cNvSpPr>
@@ -431,18 +655,13 @@
               <a:rPr lang="en-US"/>
               <a:t>Fifth level</a:t>
             </a:r>
-          </a:p>
-        </p:txBody>
-      </p:sp>
-      <p:sp>
-        <p:nvSpPr>
-          <p:cNvPr id="4" name="Date Placeholder 3">
-            <a:extLst>
-              <a:ext uri="{FF2B5EF4-FFF2-40B4-BE49-F238E27FC236}">
-                <a16:creationId xmlns:a16="http://schemas.microsoft.com/office/drawing/2014/main" id="{BCD48F64-0365-4182-BB41-2A1290910A29}"/>
-              </a:ext>
-            </a:extLst>
-          </p:cNvPr>
+            <a:endParaRPr lang="en-US" dirty="0"/>
+          </a:p>
+        </p:txBody>
+      </p:sp>
+      <p:sp>
+        <p:nvSpPr>
+          <p:cNvPr id="4" name="Date Placeholder 3"/>
           <p:cNvSpPr>
             <a:spLocks noGrp="1"/>
           </p:cNvSpPr>
@@ -457,7 +676,7 @@
           <a:p>
             <a:fld id="{8F9251AE-A7A2-42B4-87D6-261A7621CCB4}" type="datetimeFigureOut">
               <a:rPr lang="en-US" smtClean="0"/>
-              <a:t>4/25/2019</a:t>
+              <a:t>4/26/2019</a:t>
             </a:fld>
             <a:endParaRPr lang="en-US"/>
           </a:p>
@@ -465,13 +684,7 @@
       </p:sp>
       <p:sp>
         <p:nvSpPr>
-          <p:cNvPr id="5" name="Footer Placeholder 4">
-            <a:extLst>
-              <a:ext uri="{FF2B5EF4-FFF2-40B4-BE49-F238E27FC236}">
-                <a16:creationId xmlns:a16="http://schemas.microsoft.com/office/drawing/2014/main" id="{6AC66AE1-9086-4072-9E09-5E26EF847F75}"/>
-              </a:ext>
-            </a:extLst>
-          </p:cNvPr>
+          <p:cNvPr id="5" name="Footer Placeholder 4"/>
           <p:cNvSpPr>
             <a:spLocks noGrp="1"/>
           </p:cNvSpPr>
@@ -490,13 +703,7 @@
       </p:sp>
       <p:sp>
         <p:nvSpPr>
-          <p:cNvPr id="6" name="Slide Number Placeholder 5">
-            <a:extLst>
-              <a:ext uri="{FF2B5EF4-FFF2-40B4-BE49-F238E27FC236}">
-                <a16:creationId xmlns:a16="http://schemas.microsoft.com/office/drawing/2014/main" id="{990F38B0-211B-49AB-A317-114208FAA0AD}"/>
-              </a:ext>
-            </a:extLst>
-          </p:cNvPr>
+          <p:cNvPr id="6" name="Slide Number Placeholder 5"/>
           <p:cNvSpPr>
             <a:spLocks noGrp="1"/>
           </p:cNvSpPr>
@@ -520,7 +727,7 @@
     </p:spTree>
     <p:extLst>
       <p:ext uri="{BB962C8B-B14F-4D97-AF65-F5344CB8AC3E}">
-        <p14:creationId xmlns:p14="http://schemas.microsoft.com/office/powerpoint/2010/main" val="3095794192"/>
+        <p14:creationId xmlns:p14="http://schemas.microsoft.com/office/powerpoint/2010/main" val="2658140860"/>
       </p:ext>
     </p:extLst>
   </p:cSld>
@@ -530,7 +737,7 @@
 </p:sldLayout>
 </file>
 
-<file path=ppt/slideLayouts/slideLayout11.xml><?xml version="1.0" encoding="utf-8"?>
+<file path=ppt/slideLayouts/slideLayout12.xml><?xml version="1.0" encoding="utf-8"?>
 <p:sldLayout xmlns:a="http://schemas.openxmlformats.org/drawingml/2006/main" xmlns:r="http://schemas.openxmlformats.org/officeDocument/2006/relationships" xmlns:p="http://schemas.openxmlformats.org/presentationml/2006/main" type="vertTitleAndTx" preserve="1">
   <p:cSld name="Vertical Title and Text">
     <p:spTree>
@@ -549,13 +756,7 @@
       </p:grpSpPr>
       <p:sp>
         <p:nvSpPr>
-          <p:cNvPr id="2" name="Vertical Title 1">
-            <a:extLst>
-              <a:ext uri="{FF2B5EF4-FFF2-40B4-BE49-F238E27FC236}">
-                <a16:creationId xmlns:a16="http://schemas.microsoft.com/office/drawing/2014/main" id="{1FC28B3C-0201-4B46-9654-FC286EBDAAC1}"/>
-              </a:ext>
-            </a:extLst>
-          </p:cNvPr>
+          <p:cNvPr id="2" name="Vertical Title 1"/>
           <p:cNvSpPr>
             <a:spLocks noGrp="1"/>
           </p:cNvSpPr>
@@ -565,8 +766,8 @@
         </p:nvSpPr>
         <p:spPr>
           <a:xfrm>
-            <a:off x="8724900" y="365125"/>
-            <a:ext cx="2628900" cy="5811838"/>
+            <a:off x="6543675" y="365125"/>
+            <a:ext cx="1971675" cy="5811838"/>
           </a:xfrm>
         </p:spPr>
         <p:txBody>
@@ -577,18 +778,13 @@
               <a:rPr lang="en-US"/>
               <a:t>Click to edit Master title style</a:t>
             </a:r>
-          </a:p>
-        </p:txBody>
-      </p:sp>
-      <p:sp>
-        <p:nvSpPr>
-          <p:cNvPr id="3" name="Vertical Text Placeholder 2">
-            <a:extLst>
-              <a:ext uri="{FF2B5EF4-FFF2-40B4-BE49-F238E27FC236}">
-                <a16:creationId xmlns:a16="http://schemas.microsoft.com/office/drawing/2014/main" id="{FADC5CB4-3762-40FB-9A0A-57E9A789101F}"/>
-              </a:ext>
-            </a:extLst>
-          </p:cNvPr>
+            <a:endParaRPr lang="en-US" dirty="0"/>
+          </a:p>
+        </p:txBody>
+      </p:sp>
+      <p:sp>
+        <p:nvSpPr>
+          <p:cNvPr id="3" name="Vertical Text Placeholder 2"/>
           <p:cNvSpPr>
             <a:spLocks noGrp="1"/>
           </p:cNvSpPr>
@@ -598,8 +794,8 @@
         </p:nvSpPr>
         <p:spPr>
           <a:xfrm>
-            <a:off x="838200" y="365125"/>
-            <a:ext cx="7734300" cy="5811838"/>
+            <a:off x="628650" y="365125"/>
+            <a:ext cx="5800725" cy="5811838"/>
           </a:xfrm>
         </p:spPr>
         <p:txBody>
@@ -639,18 +835,13 @@
               <a:rPr lang="en-US"/>
               <a:t>Fifth level</a:t>
             </a:r>
-          </a:p>
-        </p:txBody>
-      </p:sp>
-      <p:sp>
-        <p:nvSpPr>
-          <p:cNvPr id="4" name="Date Placeholder 3">
-            <a:extLst>
-              <a:ext uri="{FF2B5EF4-FFF2-40B4-BE49-F238E27FC236}">
-                <a16:creationId xmlns:a16="http://schemas.microsoft.com/office/drawing/2014/main" id="{425DB3D2-1803-4065-BB69-F1ED3D714C42}"/>
-              </a:ext>
-            </a:extLst>
-          </p:cNvPr>
+            <a:endParaRPr lang="en-US" dirty="0"/>
+          </a:p>
+        </p:txBody>
+      </p:sp>
+      <p:sp>
+        <p:nvSpPr>
+          <p:cNvPr id="4" name="Date Placeholder 3"/>
           <p:cNvSpPr>
             <a:spLocks noGrp="1"/>
           </p:cNvSpPr>
@@ -665,7 +856,7 @@
           <a:p>
             <a:fld id="{8F9251AE-A7A2-42B4-87D6-261A7621CCB4}" type="datetimeFigureOut">
               <a:rPr lang="en-US" smtClean="0"/>
-              <a:t>4/25/2019</a:t>
+              <a:t>4/26/2019</a:t>
             </a:fld>
             <a:endParaRPr lang="en-US"/>
           </a:p>
@@ -673,13 +864,7 @@
       </p:sp>
       <p:sp>
         <p:nvSpPr>
-          <p:cNvPr id="5" name="Footer Placeholder 4">
-            <a:extLst>
-              <a:ext uri="{FF2B5EF4-FFF2-40B4-BE49-F238E27FC236}">
-                <a16:creationId xmlns:a16="http://schemas.microsoft.com/office/drawing/2014/main" id="{B5BC7008-5C1E-4A0B-830F-A58D67B16998}"/>
-              </a:ext>
-            </a:extLst>
-          </p:cNvPr>
+          <p:cNvPr id="5" name="Footer Placeholder 4"/>
           <p:cNvSpPr>
             <a:spLocks noGrp="1"/>
           </p:cNvSpPr>
@@ -698,13 +883,7 @@
       </p:sp>
       <p:sp>
         <p:nvSpPr>
-          <p:cNvPr id="6" name="Slide Number Placeholder 5">
-            <a:extLst>
-              <a:ext uri="{FF2B5EF4-FFF2-40B4-BE49-F238E27FC236}">
-                <a16:creationId xmlns:a16="http://schemas.microsoft.com/office/drawing/2014/main" id="{7DF31371-7E8B-4A23-BAA0-8F3F6061D51E}"/>
-              </a:ext>
-            </a:extLst>
-          </p:cNvPr>
+          <p:cNvPr id="6" name="Slide Number Placeholder 5"/>
           <p:cNvSpPr>
             <a:spLocks noGrp="1"/>
           </p:cNvSpPr>
@@ -728,7 +907,7 @@
     </p:spTree>
     <p:extLst>
       <p:ext uri="{BB962C8B-B14F-4D97-AF65-F5344CB8AC3E}">
-        <p14:creationId xmlns:p14="http://schemas.microsoft.com/office/powerpoint/2010/main" val="1992558791"/>
+        <p14:creationId xmlns:p14="http://schemas.microsoft.com/office/powerpoint/2010/main" val="3632408934"/>
       </p:ext>
     </p:extLst>
   </p:cSld>
@@ -757,13 +936,7 @@
       </p:grpSpPr>
       <p:sp>
         <p:nvSpPr>
-          <p:cNvPr id="2" name="Title 1">
-            <a:extLst>
-              <a:ext uri="{FF2B5EF4-FFF2-40B4-BE49-F238E27FC236}">
-                <a16:creationId xmlns:a16="http://schemas.microsoft.com/office/drawing/2014/main" id="{C22916D0-C502-4BAA-BB9D-BDC678FE148D}"/>
-              </a:ext>
-            </a:extLst>
-          </p:cNvPr>
+          <p:cNvPr id="2" name="Title 1"/>
           <p:cNvSpPr>
             <a:spLocks noGrp="1"/>
           </p:cNvSpPr>
@@ -780,18 +953,13 @@
               <a:rPr lang="en-US"/>
               <a:t>Click to edit Master title style</a:t>
             </a:r>
-          </a:p>
-        </p:txBody>
-      </p:sp>
-      <p:sp>
-        <p:nvSpPr>
-          <p:cNvPr id="3" name="Content Placeholder 2">
-            <a:extLst>
-              <a:ext uri="{FF2B5EF4-FFF2-40B4-BE49-F238E27FC236}">
-                <a16:creationId xmlns:a16="http://schemas.microsoft.com/office/drawing/2014/main" id="{EB8481F5-586E-440A-8468-3B2F214E3B3B}"/>
-              </a:ext>
-            </a:extLst>
-          </p:cNvPr>
+            <a:endParaRPr lang="en-US" dirty="0"/>
+          </a:p>
+        </p:txBody>
+      </p:sp>
+      <p:sp>
+        <p:nvSpPr>
+          <p:cNvPr id="3" name="Content Placeholder 2"/>
           <p:cNvSpPr>
             <a:spLocks noGrp="1"/>
           </p:cNvSpPr>
@@ -837,18 +1005,13 @@
               <a:rPr lang="en-US"/>
               <a:t>Fifth level</a:t>
             </a:r>
-          </a:p>
-        </p:txBody>
-      </p:sp>
-      <p:sp>
-        <p:nvSpPr>
-          <p:cNvPr id="4" name="Date Placeholder 3">
-            <a:extLst>
-              <a:ext uri="{FF2B5EF4-FFF2-40B4-BE49-F238E27FC236}">
-                <a16:creationId xmlns:a16="http://schemas.microsoft.com/office/drawing/2014/main" id="{9876773E-A334-4652-B3F8-061C4BD6760C}"/>
-              </a:ext>
-            </a:extLst>
-          </p:cNvPr>
+            <a:endParaRPr lang="en-US" dirty="0"/>
+          </a:p>
+        </p:txBody>
+      </p:sp>
+      <p:sp>
+        <p:nvSpPr>
+          <p:cNvPr id="4" name="Date Placeholder 3"/>
           <p:cNvSpPr>
             <a:spLocks noGrp="1"/>
           </p:cNvSpPr>
@@ -863,7 +1026,7 @@
           <a:p>
             <a:fld id="{8F9251AE-A7A2-42B4-87D6-261A7621CCB4}" type="datetimeFigureOut">
               <a:rPr lang="en-US" smtClean="0"/>
-              <a:t>4/25/2019</a:t>
+              <a:t>4/26/2019</a:t>
             </a:fld>
             <a:endParaRPr lang="en-US"/>
           </a:p>
@@ -871,13 +1034,7 @@
       </p:sp>
       <p:sp>
         <p:nvSpPr>
-          <p:cNvPr id="5" name="Footer Placeholder 4">
-            <a:extLst>
-              <a:ext uri="{FF2B5EF4-FFF2-40B4-BE49-F238E27FC236}">
-                <a16:creationId xmlns:a16="http://schemas.microsoft.com/office/drawing/2014/main" id="{BE72CAA6-6626-4570-8A65-26568E864D22}"/>
-              </a:ext>
-            </a:extLst>
-          </p:cNvPr>
+          <p:cNvPr id="5" name="Footer Placeholder 4"/>
           <p:cNvSpPr>
             <a:spLocks noGrp="1"/>
           </p:cNvSpPr>
@@ -896,13 +1053,7 @@
       </p:sp>
       <p:sp>
         <p:nvSpPr>
-          <p:cNvPr id="6" name="Slide Number Placeholder 5">
-            <a:extLst>
-              <a:ext uri="{FF2B5EF4-FFF2-40B4-BE49-F238E27FC236}">
-                <a16:creationId xmlns:a16="http://schemas.microsoft.com/office/drawing/2014/main" id="{5965210A-C24E-423E-8608-4D3EB6BE0182}"/>
-              </a:ext>
-            </a:extLst>
-          </p:cNvPr>
+          <p:cNvPr id="6" name="Slide Number Placeholder 5"/>
           <p:cNvSpPr>
             <a:spLocks noGrp="1"/>
           </p:cNvSpPr>
@@ -926,7 +1077,7 @@
     </p:spTree>
     <p:extLst>
       <p:ext uri="{BB962C8B-B14F-4D97-AF65-F5344CB8AC3E}">
-        <p14:creationId xmlns:p14="http://schemas.microsoft.com/office/powerpoint/2010/main" val="314691413"/>
+        <p14:creationId xmlns:p14="http://schemas.microsoft.com/office/powerpoint/2010/main" val="2004022574"/>
       </p:ext>
     </p:extLst>
   </p:cSld>
@@ -955,13 +1106,7 @@
       </p:grpSpPr>
       <p:sp>
         <p:nvSpPr>
-          <p:cNvPr id="2" name="Title 1">
-            <a:extLst>
-              <a:ext uri="{FF2B5EF4-FFF2-40B4-BE49-F238E27FC236}">
-                <a16:creationId xmlns:a16="http://schemas.microsoft.com/office/drawing/2014/main" id="{B6612EEA-12E4-4F55-990B-461BFC0CA533}"/>
-              </a:ext>
-            </a:extLst>
-          </p:cNvPr>
+          <p:cNvPr id="2" name="Title 1"/>
           <p:cNvSpPr>
             <a:spLocks noGrp="1"/>
           </p:cNvSpPr>
@@ -971,8 +1116,8 @@
         </p:nvSpPr>
         <p:spPr>
           <a:xfrm>
-            <a:off x="831850" y="1709738"/>
-            <a:ext cx="10515600" cy="2852737"/>
+            <a:off x="623888" y="1709739"/>
+            <a:ext cx="7886700" cy="2852737"/>
           </a:xfrm>
         </p:spPr>
         <p:txBody>
@@ -987,18 +1132,13 @@
               <a:rPr lang="en-US"/>
               <a:t>Click to edit Master title style</a:t>
             </a:r>
-          </a:p>
-        </p:txBody>
-      </p:sp>
-      <p:sp>
-        <p:nvSpPr>
-          <p:cNvPr id="3" name="Text Placeholder 2">
-            <a:extLst>
-              <a:ext uri="{FF2B5EF4-FFF2-40B4-BE49-F238E27FC236}">
-                <a16:creationId xmlns:a16="http://schemas.microsoft.com/office/drawing/2014/main" id="{8952CE91-F65B-46CD-BE94-DA08A2B32C75}"/>
-              </a:ext>
-            </a:extLst>
-          </p:cNvPr>
+            <a:endParaRPr lang="en-US" dirty="0"/>
+          </a:p>
+        </p:txBody>
+      </p:sp>
+      <p:sp>
+        <p:nvSpPr>
+          <p:cNvPr id="3" name="Text Placeholder 2"/>
           <p:cNvSpPr>
             <a:spLocks noGrp="1"/>
           </p:cNvSpPr>
@@ -1008,8 +1148,8 @@
         </p:nvSpPr>
         <p:spPr>
           <a:xfrm>
-            <a:off x="831850" y="4589463"/>
-            <a:ext cx="10515600" cy="1500187"/>
+            <a:off x="623888" y="4589464"/>
+            <a:ext cx="7886700" cy="1500187"/>
           </a:xfrm>
         </p:spPr>
         <p:txBody>
@@ -1019,9 +1159,7 @@
               <a:buNone/>
               <a:defRPr sz="2400">
                 <a:solidFill>
-                  <a:schemeClr val="tx1">
-                    <a:tint val="75000"/>
-                  </a:schemeClr>
+                  <a:schemeClr val="tx1"/>
                 </a:solidFill>
               </a:defRPr>
             </a:lvl1pPr>
@@ -1117,13 +1255,7 @@
       </p:sp>
       <p:sp>
         <p:nvSpPr>
-          <p:cNvPr id="4" name="Date Placeholder 3">
-            <a:extLst>
-              <a:ext uri="{FF2B5EF4-FFF2-40B4-BE49-F238E27FC236}">
-                <a16:creationId xmlns:a16="http://schemas.microsoft.com/office/drawing/2014/main" id="{C5C4A08B-5565-4860-B5A3-F37AF87A0EB4}"/>
-              </a:ext>
-            </a:extLst>
-          </p:cNvPr>
+          <p:cNvPr id="4" name="Date Placeholder 3"/>
           <p:cNvSpPr>
             <a:spLocks noGrp="1"/>
           </p:cNvSpPr>
@@ -1138,7 +1270,7 @@
           <a:p>
             <a:fld id="{8F9251AE-A7A2-42B4-87D6-261A7621CCB4}" type="datetimeFigureOut">
               <a:rPr lang="en-US" smtClean="0"/>
-              <a:t>4/25/2019</a:t>
+              <a:t>4/26/2019</a:t>
             </a:fld>
             <a:endParaRPr lang="en-US"/>
           </a:p>
@@ -1146,13 +1278,7 @@
       </p:sp>
       <p:sp>
         <p:nvSpPr>
-          <p:cNvPr id="5" name="Footer Placeholder 4">
-            <a:extLst>
-              <a:ext uri="{FF2B5EF4-FFF2-40B4-BE49-F238E27FC236}">
-                <a16:creationId xmlns:a16="http://schemas.microsoft.com/office/drawing/2014/main" id="{E7D06BAB-561B-4FB6-8398-B392CA9E41D2}"/>
-              </a:ext>
-            </a:extLst>
-          </p:cNvPr>
+          <p:cNvPr id="5" name="Footer Placeholder 4"/>
           <p:cNvSpPr>
             <a:spLocks noGrp="1"/>
           </p:cNvSpPr>
@@ -1171,13 +1297,7 @@
       </p:sp>
       <p:sp>
         <p:nvSpPr>
-          <p:cNvPr id="6" name="Slide Number Placeholder 5">
-            <a:extLst>
-              <a:ext uri="{FF2B5EF4-FFF2-40B4-BE49-F238E27FC236}">
-                <a16:creationId xmlns:a16="http://schemas.microsoft.com/office/drawing/2014/main" id="{2DA449C3-4F80-4728-A0DC-0A7E2DA4EA4B}"/>
-              </a:ext>
-            </a:extLst>
-          </p:cNvPr>
+          <p:cNvPr id="6" name="Slide Number Placeholder 5"/>
           <p:cNvSpPr>
             <a:spLocks noGrp="1"/>
           </p:cNvSpPr>
@@ -1201,7 +1321,7 @@
     </p:spTree>
     <p:extLst>
       <p:ext uri="{BB962C8B-B14F-4D97-AF65-F5344CB8AC3E}">
-        <p14:creationId xmlns:p14="http://schemas.microsoft.com/office/powerpoint/2010/main" val="3167468368"/>
+        <p14:creationId xmlns:p14="http://schemas.microsoft.com/office/powerpoint/2010/main" val="2461809495"/>
       </p:ext>
     </p:extLst>
   </p:cSld>
@@ -1230,13 +1350,7 @@
       </p:grpSpPr>
       <p:sp>
         <p:nvSpPr>
-          <p:cNvPr id="2" name="Title 1">
-            <a:extLst>
-              <a:ext uri="{FF2B5EF4-FFF2-40B4-BE49-F238E27FC236}">
-                <a16:creationId xmlns:a16="http://schemas.microsoft.com/office/drawing/2014/main" id="{1C7E187D-7C5B-4296-8952-3895004B527B}"/>
-              </a:ext>
-            </a:extLst>
-          </p:cNvPr>
+          <p:cNvPr id="2" name="Title 1"/>
           <p:cNvSpPr>
             <a:spLocks noGrp="1"/>
           </p:cNvSpPr>
@@ -1253,18 +1367,13 @@
               <a:rPr lang="en-US"/>
               <a:t>Click to edit Master title style</a:t>
             </a:r>
-          </a:p>
-        </p:txBody>
-      </p:sp>
-      <p:sp>
-        <p:nvSpPr>
-          <p:cNvPr id="3" name="Content Placeholder 2">
-            <a:extLst>
-              <a:ext uri="{FF2B5EF4-FFF2-40B4-BE49-F238E27FC236}">
-                <a16:creationId xmlns:a16="http://schemas.microsoft.com/office/drawing/2014/main" id="{320D3781-911F-4FAB-9A08-8D9CD35228B4}"/>
-              </a:ext>
-            </a:extLst>
-          </p:cNvPr>
+            <a:endParaRPr lang="en-US" dirty="0"/>
+          </a:p>
+        </p:txBody>
+      </p:sp>
+      <p:sp>
+        <p:nvSpPr>
+          <p:cNvPr id="3" name="Content Placeholder 2"/>
           <p:cNvSpPr>
             <a:spLocks noGrp="1"/>
           </p:cNvSpPr>
@@ -1274,8 +1383,8 @@
         </p:nvSpPr>
         <p:spPr>
           <a:xfrm>
-            <a:off x="838200" y="1825625"/>
-            <a:ext cx="5181600" cy="4351338"/>
+            <a:off x="628650" y="1825625"/>
+            <a:ext cx="3886200" cy="4351338"/>
           </a:xfrm>
         </p:spPr>
         <p:txBody>
@@ -1315,18 +1424,13 @@
               <a:rPr lang="en-US"/>
               <a:t>Fifth level</a:t>
             </a:r>
-          </a:p>
-        </p:txBody>
-      </p:sp>
-      <p:sp>
-        <p:nvSpPr>
-          <p:cNvPr id="4" name="Content Placeholder 3">
-            <a:extLst>
-              <a:ext uri="{FF2B5EF4-FFF2-40B4-BE49-F238E27FC236}">
-                <a16:creationId xmlns:a16="http://schemas.microsoft.com/office/drawing/2014/main" id="{072EE057-452C-4E5D-8A48-5FC76CCE11EC}"/>
-              </a:ext>
-            </a:extLst>
-          </p:cNvPr>
+            <a:endParaRPr lang="en-US" dirty="0"/>
+          </a:p>
+        </p:txBody>
+      </p:sp>
+      <p:sp>
+        <p:nvSpPr>
+          <p:cNvPr id="4" name="Content Placeholder 3"/>
           <p:cNvSpPr>
             <a:spLocks noGrp="1"/>
           </p:cNvSpPr>
@@ -1336,8 +1440,8 @@
         </p:nvSpPr>
         <p:spPr>
           <a:xfrm>
-            <a:off x="6172200" y="1825625"/>
-            <a:ext cx="5181600" cy="4351338"/>
+            <a:off x="4629150" y="1825625"/>
+            <a:ext cx="3886200" cy="4351338"/>
           </a:xfrm>
         </p:spPr>
         <p:txBody>
@@ -1377,18 +1481,13 @@
               <a:rPr lang="en-US"/>
               <a:t>Fifth level</a:t>
             </a:r>
-          </a:p>
-        </p:txBody>
-      </p:sp>
-      <p:sp>
-        <p:nvSpPr>
-          <p:cNvPr id="5" name="Date Placeholder 4">
-            <a:extLst>
-              <a:ext uri="{FF2B5EF4-FFF2-40B4-BE49-F238E27FC236}">
-                <a16:creationId xmlns:a16="http://schemas.microsoft.com/office/drawing/2014/main" id="{740C0E52-60AC-4552-91E9-DF596B01600D}"/>
-              </a:ext>
-            </a:extLst>
-          </p:cNvPr>
+            <a:endParaRPr lang="en-US" dirty="0"/>
+          </a:p>
+        </p:txBody>
+      </p:sp>
+      <p:sp>
+        <p:nvSpPr>
+          <p:cNvPr id="5" name="Date Placeholder 4"/>
           <p:cNvSpPr>
             <a:spLocks noGrp="1"/>
           </p:cNvSpPr>
@@ -1403,7 +1502,7 @@
           <a:p>
             <a:fld id="{8F9251AE-A7A2-42B4-87D6-261A7621CCB4}" type="datetimeFigureOut">
               <a:rPr lang="en-US" smtClean="0"/>
-              <a:t>4/25/2019</a:t>
+              <a:t>4/26/2019</a:t>
             </a:fld>
             <a:endParaRPr lang="en-US"/>
           </a:p>
@@ -1411,13 +1510,7 @@
       </p:sp>
       <p:sp>
         <p:nvSpPr>
-          <p:cNvPr id="6" name="Footer Placeholder 5">
-            <a:extLst>
-              <a:ext uri="{FF2B5EF4-FFF2-40B4-BE49-F238E27FC236}">
-                <a16:creationId xmlns:a16="http://schemas.microsoft.com/office/drawing/2014/main" id="{9CD2BF71-A711-428F-A319-76B4236B3B55}"/>
-              </a:ext>
-            </a:extLst>
-          </p:cNvPr>
+          <p:cNvPr id="6" name="Footer Placeholder 5"/>
           <p:cNvSpPr>
             <a:spLocks noGrp="1"/>
           </p:cNvSpPr>
@@ -1436,13 +1529,7 @@
       </p:sp>
       <p:sp>
         <p:nvSpPr>
-          <p:cNvPr id="7" name="Slide Number Placeholder 6">
-            <a:extLst>
-              <a:ext uri="{FF2B5EF4-FFF2-40B4-BE49-F238E27FC236}">
-                <a16:creationId xmlns:a16="http://schemas.microsoft.com/office/drawing/2014/main" id="{F694092D-6379-4278-87DC-575B8CA35A90}"/>
-              </a:ext>
-            </a:extLst>
-          </p:cNvPr>
+          <p:cNvPr id="7" name="Slide Number Placeholder 6"/>
           <p:cNvSpPr>
             <a:spLocks noGrp="1"/>
           </p:cNvSpPr>
@@ -1466,7 +1553,7 @@
     </p:spTree>
     <p:extLst>
       <p:ext uri="{BB962C8B-B14F-4D97-AF65-F5344CB8AC3E}">
-        <p14:creationId xmlns:p14="http://schemas.microsoft.com/office/powerpoint/2010/main" val="78382627"/>
+        <p14:creationId xmlns:p14="http://schemas.microsoft.com/office/powerpoint/2010/main" val="3131089755"/>
       </p:ext>
     </p:extLst>
   </p:cSld>
@@ -1495,13 +1582,7 @@
       </p:grpSpPr>
       <p:sp>
         <p:nvSpPr>
-          <p:cNvPr id="2" name="Title 1">
-            <a:extLst>
-              <a:ext uri="{FF2B5EF4-FFF2-40B4-BE49-F238E27FC236}">
-                <a16:creationId xmlns:a16="http://schemas.microsoft.com/office/drawing/2014/main" id="{90C76EEF-A6C1-45F6-BC80-C721028D517C}"/>
-              </a:ext>
-            </a:extLst>
-          </p:cNvPr>
+          <p:cNvPr id="2" name="Title 1"/>
           <p:cNvSpPr>
             <a:spLocks noGrp="1"/>
           </p:cNvSpPr>
@@ -1511,8 +1592,8 @@
         </p:nvSpPr>
         <p:spPr>
           <a:xfrm>
-            <a:off x="839788" y="365125"/>
-            <a:ext cx="10515600" cy="1325563"/>
+            <a:off x="629841" y="365126"/>
+            <a:ext cx="7886700" cy="1325563"/>
           </a:xfrm>
         </p:spPr>
         <p:txBody>
@@ -1523,18 +1604,13 @@
               <a:rPr lang="en-US"/>
               <a:t>Click to edit Master title style</a:t>
             </a:r>
-          </a:p>
-        </p:txBody>
-      </p:sp>
-      <p:sp>
-        <p:nvSpPr>
-          <p:cNvPr id="3" name="Text Placeholder 2">
-            <a:extLst>
-              <a:ext uri="{FF2B5EF4-FFF2-40B4-BE49-F238E27FC236}">
-                <a16:creationId xmlns:a16="http://schemas.microsoft.com/office/drawing/2014/main" id="{186363F7-963C-49BB-8299-A113077EA8A6}"/>
-              </a:ext>
-            </a:extLst>
-          </p:cNvPr>
+            <a:endParaRPr lang="en-US" dirty="0"/>
+          </a:p>
+        </p:txBody>
+      </p:sp>
+      <p:sp>
+        <p:nvSpPr>
+          <p:cNvPr id="3" name="Text Placeholder 2"/>
           <p:cNvSpPr>
             <a:spLocks noGrp="1"/>
           </p:cNvSpPr>
@@ -1544,8 +1620,8 @@
         </p:nvSpPr>
         <p:spPr>
           <a:xfrm>
-            <a:off x="839788" y="1681163"/>
-            <a:ext cx="5157787" cy="823912"/>
+            <a:off x="629842" y="1681163"/>
+            <a:ext cx="3868340" cy="823912"/>
           </a:xfrm>
         </p:spPr>
         <p:txBody>
@@ -1599,13 +1675,7 @@
       </p:sp>
       <p:sp>
         <p:nvSpPr>
-          <p:cNvPr id="4" name="Content Placeholder 3">
-            <a:extLst>
-              <a:ext uri="{FF2B5EF4-FFF2-40B4-BE49-F238E27FC236}">
-                <a16:creationId xmlns:a16="http://schemas.microsoft.com/office/drawing/2014/main" id="{682D189B-EEF8-4D3B-8047-7CFB97921ABE}"/>
-              </a:ext>
-            </a:extLst>
-          </p:cNvPr>
+          <p:cNvPr id="4" name="Content Placeholder 3"/>
           <p:cNvSpPr>
             <a:spLocks noGrp="1"/>
           </p:cNvSpPr>
@@ -1615,8 +1685,8 @@
         </p:nvSpPr>
         <p:spPr>
           <a:xfrm>
-            <a:off x="839788" y="2505075"/>
-            <a:ext cx="5157787" cy="3684588"/>
+            <a:off x="629842" y="2505075"/>
+            <a:ext cx="3868340" cy="3684588"/>
           </a:xfrm>
         </p:spPr>
         <p:txBody>
@@ -1656,18 +1726,13 @@
               <a:rPr lang="en-US"/>
               <a:t>Fifth level</a:t>
             </a:r>
-          </a:p>
-        </p:txBody>
-      </p:sp>
-      <p:sp>
-        <p:nvSpPr>
-          <p:cNvPr id="5" name="Text Placeholder 4">
-            <a:extLst>
-              <a:ext uri="{FF2B5EF4-FFF2-40B4-BE49-F238E27FC236}">
-                <a16:creationId xmlns:a16="http://schemas.microsoft.com/office/drawing/2014/main" id="{B82317F1-3AD7-4F28-9EF6-2C92F9E0A0E7}"/>
-              </a:ext>
-            </a:extLst>
-          </p:cNvPr>
+            <a:endParaRPr lang="en-US" dirty="0"/>
+          </a:p>
+        </p:txBody>
+      </p:sp>
+      <p:sp>
+        <p:nvSpPr>
+          <p:cNvPr id="5" name="Text Placeholder 4"/>
           <p:cNvSpPr>
             <a:spLocks noGrp="1"/>
           </p:cNvSpPr>
@@ -1677,8 +1742,8 @@
         </p:nvSpPr>
         <p:spPr>
           <a:xfrm>
-            <a:off x="6172200" y="1681163"/>
-            <a:ext cx="5183188" cy="823912"/>
+            <a:off x="4629150" y="1681163"/>
+            <a:ext cx="3887391" cy="823912"/>
           </a:xfrm>
         </p:spPr>
         <p:txBody>
@@ -1732,13 +1797,7 @@
       </p:sp>
       <p:sp>
         <p:nvSpPr>
-          <p:cNvPr id="6" name="Content Placeholder 5">
-            <a:extLst>
-              <a:ext uri="{FF2B5EF4-FFF2-40B4-BE49-F238E27FC236}">
-                <a16:creationId xmlns:a16="http://schemas.microsoft.com/office/drawing/2014/main" id="{E10BCCE2-C85C-42C5-B135-E36EB401EB0E}"/>
-              </a:ext>
-            </a:extLst>
-          </p:cNvPr>
+          <p:cNvPr id="6" name="Content Placeholder 5"/>
           <p:cNvSpPr>
             <a:spLocks noGrp="1"/>
           </p:cNvSpPr>
@@ -1748,8 +1807,8 @@
         </p:nvSpPr>
         <p:spPr>
           <a:xfrm>
-            <a:off x="6172200" y="2505075"/>
-            <a:ext cx="5183188" cy="3684588"/>
+            <a:off x="4629150" y="2505075"/>
+            <a:ext cx="3887391" cy="3684588"/>
           </a:xfrm>
         </p:spPr>
         <p:txBody>
@@ -1789,18 +1848,13 @@
               <a:rPr lang="en-US"/>
               <a:t>Fifth level</a:t>
             </a:r>
-          </a:p>
-        </p:txBody>
-      </p:sp>
-      <p:sp>
-        <p:nvSpPr>
-          <p:cNvPr id="7" name="Date Placeholder 6">
-            <a:extLst>
-              <a:ext uri="{FF2B5EF4-FFF2-40B4-BE49-F238E27FC236}">
-                <a16:creationId xmlns:a16="http://schemas.microsoft.com/office/drawing/2014/main" id="{9E04DF99-EE28-479B-A986-A7CEFBFF062E}"/>
-              </a:ext>
-            </a:extLst>
-          </p:cNvPr>
+            <a:endParaRPr lang="en-US" dirty="0"/>
+          </a:p>
+        </p:txBody>
+      </p:sp>
+      <p:sp>
+        <p:nvSpPr>
+          <p:cNvPr id="7" name="Date Placeholder 6"/>
           <p:cNvSpPr>
             <a:spLocks noGrp="1"/>
           </p:cNvSpPr>
@@ -1815,7 +1869,7 @@
           <a:p>
             <a:fld id="{8F9251AE-A7A2-42B4-87D6-261A7621CCB4}" type="datetimeFigureOut">
               <a:rPr lang="en-US" smtClean="0"/>
-              <a:t>4/25/2019</a:t>
+              <a:t>4/26/2019</a:t>
             </a:fld>
             <a:endParaRPr lang="en-US"/>
           </a:p>
@@ -1823,13 +1877,7 @@
       </p:sp>
       <p:sp>
         <p:nvSpPr>
-          <p:cNvPr id="8" name="Footer Placeholder 7">
-            <a:extLst>
-              <a:ext uri="{FF2B5EF4-FFF2-40B4-BE49-F238E27FC236}">
-                <a16:creationId xmlns:a16="http://schemas.microsoft.com/office/drawing/2014/main" id="{46AB9D17-ABA0-43F1-8FE5-A8BC05D1115E}"/>
-              </a:ext>
-            </a:extLst>
-          </p:cNvPr>
+          <p:cNvPr id="8" name="Footer Placeholder 7"/>
           <p:cNvSpPr>
             <a:spLocks noGrp="1"/>
           </p:cNvSpPr>
@@ -1848,13 +1896,7 @@
       </p:sp>
       <p:sp>
         <p:nvSpPr>
-          <p:cNvPr id="9" name="Slide Number Placeholder 8">
-            <a:extLst>
-              <a:ext uri="{FF2B5EF4-FFF2-40B4-BE49-F238E27FC236}">
-                <a16:creationId xmlns:a16="http://schemas.microsoft.com/office/drawing/2014/main" id="{DA06816F-687B-4457-B779-9344D7619F87}"/>
-              </a:ext>
-            </a:extLst>
-          </p:cNvPr>
+          <p:cNvPr id="9" name="Slide Number Placeholder 8"/>
           <p:cNvSpPr>
             <a:spLocks noGrp="1"/>
           </p:cNvSpPr>
@@ -1878,7 +1920,7 @@
     </p:spTree>
     <p:extLst>
       <p:ext uri="{BB962C8B-B14F-4D97-AF65-F5344CB8AC3E}">
-        <p14:creationId xmlns:p14="http://schemas.microsoft.com/office/powerpoint/2010/main" val="825226307"/>
+        <p14:creationId xmlns:p14="http://schemas.microsoft.com/office/powerpoint/2010/main" val="3063347099"/>
       </p:ext>
     </p:extLst>
   </p:cSld>
@@ -1907,13 +1949,7 @@
       </p:grpSpPr>
       <p:sp>
         <p:nvSpPr>
-          <p:cNvPr id="2" name="Title 1">
-            <a:extLst>
-              <a:ext uri="{FF2B5EF4-FFF2-40B4-BE49-F238E27FC236}">
-                <a16:creationId xmlns:a16="http://schemas.microsoft.com/office/drawing/2014/main" id="{AB23D5B0-8DC9-42C2-803E-8033206D25B4}"/>
-              </a:ext>
-            </a:extLst>
-          </p:cNvPr>
+          <p:cNvPr id="2" name="Title 1"/>
           <p:cNvSpPr>
             <a:spLocks noGrp="1"/>
           </p:cNvSpPr>
@@ -1930,18 +1966,13 @@
               <a:rPr lang="en-US"/>
               <a:t>Click to edit Master title style</a:t>
             </a:r>
-          </a:p>
-        </p:txBody>
-      </p:sp>
-      <p:sp>
-        <p:nvSpPr>
-          <p:cNvPr id="3" name="Date Placeholder 2">
-            <a:extLst>
-              <a:ext uri="{FF2B5EF4-FFF2-40B4-BE49-F238E27FC236}">
-                <a16:creationId xmlns:a16="http://schemas.microsoft.com/office/drawing/2014/main" id="{79A2484D-4D37-4A93-AAA0-52CD58E60490}"/>
-              </a:ext>
-            </a:extLst>
-          </p:cNvPr>
+            <a:endParaRPr lang="en-US" dirty="0"/>
+          </a:p>
+        </p:txBody>
+      </p:sp>
+      <p:sp>
+        <p:nvSpPr>
+          <p:cNvPr id="3" name="Date Placeholder 2"/>
           <p:cNvSpPr>
             <a:spLocks noGrp="1"/>
           </p:cNvSpPr>
@@ -1956,7 +1987,7 @@
           <a:p>
             <a:fld id="{8F9251AE-A7A2-42B4-87D6-261A7621CCB4}" type="datetimeFigureOut">
               <a:rPr lang="en-US" smtClean="0"/>
-              <a:t>4/25/2019</a:t>
+              <a:t>4/26/2019</a:t>
             </a:fld>
             <a:endParaRPr lang="en-US"/>
           </a:p>
@@ -1964,13 +1995,7 @@
       </p:sp>
       <p:sp>
         <p:nvSpPr>
-          <p:cNvPr id="4" name="Footer Placeholder 3">
-            <a:extLst>
-              <a:ext uri="{FF2B5EF4-FFF2-40B4-BE49-F238E27FC236}">
-                <a16:creationId xmlns:a16="http://schemas.microsoft.com/office/drawing/2014/main" id="{280EC803-9C46-488F-A73C-E967873700CE}"/>
-              </a:ext>
-            </a:extLst>
-          </p:cNvPr>
+          <p:cNvPr id="4" name="Footer Placeholder 3"/>
           <p:cNvSpPr>
             <a:spLocks noGrp="1"/>
           </p:cNvSpPr>
@@ -1989,13 +2014,7 @@
       </p:sp>
       <p:sp>
         <p:nvSpPr>
-          <p:cNvPr id="5" name="Slide Number Placeholder 4">
-            <a:extLst>
-              <a:ext uri="{FF2B5EF4-FFF2-40B4-BE49-F238E27FC236}">
-                <a16:creationId xmlns:a16="http://schemas.microsoft.com/office/drawing/2014/main" id="{A9661990-AA0E-41B4-AB0D-4C348A50F8E8}"/>
-              </a:ext>
-            </a:extLst>
-          </p:cNvPr>
+          <p:cNvPr id="5" name="Slide Number Placeholder 4"/>
           <p:cNvSpPr>
             <a:spLocks noGrp="1"/>
           </p:cNvSpPr>
@@ -2019,7 +2038,7 @@
     </p:spTree>
     <p:extLst>
       <p:ext uri="{BB962C8B-B14F-4D97-AF65-F5344CB8AC3E}">
-        <p14:creationId xmlns:p14="http://schemas.microsoft.com/office/powerpoint/2010/main" val="298632917"/>
+        <p14:creationId xmlns:p14="http://schemas.microsoft.com/office/powerpoint/2010/main" val="686230167"/>
       </p:ext>
     </p:extLst>
   </p:cSld>
@@ -2046,93 +2065,192 @@
           <a:chExt cx="0" cy="0"/>
         </a:xfrm>
       </p:grpSpPr>
-      <p:sp>
-        <p:nvSpPr>
-          <p:cNvPr id="2" name="Date Placeholder 1">
+      <p:pic>
+        <p:nvPicPr>
+          <p:cNvPr id="6" name="Picture 5">
             <a:extLst>
               <a:ext uri="{FF2B5EF4-FFF2-40B4-BE49-F238E27FC236}">
-                <a16:creationId xmlns:a16="http://schemas.microsoft.com/office/drawing/2014/main" id="{5AA2050A-57DE-416C-9C43-8C898FA8EA9C}"/>
+                <a16:creationId xmlns:a16="http://schemas.microsoft.com/office/drawing/2014/main" id="{D4D46AF1-0297-4DB7-B9FC-D6F0709924DE}"/>
               </a:ext>
             </a:extLst>
           </p:cNvPr>
-          <p:cNvSpPr>
-            <a:spLocks noGrp="1"/>
-          </p:cNvSpPr>
-          <p:nvPr>
-            <p:ph type="dt" sz="half" idx="10"/>
-          </p:nvPr>
-        </p:nvSpPr>
-        <p:spPr/>
-        <p:txBody>
-          <a:bodyPr/>
-          <a:lstStyle/>
-          <a:p>
-            <a:fld id="{8F9251AE-A7A2-42B4-87D6-261A7621CCB4}" type="datetimeFigureOut">
-              <a:rPr lang="en-US" smtClean="0"/>
-              <a:t>4/25/2019</a:t>
-            </a:fld>
-            <a:endParaRPr lang="en-US"/>
-          </a:p>
-        </p:txBody>
-      </p:sp>
-      <p:sp>
-        <p:nvSpPr>
-          <p:cNvPr id="3" name="Footer Placeholder 2">
+          <p:cNvPicPr>
+            <a:picLocks noChangeAspect="1"/>
+          </p:cNvPicPr>
+          <p:nvPr userDrawn="1"/>
+        </p:nvPicPr>
+        <p:blipFill>
+          <a:blip r:embed="rId2">
+            <a:duotone>
+              <a:schemeClr val="accent3">
+                <a:shade val="45000"/>
+                <a:satMod val="135000"/>
+              </a:schemeClr>
+              <a:prstClr val="white"/>
+            </a:duotone>
+            <a:extLst>
+              <a:ext uri="{28A0092B-C50C-407E-A947-70E740481C1C}">
+                <a14:useLocalDpi xmlns:a14="http://schemas.microsoft.com/office/drawing/2010/main" val="0"/>
+              </a:ext>
+            </a:extLst>
+          </a:blip>
+          <a:stretch>
+            <a:fillRect/>
+          </a:stretch>
+        </p:blipFill>
+        <p:spPr>
+          <a:xfrm>
+            <a:off x="8905751" y="6621385"/>
+            <a:ext cx="238246" cy="238247"/>
+          </a:xfrm>
+          <a:prstGeom prst="rect">
+            <a:avLst/>
+          </a:prstGeom>
+        </p:spPr>
+      </p:pic>
+      <p:pic>
+        <p:nvPicPr>
+          <p:cNvPr id="8" name="Picture 7">
             <a:extLst>
               <a:ext uri="{FF2B5EF4-FFF2-40B4-BE49-F238E27FC236}">
-                <a16:creationId xmlns:a16="http://schemas.microsoft.com/office/drawing/2014/main" id="{B886B975-534E-4FA1-A6B2-0932279ACBF2}"/>
+                <a16:creationId xmlns:a16="http://schemas.microsoft.com/office/drawing/2014/main" id="{23D3E974-4897-40F8-A888-A462C1A536C6}"/>
               </a:ext>
             </a:extLst>
           </p:cNvPr>
-          <p:cNvSpPr>
-            <a:spLocks noGrp="1"/>
-          </p:cNvSpPr>
-          <p:nvPr>
-            <p:ph type="ftr" sz="quarter" idx="11"/>
-          </p:nvPr>
-        </p:nvSpPr>
-        <p:spPr/>
-        <p:txBody>
-          <a:bodyPr/>
-          <a:lstStyle/>
-          <a:p>
-            <a:endParaRPr lang="en-US"/>
-          </a:p>
-        </p:txBody>
-      </p:sp>
-      <p:sp>
-        <p:nvSpPr>
-          <p:cNvPr id="4" name="Slide Number Placeholder 3">
+          <p:cNvPicPr>
+            <a:picLocks noChangeAspect="1"/>
+          </p:cNvPicPr>
+          <p:nvPr userDrawn="1"/>
+        </p:nvPicPr>
+        <p:blipFill>
+          <a:blip r:embed="rId3">
+            <a:duotone>
+              <a:schemeClr val="accent3">
+                <a:shade val="45000"/>
+                <a:satMod val="135000"/>
+              </a:schemeClr>
+              <a:prstClr val="white"/>
+            </a:duotone>
+            <a:extLst>
+              <a:ext uri="{28A0092B-C50C-407E-A947-70E740481C1C}">
+                <a14:useLocalDpi xmlns:a14="http://schemas.microsoft.com/office/drawing/2010/main" val="0"/>
+              </a:ext>
+            </a:extLst>
+          </a:blip>
+          <a:stretch>
+            <a:fillRect/>
+          </a:stretch>
+        </p:blipFill>
+        <p:spPr>
+          <a:xfrm>
+            <a:off x="7830865" y="6662069"/>
+            <a:ext cx="171535" cy="171535"/>
+          </a:xfrm>
+          <a:prstGeom prst="rect">
+            <a:avLst/>
+          </a:prstGeom>
+        </p:spPr>
+      </p:pic>
+      <p:sp>
+        <p:nvSpPr>
+          <p:cNvPr id="9" name="Rectangle 8">
             <a:extLst>
               <a:ext uri="{FF2B5EF4-FFF2-40B4-BE49-F238E27FC236}">
-                <a16:creationId xmlns:a16="http://schemas.microsoft.com/office/drawing/2014/main" id="{8936A1CC-47F6-44F8-AB77-608DCBFBE236}"/>
+                <a16:creationId xmlns:a16="http://schemas.microsoft.com/office/drawing/2014/main" id="{9AA8BD05-693A-41B5-B9DA-D748F7232F09}"/>
               </a:ext>
             </a:extLst>
           </p:cNvPr>
-          <p:cNvSpPr>
-            <a:spLocks noGrp="1"/>
-          </p:cNvSpPr>
-          <p:nvPr>
-            <p:ph type="sldNum" sz="quarter" idx="12"/>
-          </p:nvPr>
-        </p:nvSpPr>
-        <p:spPr/>
-        <p:txBody>
-          <a:bodyPr/>
-          <a:lstStyle/>
-          <a:p>
-            <a:fld id="{6FD76B2F-FB85-4120-8F09-E66EC8C384C5}" type="slidenum">
-              <a:rPr lang="en-US" smtClean="0"/>
-              <a:t>‹#›</a:t>
-            </a:fld>
-            <a:endParaRPr lang="en-US"/>
+          <p:cNvSpPr/>
+          <p:nvPr userDrawn="1"/>
+        </p:nvSpPr>
+        <p:spPr>
+          <a:xfrm>
+            <a:off x="6979350" y="6627168"/>
+            <a:ext cx="851515" cy="230832"/>
+          </a:xfrm>
+          <a:prstGeom prst="rect">
+            <a:avLst/>
+          </a:prstGeom>
+        </p:spPr>
+        <p:txBody>
+          <a:bodyPr wrap="none">
+            <a:spAutoFit/>
+          </a:bodyPr>
+          <a:lstStyle/>
+          <a:p>
+            <a:pPr algn="r">
+              <a:spcAft>
+                <a:spcPts val="600"/>
+              </a:spcAft>
+            </a:pPr>
+            <a:r>
+              <a:rPr lang="en-US" sz="900" i="1" dirty="0">
+                <a:solidFill>
+                  <a:srgbClr val="777086"/>
+                </a:solidFill>
+              </a:rPr>
+              <a:t>@</a:t>
+            </a:r>
+            <a:r>
+              <a:rPr lang="en-US" sz="900" i="1" dirty="0" err="1">
+                <a:solidFill>
+                  <a:srgbClr val="777086"/>
+                </a:solidFill>
+              </a:rPr>
+              <a:t>anh_n_tran</a:t>
+            </a:r>
+            <a:endParaRPr lang="en-US" sz="900" i="1" dirty="0">
+              <a:solidFill>
+                <a:srgbClr val="777086"/>
+              </a:solidFill>
+            </a:endParaRPr>
+          </a:p>
+        </p:txBody>
+      </p:sp>
+      <p:sp>
+        <p:nvSpPr>
+          <p:cNvPr id="10" name="Rectangle 9">
+            <a:extLst>
+              <a:ext uri="{FF2B5EF4-FFF2-40B4-BE49-F238E27FC236}">
+                <a16:creationId xmlns:a16="http://schemas.microsoft.com/office/drawing/2014/main" id="{5576F69E-B206-40EC-B665-B01F1E8E6B77}"/>
+              </a:ext>
+            </a:extLst>
+          </p:cNvPr>
+          <p:cNvSpPr/>
+          <p:nvPr userDrawn="1"/>
+        </p:nvSpPr>
+        <p:spPr>
+          <a:xfrm>
+            <a:off x="8020797" y="6625634"/>
+            <a:ext cx="933268" cy="230832"/>
+          </a:xfrm>
+          <a:prstGeom prst="rect">
+            <a:avLst/>
+          </a:prstGeom>
+        </p:spPr>
+        <p:txBody>
+          <a:bodyPr wrap="none">
+            <a:spAutoFit/>
+          </a:bodyPr>
+          <a:lstStyle/>
+          <a:p>
+            <a:pPr algn="r"/>
+            <a:r>
+              <a:rPr lang="en-US" sz="900" i="1" dirty="0">
+                <a:solidFill>
+                  <a:srgbClr val="777086"/>
+                </a:solidFill>
+              </a:rPr>
+              <a:t>trannhatanh89</a:t>
+            </a:r>
+            <a:endParaRPr lang="en-US" sz="900" dirty="0"/>
           </a:p>
         </p:txBody>
       </p:sp>
     </p:spTree>
     <p:extLst>
       <p:ext uri="{BB962C8B-B14F-4D97-AF65-F5344CB8AC3E}">
-        <p14:creationId xmlns:p14="http://schemas.microsoft.com/office/powerpoint/2010/main" val="1677952354"/>
+        <p14:creationId xmlns:p14="http://schemas.microsoft.com/office/powerpoint/2010/main" val="3496814307"/>
       </p:ext>
     </p:extLst>
   </p:cSld>
@@ -2143,6 +2261,36 @@
 </file>
 
 <file path=ppt/slideLayouts/slideLayout8.xml><?xml version="1.0" encoding="utf-8"?>
+<p:sldLayout xmlns:a="http://schemas.openxmlformats.org/drawingml/2006/main" xmlns:r="http://schemas.openxmlformats.org/officeDocument/2006/relationships" xmlns:p="http://schemas.openxmlformats.org/presentationml/2006/main" preserve="1" userDrawn="1">
+  <p:cSld name="Custom Layout">
+    <p:spTree>
+      <p:nvGrpSpPr>
+        <p:cNvPr id="1" name=""/>
+        <p:cNvGrpSpPr/>
+        <p:nvPr/>
+      </p:nvGrpSpPr>
+      <p:grpSpPr>
+        <a:xfrm>
+          <a:off x="0" y="0"/>
+          <a:ext cx="0" cy="0"/>
+          <a:chOff x="0" y="0"/>
+          <a:chExt cx="0" cy="0"/>
+        </a:xfrm>
+      </p:grpSpPr>
+    </p:spTree>
+    <p:extLst>
+      <p:ext uri="{BB962C8B-B14F-4D97-AF65-F5344CB8AC3E}">
+        <p14:creationId xmlns:p14="http://schemas.microsoft.com/office/powerpoint/2010/main" val="1191767921"/>
+      </p:ext>
+    </p:extLst>
+  </p:cSld>
+  <p:clrMapOvr>
+    <a:masterClrMapping/>
+  </p:clrMapOvr>
+</p:sldLayout>
+</file>
+
+<file path=ppt/slideLayouts/slideLayout9.xml><?xml version="1.0" encoding="utf-8"?>
 <p:sldLayout xmlns:a="http://schemas.openxmlformats.org/drawingml/2006/main" xmlns:r="http://schemas.openxmlformats.org/officeDocument/2006/relationships" xmlns:p="http://schemas.openxmlformats.org/presentationml/2006/main" type="objTx" preserve="1">
   <p:cSld name="Content with Caption">
     <p:spTree>
@@ -2161,13 +2309,7 @@
       </p:grpSpPr>
       <p:sp>
         <p:nvSpPr>
-          <p:cNvPr id="2" name="Title 1">
-            <a:extLst>
-              <a:ext uri="{FF2B5EF4-FFF2-40B4-BE49-F238E27FC236}">
-                <a16:creationId xmlns:a16="http://schemas.microsoft.com/office/drawing/2014/main" id="{2940BD51-D857-44AB-BE1E-4D604048D16A}"/>
-              </a:ext>
-            </a:extLst>
-          </p:cNvPr>
+          <p:cNvPr id="2" name="Title 1"/>
           <p:cNvSpPr>
             <a:spLocks noGrp="1"/>
           </p:cNvSpPr>
@@ -2177,8 +2319,8 @@
         </p:nvSpPr>
         <p:spPr>
           <a:xfrm>
-            <a:off x="839788" y="457200"/>
-            <a:ext cx="3932237" cy="1600200"/>
+            <a:off x="629841" y="457200"/>
+            <a:ext cx="2949178" cy="1600200"/>
           </a:xfrm>
         </p:spPr>
         <p:txBody>
@@ -2193,18 +2335,13 @@
               <a:rPr lang="en-US"/>
               <a:t>Click to edit Master title style</a:t>
             </a:r>
-          </a:p>
-        </p:txBody>
-      </p:sp>
-      <p:sp>
-        <p:nvSpPr>
-          <p:cNvPr id="3" name="Content Placeholder 2">
-            <a:extLst>
-              <a:ext uri="{FF2B5EF4-FFF2-40B4-BE49-F238E27FC236}">
-                <a16:creationId xmlns:a16="http://schemas.microsoft.com/office/drawing/2014/main" id="{E1B616E8-BF9C-46FB-855B-CF77A1B11E08}"/>
-              </a:ext>
-            </a:extLst>
-          </p:cNvPr>
+            <a:endParaRPr lang="en-US" dirty="0"/>
+          </a:p>
+        </p:txBody>
+      </p:sp>
+      <p:sp>
+        <p:nvSpPr>
+          <p:cNvPr id="3" name="Content Placeholder 2"/>
           <p:cNvSpPr>
             <a:spLocks noGrp="1"/>
           </p:cNvSpPr>
@@ -2214,8 +2351,8 @@
         </p:nvSpPr>
         <p:spPr>
           <a:xfrm>
-            <a:off x="5183188" y="987425"/>
-            <a:ext cx="6172200" cy="4873625"/>
+            <a:off x="3887391" y="987426"/>
+            <a:ext cx="4629150" cy="4873625"/>
           </a:xfrm>
         </p:spPr>
         <p:txBody>
@@ -2283,18 +2420,13 @@
               <a:rPr lang="en-US"/>
               <a:t>Fifth level</a:t>
             </a:r>
-          </a:p>
-        </p:txBody>
-      </p:sp>
-      <p:sp>
-        <p:nvSpPr>
-          <p:cNvPr id="4" name="Text Placeholder 3">
-            <a:extLst>
-              <a:ext uri="{FF2B5EF4-FFF2-40B4-BE49-F238E27FC236}">
-                <a16:creationId xmlns:a16="http://schemas.microsoft.com/office/drawing/2014/main" id="{5B530F3C-855F-4402-9A2E-E1DFBBDF9BAE}"/>
-              </a:ext>
-            </a:extLst>
-          </p:cNvPr>
+            <a:endParaRPr lang="en-US" dirty="0"/>
+          </a:p>
+        </p:txBody>
+      </p:sp>
+      <p:sp>
+        <p:nvSpPr>
+          <p:cNvPr id="4" name="Text Placeholder 3"/>
           <p:cNvSpPr>
             <a:spLocks noGrp="1"/>
           </p:cNvSpPr>
@@ -2304,8 +2436,8 @@
         </p:nvSpPr>
         <p:spPr>
           <a:xfrm>
-            <a:off x="839788" y="2057400"/>
-            <a:ext cx="3932237" cy="3811588"/>
+            <a:off x="629841" y="2057400"/>
+            <a:ext cx="2949178" cy="3811588"/>
           </a:xfrm>
         </p:spPr>
         <p:txBody>
@@ -2359,13 +2491,7 @@
       </p:sp>
       <p:sp>
         <p:nvSpPr>
-          <p:cNvPr id="5" name="Date Placeholder 4">
-            <a:extLst>
-              <a:ext uri="{FF2B5EF4-FFF2-40B4-BE49-F238E27FC236}">
-                <a16:creationId xmlns:a16="http://schemas.microsoft.com/office/drawing/2014/main" id="{2FEABE25-01CA-42AD-A669-C9C778C04F09}"/>
-              </a:ext>
-            </a:extLst>
-          </p:cNvPr>
+          <p:cNvPr id="5" name="Date Placeholder 4"/>
           <p:cNvSpPr>
             <a:spLocks noGrp="1"/>
           </p:cNvSpPr>
@@ -2380,7 +2506,7 @@
           <a:p>
             <a:fld id="{8F9251AE-A7A2-42B4-87D6-261A7621CCB4}" type="datetimeFigureOut">
               <a:rPr lang="en-US" smtClean="0"/>
-              <a:t>4/25/2019</a:t>
+              <a:t>4/26/2019</a:t>
             </a:fld>
             <a:endParaRPr lang="en-US"/>
           </a:p>
@@ -2388,13 +2514,7 @@
       </p:sp>
       <p:sp>
         <p:nvSpPr>
-          <p:cNvPr id="6" name="Footer Placeholder 5">
-            <a:extLst>
-              <a:ext uri="{FF2B5EF4-FFF2-40B4-BE49-F238E27FC236}">
-                <a16:creationId xmlns:a16="http://schemas.microsoft.com/office/drawing/2014/main" id="{4EEEC304-D382-48E7-A0C5-7E4ACA1D01E6}"/>
-              </a:ext>
-            </a:extLst>
-          </p:cNvPr>
+          <p:cNvPr id="6" name="Footer Placeholder 5"/>
           <p:cNvSpPr>
             <a:spLocks noGrp="1"/>
           </p:cNvSpPr>
@@ -2413,13 +2533,7 @@
       </p:sp>
       <p:sp>
         <p:nvSpPr>
-          <p:cNvPr id="7" name="Slide Number Placeholder 6">
-            <a:extLst>
-              <a:ext uri="{FF2B5EF4-FFF2-40B4-BE49-F238E27FC236}">
-                <a16:creationId xmlns:a16="http://schemas.microsoft.com/office/drawing/2014/main" id="{BB676D0F-77BE-4858-A812-3C3CB8927955}"/>
-              </a:ext>
-            </a:extLst>
-          </p:cNvPr>
+          <p:cNvPr id="7" name="Slide Number Placeholder 6"/>
           <p:cNvSpPr>
             <a:spLocks noGrp="1"/>
           </p:cNvSpPr>
@@ -2443,295 +2557,7 @@
     </p:spTree>
     <p:extLst>
       <p:ext uri="{BB962C8B-B14F-4D97-AF65-F5344CB8AC3E}">
-        <p14:creationId xmlns:p14="http://schemas.microsoft.com/office/powerpoint/2010/main" val="486272424"/>
-      </p:ext>
-    </p:extLst>
-  </p:cSld>
-  <p:clrMapOvr>
-    <a:masterClrMapping/>
-  </p:clrMapOvr>
-</p:sldLayout>
-</file>
-
-<file path=ppt/slideLayouts/slideLayout9.xml><?xml version="1.0" encoding="utf-8"?>
-<p:sldLayout xmlns:a="http://schemas.openxmlformats.org/drawingml/2006/main" xmlns:r="http://schemas.openxmlformats.org/officeDocument/2006/relationships" xmlns:p="http://schemas.openxmlformats.org/presentationml/2006/main" type="picTx" preserve="1">
-  <p:cSld name="Picture with Caption">
-    <p:spTree>
-      <p:nvGrpSpPr>
-        <p:cNvPr id="1" name=""/>
-        <p:cNvGrpSpPr/>
-        <p:nvPr/>
-      </p:nvGrpSpPr>
-      <p:grpSpPr>
-        <a:xfrm>
-          <a:off x="0" y="0"/>
-          <a:ext cx="0" cy="0"/>
-          <a:chOff x="0" y="0"/>
-          <a:chExt cx="0" cy="0"/>
-        </a:xfrm>
-      </p:grpSpPr>
-      <p:sp>
-        <p:nvSpPr>
-          <p:cNvPr id="2" name="Title 1">
-            <a:extLst>
-              <a:ext uri="{FF2B5EF4-FFF2-40B4-BE49-F238E27FC236}">
-                <a16:creationId xmlns:a16="http://schemas.microsoft.com/office/drawing/2014/main" id="{1E9E21A6-97FB-4D94-AC67-3C58686294B7}"/>
-              </a:ext>
-            </a:extLst>
-          </p:cNvPr>
-          <p:cNvSpPr>
-            <a:spLocks noGrp="1"/>
-          </p:cNvSpPr>
-          <p:nvPr>
-            <p:ph type="title"/>
-          </p:nvPr>
-        </p:nvSpPr>
-        <p:spPr>
-          <a:xfrm>
-            <a:off x="839788" y="457200"/>
-            <a:ext cx="3932237" cy="1600200"/>
-          </a:xfrm>
-        </p:spPr>
-        <p:txBody>
-          <a:bodyPr anchor="b"/>
-          <a:lstStyle>
-            <a:lvl1pPr>
-              <a:defRPr sz="3200"/>
-            </a:lvl1pPr>
-          </a:lstStyle>
-          <a:p>
-            <a:r>
-              <a:rPr lang="en-US"/>
-              <a:t>Click to edit Master title style</a:t>
-            </a:r>
-          </a:p>
-        </p:txBody>
-      </p:sp>
-      <p:sp>
-        <p:nvSpPr>
-          <p:cNvPr id="3" name="Picture Placeholder 2">
-            <a:extLst>
-              <a:ext uri="{FF2B5EF4-FFF2-40B4-BE49-F238E27FC236}">
-                <a16:creationId xmlns:a16="http://schemas.microsoft.com/office/drawing/2014/main" id="{6054E25D-5EFB-4177-9CFE-0B91C6486EEE}"/>
-              </a:ext>
-            </a:extLst>
-          </p:cNvPr>
-          <p:cNvSpPr>
-            <a:spLocks noGrp="1"/>
-          </p:cNvSpPr>
-          <p:nvPr>
-            <p:ph type="pic" idx="1"/>
-          </p:nvPr>
-        </p:nvSpPr>
-        <p:spPr>
-          <a:xfrm>
-            <a:off x="5183188" y="987425"/>
-            <a:ext cx="6172200" cy="4873625"/>
-          </a:xfrm>
-        </p:spPr>
-        <p:txBody>
-          <a:bodyPr/>
-          <a:lstStyle>
-            <a:lvl1pPr marL="0" indent="0">
-              <a:buNone/>
-              <a:defRPr sz="3200"/>
-            </a:lvl1pPr>
-            <a:lvl2pPr marL="457200" indent="0">
-              <a:buNone/>
-              <a:defRPr sz="2800"/>
-            </a:lvl2pPr>
-            <a:lvl3pPr marL="914400" indent="0">
-              <a:buNone/>
-              <a:defRPr sz="2400"/>
-            </a:lvl3pPr>
-            <a:lvl4pPr marL="1371600" indent="0">
-              <a:buNone/>
-              <a:defRPr sz="2000"/>
-            </a:lvl4pPr>
-            <a:lvl5pPr marL="1828800" indent="0">
-              <a:buNone/>
-              <a:defRPr sz="2000"/>
-            </a:lvl5pPr>
-            <a:lvl6pPr marL="2286000" indent="0">
-              <a:buNone/>
-              <a:defRPr sz="2000"/>
-            </a:lvl6pPr>
-            <a:lvl7pPr marL="2743200" indent="0">
-              <a:buNone/>
-              <a:defRPr sz="2000"/>
-            </a:lvl7pPr>
-            <a:lvl8pPr marL="3200400" indent="0">
-              <a:buNone/>
-              <a:defRPr sz="2000"/>
-            </a:lvl8pPr>
-            <a:lvl9pPr marL="3657600" indent="0">
-              <a:buNone/>
-              <a:defRPr sz="2000"/>
-            </a:lvl9pPr>
-          </a:lstStyle>
-          <a:p>
-            <a:endParaRPr lang="en-US"/>
-          </a:p>
-        </p:txBody>
-      </p:sp>
-      <p:sp>
-        <p:nvSpPr>
-          <p:cNvPr id="4" name="Text Placeholder 3">
-            <a:extLst>
-              <a:ext uri="{FF2B5EF4-FFF2-40B4-BE49-F238E27FC236}">
-                <a16:creationId xmlns:a16="http://schemas.microsoft.com/office/drawing/2014/main" id="{49CC16F3-6B4D-4645-BF56-A6FBBA07209B}"/>
-              </a:ext>
-            </a:extLst>
-          </p:cNvPr>
-          <p:cNvSpPr>
-            <a:spLocks noGrp="1"/>
-          </p:cNvSpPr>
-          <p:nvPr>
-            <p:ph type="body" sz="half" idx="2"/>
-          </p:nvPr>
-        </p:nvSpPr>
-        <p:spPr>
-          <a:xfrm>
-            <a:off x="839788" y="2057400"/>
-            <a:ext cx="3932237" cy="3811588"/>
-          </a:xfrm>
-        </p:spPr>
-        <p:txBody>
-          <a:bodyPr/>
-          <a:lstStyle>
-            <a:lvl1pPr marL="0" indent="0">
-              <a:buNone/>
-              <a:defRPr sz="1600"/>
-            </a:lvl1pPr>
-            <a:lvl2pPr marL="457200" indent="0">
-              <a:buNone/>
-              <a:defRPr sz="1400"/>
-            </a:lvl2pPr>
-            <a:lvl3pPr marL="914400" indent="0">
-              <a:buNone/>
-              <a:defRPr sz="1200"/>
-            </a:lvl3pPr>
-            <a:lvl4pPr marL="1371600" indent="0">
-              <a:buNone/>
-              <a:defRPr sz="1000"/>
-            </a:lvl4pPr>
-            <a:lvl5pPr marL="1828800" indent="0">
-              <a:buNone/>
-              <a:defRPr sz="1000"/>
-            </a:lvl5pPr>
-            <a:lvl6pPr marL="2286000" indent="0">
-              <a:buNone/>
-              <a:defRPr sz="1000"/>
-            </a:lvl6pPr>
-            <a:lvl7pPr marL="2743200" indent="0">
-              <a:buNone/>
-              <a:defRPr sz="1000"/>
-            </a:lvl7pPr>
-            <a:lvl8pPr marL="3200400" indent="0">
-              <a:buNone/>
-              <a:defRPr sz="1000"/>
-            </a:lvl8pPr>
-            <a:lvl9pPr marL="3657600" indent="0">
-              <a:buNone/>
-              <a:defRPr sz="1000"/>
-            </a:lvl9pPr>
-          </a:lstStyle>
-          <a:p>
-            <a:pPr lvl="0"/>
-            <a:r>
-              <a:rPr lang="en-US"/>
-              <a:t>Click to edit Master text styles</a:t>
-            </a:r>
-          </a:p>
-        </p:txBody>
-      </p:sp>
-      <p:sp>
-        <p:nvSpPr>
-          <p:cNvPr id="5" name="Date Placeholder 4">
-            <a:extLst>
-              <a:ext uri="{FF2B5EF4-FFF2-40B4-BE49-F238E27FC236}">
-                <a16:creationId xmlns:a16="http://schemas.microsoft.com/office/drawing/2014/main" id="{2CD7EBF0-A0C3-4722-B3F7-74CCD12439A7}"/>
-              </a:ext>
-            </a:extLst>
-          </p:cNvPr>
-          <p:cNvSpPr>
-            <a:spLocks noGrp="1"/>
-          </p:cNvSpPr>
-          <p:nvPr>
-            <p:ph type="dt" sz="half" idx="10"/>
-          </p:nvPr>
-        </p:nvSpPr>
-        <p:spPr/>
-        <p:txBody>
-          <a:bodyPr/>
-          <a:lstStyle/>
-          <a:p>
-            <a:fld id="{8F9251AE-A7A2-42B4-87D6-261A7621CCB4}" type="datetimeFigureOut">
-              <a:rPr lang="en-US" smtClean="0"/>
-              <a:t>4/25/2019</a:t>
-            </a:fld>
-            <a:endParaRPr lang="en-US"/>
-          </a:p>
-        </p:txBody>
-      </p:sp>
-      <p:sp>
-        <p:nvSpPr>
-          <p:cNvPr id="6" name="Footer Placeholder 5">
-            <a:extLst>
-              <a:ext uri="{FF2B5EF4-FFF2-40B4-BE49-F238E27FC236}">
-                <a16:creationId xmlns:a16="http://schemas.microsoft.com/office/drawing/2014/main" id="{41F5CF32-6514-4723-ABF8-CE9FE03C9B3D}"/>
-              </a:ext>
-            </a:extLst>
-          </p:cNvPr>
-          <p:cNvSpPr>
-            <a:spLocks noGrp="1"/>
-          </p:cNvSpPr>
-          <p:nvPr>
-            <p:ph type="ftr" sz="quarter" idx="11"/>
-          </p:nvPr>
-        </p:nvSpPr>
-        <p:spPr/>
-        <p:txBody>
-          <a:bodyPr/>
-          <a:lstStyle/>
-          <a:p>
-            <a:endParaRPr lang="en-US"/>
-          </a:p>
-        </p:txBody>
-      </p:sp>
-      <p:sp>
-        <p:nvSpPr>
-          <p:cNvPr id="7" name="Slide Number Placeholder 6">
-            <a:extLst>
-              <a:ext uri="{FF2B5EF4-FFF2-40B4-BE49-F238E27FC236}">
-                <a16:creationId xmlns:a16="http://schemas.microsoft.com/office/drawing/2014/main" id="{448202F7-B9CF-4047-A599-420C174E0936}"/>
-              </a:ext>
-            </a:extLst>
-          </p:cNvPr>
-          <p:cNvSpPr>
-            <a:spLocks noGrp="1"/>
-          </p:cNvSpPr>
-          <p:nvPr>
-            <p:ph type="sldNum" sz="quarter" idx="12"/>
-          </p:nvPr>
-        </p:nvSpPr>
-        <p:spPr/>
-        <p:txBody>
-          <a:bodyPr/>
-          <a:lstStyle/>
-          <a:p>
-            <a:fld id="{6FD76B2F-FB85-4120-8F09-E66EC8C384C5}" type="slidenum">
-              <a:rPr lang="en-US" smtClean="0"/>
-              <a:t>‹#›</a:t>
-            </a:fld>
-            <a:endParaRPr lang="en-US"/>
-          </a:p>
-        </p:txBody>
-      </p:sp>
-    </p:spTree>
-    <p:extLst>
-      <p:ext uri="{BB962C8B-B14F-4D97-AF65-F5344CB8AC3E}">
-        <p14:creationId xmlns:p14="http://schemas.microsoft.com/office/powerpoint/2010/main" val="1029414207"/>
+        <p14:creationId xmlns:p14="http://schemas.microsoft.com/office/powerpoint/2010/main" val="775619257"/>
       </p:ext>
     </p:extLst>
   </p:cSld>
@@ -2765,13 +2591,7 @@
       </p:grpSpPr>
       <p:sp>
         <p:nvSpPr>
-          <p:cNvPr id="2" name="Title Placeholder 1">
-            <a:extLst>
-              <a:ext uri="{FF2B5EF4-FFF2-40B4-BE49-F238E27FC236}">
-                <a16:creationId xmlns:a16="http://schemas.microsoft.com/office/drawing/2014/main" id="{0CC249B4-8ACC-4A4B-9159-960777595775}"/>
-              </a:ext>
-            </a:extLst>
-          </p:cNvPr>
+          <p:cNvPr id="2" name="Title Placeholder 1"/>
           <p:cNvSpPr>
             <a:spLocks noGrp="1"/>
           </p:cNvSpPr>
@@ -2781,8 +2601,8 @@
         </p:nvSpPr>
         <p:spPr>
           <a:xfrm>
-            <a:off x="838200" y="365125"/>
-            <a:ext cx="10515600" cy="1325563"/>
+            <a:off x="628650" y="365126"/>
+            <a:ext cx="7886700" cy="1325563"/>
           </a:xfrm>
           <a:prstGeom prst="rect">
             <a:avLst/>
@@ -2798,18 +2618,13 @@
               <a:rPr lang="en-US"/>
               <a:t>Click to edit Master title style</a:t>
             </a:r>
-          </a:p>
-        </p:txBody>
-      </p:sp>
-      <p:sp>
-        <p:nvSpPr>
-          <p:cNvPr id="3" name="Text Placeholder 2">
-            <a:extLst>
-              <a:ext uri="{FF2B5EF4-FFF2-40B4-BE49-F238E27FC236}">
-                <a16:creationId xmlns:a16="http://schemas.microsoft.com/office/drawing/2014/main" id="{F2791BEE-0A92-449E-9DF1-37CC9AF3A988}"/>
-              </a:ext>
-            </a:extLst>
-          </p:cNvPr>
+            <a:endParaRPr lang="en-US" dirty="0"/>
+          </a:p>
+        </p:txBody>
+      </p:sp>
+      <p:sp>
+        <p:nvSpPr>
+          <p:cNvPr id="3" name="Text Placeholder 2"/>
           <p:cNvSpPr>
             <a:spLocks noGrp="1"/>
           </p:cNvSpPr>
@@ -2819,8 +2634,8 @@
         </p:nvSpPr>
         <p:spPr>
           <a:xfrm>
-            <a:off x="838200" y="1825625"/>
-            <a:ext cx="10515600" cy="4351338"/>
+            <a:off x="628650" y="1825625"/>
+            <a:ext cx="7886700" cy="4351338"/>
           </a:xfrm>
           <a:prstGeom prst="rect">
             <a:avLst/>
@@ -2865,18 +2680,13 @@
               <a:rPr lang="en-US"/>
               <a:t>Fifth level</a:t>
             </a:r>
-          </a:p>
-        </p:txBody>
-      </p:sp>
-      <p:sp>
-        <p:nvSpPr>
-          <p:cNvPr id="4" name="Date Placeholder 3">
-            <a:extLst>
-              <a:ext uri="{FF2B5EF4-FFF2-40B4-BE49-F238E27FC236}">
-                <a16:creationId xmlns:a16="http://schemas.microsoft.com/office/drawing/2014/main" id="{8759BE07-9E91-4078-BBCA-6F7E549E026C}"/>
-              </a:ext>
-            </a:extLst>
-          </p:cNvPr>
+            <a:endParaRPr lang="en-US" dirty="0"/>
+          </a:p>
+        </p:txBody>
+      </p:sp>
+      <p:sp>
+        <p:nvSpPr>
+          <p:cNvPr id="4" name="Date Placeholder 3"/>
           <p:cNvSpPr>
             <a:spLocks noGrp="1"/>
           </p:cNvSpPr>
@@ -2886,8 +2696,8 @@
         </p:nvSpPr>
         <p:spPr>
           <a:xfrm>
-            <a:off x="838200" y="6356350"/>
-            <a:ext cx="2743200" cy="365125"/>
+            <a:off x="628650" y="6356351"/>
+            <a:ext cx="2057400" cy="365125"/>
           </a:xfrm>
           <a:prstGeom prst="rect">
             <a:avLst/>
@@ -2909,7 +2719,7 @@
           <a:p>
             <a:fld id="{8F9251AE-A7A2-42B4-87D6-261A7621CCB4}" type="datetimeFigureOut">
               <a:rPr lang="en-US" smtClean="0"/>
-              <a:t>4/25/2019</a:t>
+              <a:t>4/26/2019</a:t>
             </a:fld>
             <a:endParaRPr lang="en-US"/>
           </a:p>
@@ -2917,13 +2727,7 @@
       </p:sp>
       <p:sp>
         <p:nvSpPr>
-          <p:cNvPr id="5" name="Footer Placeholder 4">
-            <a:extLst>
-              <a:ext uri="{FF2B5EF4-FFF2-40B4-BE49-F238E27FC236}">
-                <a16:creationId xmlns:a16="http://schemas.microsoft.com/office/drawing/2014/main" id="{83F9A36F-9FCC-4771-B6D7-F891AC5E55AF}"/>
-              </a:ext>
-            </a:extLst>
-          </p:cNvPr>
+          <p:cNvPr id="5" name="Footer Placeholder 4"/>
           <p:cNvSpPr>
             <a:spLocks noGrp="1"/>
           </p:cNvSpPr>
@@ -2933,8 +2737,8 @@
         </p:nvSpPr>
         <p:spPr>
           <a:xfrm>
-            <a:off x="4038600" y="6356350"/>
-            <a:ext cx="4114800" cy="365125"/>
+            <a:off x="3028950" y="6356351"/>
+            <a:ext cx="3086100" cy="365125"/>
           </a:xfrm>
           <a:prstGeom prst="rect">
             <a:avLst/>
@@ -2960,13 +2764,7 @@
       </p:sp>
       <p:sp>
         <p:nvSpPr>
-          <p:cNvPr id="6" name="Slide Number Placeholder 5">
-            <a:extLst>
-              <a:ext uri="{FF2B5EF4-FFF2-40B4-BE49-F238E27FC236}">
-                <a16:creationId xmlns:a16="http://schemas.microsoft.com/office/drawing/2014/main" id="{2FE21FA1-7F18-481D-88E3-3BED466C2822}"/>
-              </a:ext>
-            </a:extLst>
-          </p:cNvPr>
+          <p:cNvPr id="6" name="Slide Number Placeholder 5"/>
           <p:cNvSpPr>
             <a:spLocks noGrp="1"/>
           </p:cNvSpPr>
@@ -2976,8 +2774,8 @@
         </p:nvSpPr>
         <p:spPr>
           <a:xfrm>
-            <a:off x="8610600" y="6356350"/>
-            <a:ext cx="2743200" cy="365125"/>
+            <a:off x="6457950" y="6356351"/>
+            <a:ext cx="2057400" cy="365125"/>
           </a:xfrm>
           <a:prstGeom prst="rect">
             <a:avLst/>
@@ -3008,23 +2806,24 @@
     </p:spTree>
     <p:extLst>
       <p:ext uri="{BB962C8B-B14F-4D97-AF65-F5344CB8AC3E}">
-        <p14:creationId xmlns:p14="http://schemas.microsoft.com/office/powerpoint/2010/main" val="3491539078"/>
+        <p14:creationId xmlns:p14="http://schemas.microsoft.com/office/powerpoint/2010/main" val="4098730857"/>
       </p:ext>
     </p:extLst>
   </p:cSld>
   <p:clrMap bg1="lt1" tx1="dk1" bg2="lt2" tx2="dk2" accent1="accent1" accent2="accent2" accent3="accent3" accent4="accent4" accent5="accent5" accent6="accent6" hlink="hlink" folHlink="folHlink"/>
   <p:sldLayoutIdLst>
-    <p:sldLayoutId id="2147483649" r:id="rId1"/>
-    <p:sldLayoutId id="2147483650" r:id="rId2"/>
-    <p:sldLayoutId id="2147483651" r:id="rId3"/>
-    <p:sldLayoutId id="2147483652" r:id="rId4"/>
-    <p:sldLayoutId id="2147483653" r:id="rId5"/>
-    <p:sldLayoutId id="2147483654" r:id="rId6"/>
-    <p:sldLayoutId id="2147483655" r:id="rId7"/>
-    <p:sldLayoutId id="2147483656" r:id="rId8"/>
-    <p:sldLayoutId id="2147483657" r:id="rId9"/>
-    <p:sldLayoutId id="2147483658" r:id="rId10"/>
-    <p:sldLayoutId id="2147483659" r:id="rId11"/>
+    <p:sldLayoutId id="2147483661" r:id="rId1"/>
+    <p:sldLayoutId id="2147483662" r:id="rId2"/>
+    <p:sldLayoutId id="2147483663" r:id="rId3"/>
+    <p:sldLayoutId id="2147483664" r:id="rId4"/>
+    <p:sldLayoutId id="2147483665" r:id="rId5"/>
+    <p:sldLayoutId id="2147483666" r:id="rId6"/>
+    <p:sldLayoutId id="2147483667" r:id="rId7"/>
+    <p:sldLayoutId id="2147483672" r:id="rId8"/>
+    <p:sldLayoutId id="2147483668" r:id="rId9"/>
+    <p:sldLayoutId id="2147483669" r:id="rId10"/>
+    <p:sldLayoutId id="2147483670" r:id="rId11"/>
+    <p:sldLayoutId id="2147483671" r:id="rId12"/>
   </p:sldLayoutIdLst>
   <p:txStyles>
     <p:titleStyle>
@@ -3353,9 +3152,9 @@
           </a:stretch>
         </p:blipFill>
         <p:spPr>
-          <a:xfrm rot="20439523">
-            <a:off x="1114207" y="2150035"/>
-            <a:ext cx="3590808" cy="4144859"/>
+          <a:xfrm rot="20768738">
+            <a:off x="573749" y="2662595"/>
+            <a:ext cx="3241507" cy="3741662"/>
           </a:xfrm>
           <a:prstGeom prst="rect">
             <a:avLst/>
@@ -3383,7 +3182,7 @@
         </p:nvSpPr>
         <p:spPr>
           <a:xfrm>
-            <a:off x="4313248" y="795206"/>
+            <a:off x="1690121" y="859863"/>
             <a:ext cx="6982874" cy="1754326"/>
           </a:xfrm>
           <a:prstGeom prst="rect">
@@ -3440,6 +3239,267 @@
                 <a:latin typeface="+mj-lt"/>
               </a:rPr>
               <a:t>from a public dataset</a:t>
+            </a:r>
+          </a:p>
+        </p:txBody>
+      </p:sp>
+      <p:grpSp>
+        <p:nvGrpSpPr>
+          <p:cNvPr id="9" name="Group 8">
+            <a:extLst>
+              <a:ext uri="{FF2B5EF4-FFF2-40B4-BE49-F238E27FC236}">
+                <a16:creationId xmlns:a16="http://schemas.microsoft.com/office/drawing/2014/main" id="{DBAEADEF-19A9-4910-BE9D-7AF369BCFD59}"/>
+              </a:ext>
+            </a:extLst>
+          </p:cNvPr>
+          <p:cNvGrpSpPr/>
+          <p:nvPr/>
+        </p:nvGrpSpPr>
+        <p:grpSpPr>
+          <a:xfrm>
+            <a:off x="5181558" y="4355536"/>
+            <a:ext cx="3586879" cy="1369606"/>
+            <a:chOff x="5078034" y="3497171"/>
+            <a:chExt cx="3586879" cy="1369606"/>
+          </a:xfrm>
+        </p:grpSpPr>
+        <p:pic>
+          <p:nvPicPr>
+            <p:cNvPr id="4" name="Picture 3">
+              <a:extLst>
+                <a:ext uri="{FF2B5EF4-FFF2-40B4-BE49-F238E27FC236}">
+                  <a16:creationId xmlns:a16="http://schemas.microsoft.com/office/drawing/2014/main" id="{04E5339E-A1A5-48D1-8794-5F1E3D374D12}"/>
+                </a:ext>
+              </a:extLst>
+            </p:cNvPr>
+            <p:cNvPicPr>
+              <a:picLocks noChangeAspect="1"/>
+            </p:cNvPicPr>
+            <p:nvPr/>
+          </p:nvPicPr>
+          <p:blipFill>
+            <a:blip r:embed="rId3">
+              <a:duotone>
+                <a:schemeClr val="accent3">
+                  <a:shade val="45000"/>
+                  <a:satMod val="135000"/>
+                </a:schemeClr>
+                <a:prstClr val="white"/>
+              </a:duotone>
+              <a:extLst>
+                <a:ext uri="{28A0092B-C50C-407E-A947-70E740481C1C}">
+                  <a14:useLocalDpi xmlns:a14="http://schemas.microsoft.com/office/drawing/2010/main" val="0"/>
+                </a:ext>
+              </a:extLst>
+            </a:blip>
+            <a:stretch>
+              <a:fillRect/>
+            </a:stretch>
+          </p:blipFill>
+          <p:spPr>
+            <a:xfrm>
+              <a:off x="8297768" y="4468854"/>
+              <a:ext cx="367145" cy="367145"/>
+            </a:xfrm>
+            <a:prstGeom prst="rect">
+              <a:avLst/>
+            </a:prstGeom>
+          </p:spPr>
+        </p:pic>
+        <p:sp>
+          <p:nvSpPr>
+            <p:cNvPr id="2" name="TextBox 1">
+              <a:extLst>
+                <a:ext uri="{FF2B5EF4-FFF2-40B4-BE49-F238E27FC236}">
+                  <a16:creationId xmlns:a16="http://schemas.microsoft.com/office/drawing/2014/main" id="{5F029E75-E58B-4E3A-A3DE-B209C030C8A5}"/>
+                </a:ext>
+              </a:extLst>
+            </p:cNvPr>
+            <p:cNvSpPr txBox="1"/>
+            <p:nvPr/>
+          </p:nvSpPr>
+          <p:spPr>
+            <a:xfrm>
+              <a:off x="5078034" y="3497171"/>
+              <a:ext cx="3586879" cy="1369606"/>
+            </a:xfrm>
+            <a:prstGeom prst="rect">
+              <a:avLst/>
+            </a:prstGeom>
+            <a:noFill/>
+          </p:spPr>
+          <p:txBody>
+            <a:bodyPr wrap="none" rtlCol="0">
+              <a:spAutoFit/>
+            </a:bodyPr>
+            <a:lstStyle/>
+            <a:p>
+              <a:pPr algn="r">
+                <a:spcAft>
+                  <a:spcPts val="600"/>
+                </a:spcAft>
+              </a:pPr>
+              <a:r>
+                <a:rPr lang="en-US" sz="2000" dirty="0">
+                  <a:solidFill>
+                    <a:srgbClr val="86695B"/>
+                  </a:solidFill>
+                  <a:latin typeface="+mj-lt"/>
+                </a:rPr>
+                <a:t>Anh N. Tran</a:t>
+              </a:r>
+            </a:p>
+            <a:p>
+              <a:pPr algn="r">
+                <a:spcAft>
+                  <a:spcPts val="600"/>
+                </a:spcAft>
+              </a:pPr>
+              <a:r>
+                <a:rPr lang="en-US" sz="1600" i="1" dirty="0">
+                  <a:solidFill>
+                    <a:srgbClr val="777086"/>
+                  </a:solidFill>
+                </a:rPr>
+                <a:t>Postdoctoral fellow at Northwestern U.</a:t>
+              </a:r>
+            </a:p>
+            <a:p>
+              <a:pPr algn="r">
+                <a:spcAft>
+                  <a:spcPts val="600"/>
+                </a:spcAft>
+              </a:pPr>
+              <a:r>
+                <a:rPr lang="en-US" sz="1600" i="1" dirty="0">
+                  <a:solidFill>
+                    <a:srgbClr val="777086"/>
+                  </a:solidFill>
+                </a:rPr>
+                <a:t>@</a:t>
+              </a:r>
+              <a:r>
+                <a:rPr lang="en-US" sz="1600" i="1" dirty="0" err="1">
+                  <a:solidFill>
+                    <a:srgbClr val="777086"/>
+                  </a:solidFill>
+                </a:rPr>
+                <a:t>anh_n_tran</a:t>
+              </a:r>
+              <a:r>
+                <a:rPr lang="en-US" sz="1600" i="1" dirty="0">
+                  <a:solidFill>
+                    <a:srgbClr val="777086"/>
+                  </a:solidFill>
+                </a:rPr>
+                <a:t>     </a:t>
+              </a:r>
+            </a:p>
+            <a:p>
+              <a:pPr algn="r">
+                <a:spcAft>
+                  <a:spcPts val="600"/>
+                </a:spcAft>
+              </a:pPr>
+              <a:r>
+                <a:rPr lang="en-US" sz="1600" i="1" dirty="0">
+                  <a:solidFill>
+                    <a:srgbClr val="777086"/>
+                  </a:solidFill>
+                </a:rPr>
+                <a:t>trannhatanh89     </a:t>
+              </a:r>
+            </a:p>
+          </p:txBody>
+        </p:sp>
+        <p:pic>
+          <p:nvPicPr>
+            <p:cNvPr id="8" name="Picture 7">
+              <a:extLst>
+                <a:ext uri="{FF2B5EF4-FFF2-40B4-BE49-F238E27FC236}">
+                  <a16:creationId xmlns:a16="http://schemas.microsoft.com/office/drawing/2014/main" id="{00464E96-F167-43EF-8C09-86894EDF7B47}"/>
+                </a:ext>
+              </a:extLst>
+            </p:cNvPr>
+            <p:cNvPicPr>
+              <a:picLocks noChangeAspect="1"/>
+            </p:cNvPicPr>
+            <p:nvPr/>
+          </p:nvPicPr>
+          <p:blipFill>
+            <a:blip r:embed="rId4">
+              <a:duotone>
+                <a:schemeClr val="accent3">
+                  <a:shade val="45000"/>
+                  <a:satMod val="135000"/>
+                </a:schemeClr>
+                <a:prstClr val="white"/>
+              </a:duotone>
+              <a:extLst>
+                <a:ext uri="{28A0092B-C50C-407E-A947-70E740481C1C}">
+                  <a14:useLocalDpi xmlns:a14="http://schemas.microsoft.com/office/drawing/2010/main" val="0"/>
+                </a:ext>
+              </a:extLst>
+            </a:blip>
+            <a:stretch>
+              <a:fillRect/>
+            </a:stretch>
+          </p:blipFill>
+          <p:spPr>
+            <a:xfrm>
+              <a:off x="8349169" y="4204513"/>
+              <a:ext cx="264341" cy="264341"/>
+            </a:xfrm>
+            <a:prstGeom prst="rect">
+              <a:avLst/>
+            </a:prstGeom>
+          </p:spPr>
+        </p:pic>
+      </p:grpSp>
+      <p:sp>
+        <p:nvSpPr>
+          <p:cNvPr id="10" name="TextBox 9">
+            <a:extLst>
+              <a:ext uri="{FF2B5EF4-FFF2-40B4-BE49-F238E27FC236}">
+                <a16:creationId xmlns:a16="http://schemas.microsoft.com/office/drawing/2014/main" id="{84658BD6-6F2C-491F-9388-5C0DC3F43D63}"/>
+              </a:ext>
+            </a:extLst>
+          </p:cNvPr>
+          <p:cNvSpPr txBox="1"/>
+          <p:nvPr/>
+        </p:nvSpPr>
+        <p:spPr>
+          <a:xfrm>
+            <a:off x="5726130" y="6076302"/>
+            <a:ext cx="3042307" cy="338554"/>
+          </a:xfrm>
+          <a:prstGeom prst="rect">
+            <a:avLst/>
+          </a:prstGeom>
+          <a:noFill/>
+        </p:spPr>
+        <p:txBody>
+          <a:bodyPr wrap="none" rtlCol="0">
+            <a:spAutoFit/>
+          </a:bodyPr>
+          <a:lstStyle/>
+          <a:p>
+            <a:pPr algn="r"/>
+            <a:r>
+              <a:rPr lang="en-US" sz="1600" dirty="0" err="1">
+                <a:solidFill>
+                  <a:srgbClr val="86695B"/>
+                </a:solidFill>
+              </a:rPr>
+              <a:t>SatRday</a:t>
+            </a:r>
+            <a:r>
+              <a:rPr lang="en-US" sz="1600" dirty="0">
+                <a:solidFill>
+                  <a:srgbClr val="86695B"/>
+                </a:solidFill>
+              </a:rPr>
+              <a:t> Chicago, April 27, 2019</a:t>
             </a:r>
           </a:p>
         </p:txBody>
@@ -3457,10 +3517,810 @@
 </p:sld>
 </file>
 
+<file path=ppt/slides/slide2.xml><?xml version="1.0" encoding="utf-8"?>
+<p:sld xmlns:a="http://schemas.openxmlformats.org/drawingml/2006/main" xmlns:r="http://schemas.openxmlformats.org/officeDocument/2006/relationships" xmlns:p="http://schemas.openxmlformats.org/presentationml/2006/main">
+  <p:cSld>
+    <p:spTree>
+      <p:nvGrpSpPr>
+        <p:cNvPr id="1" name=""/>
+        <p:cNvGrpSpPr/>
+        <p:nvPr/>
+      </p:nvGrpSpPr>
+      <p:grpSpPr>
+        <a:xfrm>
+          <a:off x="0" y="0"/>
+          <a:ext cx="0" cy="0"/>
+          <a:chOff x="0" y="0"/>
+          <a:chExt cx="0" cy="0"/>
+        </a:xfrm>
+      </p:grpSpPr>
+      <p:pic>
+        <p:nvPicPr>
+          <p:cNvPr id="4" name="Picture 3">
+            <a:extLst>
+              <a:ext uri="{FF2B5EF4-FFF2-40B4-BE49-F238E27FC236}">
+                <a16:creationId xmlns:a16="http://schemas.microsoft.com/office/drawing/2014/main" id="{9D6E0A8F-B720-467D-8714-D9C0A3383741}"/>
+              </a:ext>
+            </a:extLst>
+          </p:cNvPr>
+          <p:cNvPicPr>
+            <a:picLocks noChangeAspect="1"/>
+          </p:cNvPicPr>
+          <p:nvPr/>
+        </p:nvPicPr>
+        <p:blipFill>
+          <a:blip r:embed="rId2"/>
+          <a:stretch>
+            <a:fillRect/>
+          </a:stretch>
+        </p:blipFill>
+        <p:spPr>
+          <a:xfrm>
+            <a:off x="388342" y="198521"/>
+            <a:ext cx="5744187" cy="6460958"/>
+          </a:xfrm>
+          <a:prstGeom prst="rect">
+            <a:avLst/>
+          </a:prstGeom>
+        </p:spPr>
+      </p:pic>
+    </p:spTree>
+    <p:extLst>
+      <p:ext uri="{BB962C8B-B14F-4D97-AF65-F5344CB8AC3E}">
+        <p14:creationId xmlns:p14="http://schemas.microsoft.com/office/powerpoint/2010/main" val="2759036669"/>
+      </p:ext>
+    </p:extLst>
+  </p:cSld>
+  <p:clrMapOvr>
+    <a:masterClrMapping/>
+  </p:clrMapOvr>
+</p:sld>
+</file>
+
+<file path=ppt/slides/slide3.xml><?xml version="1.0" encoding="utf-8"?>
+<p:sld xmlns:a="http://schemas.openxmlformats.org/drawingml/2006/main" xmlns:r="http://schemas.openxmlformats.org/officeDocument/2006/relationships" xmlns:p="http://schemas.openxmlformats.org/presentationml/2006/main">
+  <p:cSld>
+    <p:spTree>
+      <p:nvGrpSpPr>
+        <p:cNvPr id="1" name=""/>
+        <p:cNvGrpSpPr/>
+        <p:nvPr/>
+      </p:nvGrpSpPr>
+      <p:grpSpPr>
+        <a:xfrm>
+          <a:off x="0" y="0"/>
+          <a:ext cx="0" cy="0"/>
+          <a:chOff x="0" y="0"/>
+          <a:chExt cx="0" cy="0"/>
+        </a:xfrm>
+      </p:grpSpPr>
+      <p:sp>
+        <p:nvSpPr>
+          <p:cNvPr id="6" name="TextBox 5">
+            <a:extLst>
+              <a:ext uri="{FF2B5EF4-FFF2-40B4-BE49-F238E27FC236}">
+                <a16:creationId xmlns:a16="http://schemas.microsoft.com/office/drawing/2014/main" id="{FA9CFF81-B256-4CA1-9910-029FE5D16C79}"/>
+              </a:ext>
+            </a:extLst>
+          </p:cNvPr>
+          <p:cNvSpPr txBox="1"/>
+          <p:nvPr/>
+        </p:nvSpPr>
+        <p:spPr>
+          <a:xfrm>
+            <a:off x="370754" y="244279"/>
+            <a:ext cx="3859501" cy="369332"/>
+          </a:xfrm>
+          <a:prstGeom prst="rect">
+            <a:avLst/>
+          </a:prstGeom>
+          <a:noFill/>
+        </p:spPr>
+        <p:txBody>
+          <a:bodyPr wrap="square" rtlCol="0">
+            <a:spAutoFit/>
+          </a:bodyPr>
+          <a:lstStyle/>
+          <a:p>
+            <a:pPr algn="ctr"/>
+            <a:r>
+              <a:rPr lang="en-US" b="1" dirty="0">
+                <a:solidFill>
+                  <a:schemeClr val="accent1"/>
+                </a:solidFill>
+              </a:rPr>
+              <a:t>Summarized data provided as .</a:t>
+            </a:r>
+            <a:r>
+              <a:rPr lang="en-US" b="1" dirty="0" err="1">
+                <a:solidFill>
+                  <a:schemeClr val="accent1"/>
+                </a:solidFill>
+              </a:rPr>
+              <a:t>tsv</a:t>
+            </a:r>
+            <a:endParaRPr lang="en-US" b="1" dirty="0">
+              <a:solidFill>
+                <a:schemeClr val="accent1"/>
+              </a:solidFill>
+            </a:endParaRPr>
+          </a:p>
+        </p:txBody>
+      </p:sp>
+      <p:pic>
+        <p:nvPicPr>
+          <p:cNvPr id="7" name="Picture 6">
+            <a:extLst>
+              <a:ext uri="{FF2B5EF4-FFF2-40B4-BE49-F238E27FC236}">
+                <a16:creationId xmlns:a16="http://schemas.microsoft.com/office/drawing/2014/main" id="{58AAB2E6-B79F-4D7C-97BE-8C45A4B57F78}"/>
+              </a:ext>
+            </a:extLst>
+          </p:cNvPr>
+          <p:cNvPicPr>
+            <a:picLocks noChangeAspect="1"/>
+          </p:cNvPicPr>
+          <p:nvPr/>
+        </p:nvPicPr>
+        <p:blipFill rotWithShape="1">
+          <a:blip r:embed="rId2"/>
+          <a:srcRect b="41626"/>
+          <a:stretch/>
+        </p:blipFill>
+        <p:spPr>
+          <a:xfrm>
+            <a:off x="845170" y="696739"/>
+            <a:ext cx="2910667" cy="2434390"/>
+          </a:xfrm>
+          <a:prstGeom prst="rect">
+            <a:avLst/>
+          </a:prstGeom>
+          <a:effectLst>
+            <a:outerShdw blurRad="50800" dist="38100" dir="2700000" algn="tl" rotWithShape="0">
+              <a:prstClr val="black">
+                <a:alpha val="40000"/>
+              </a:prstClr>
+            </a:outerShdw>
+          </a:effectLst>
+        </p:spPr>
+      </p:pic>
+      <p:sp>
+        <p:nvSpPr>
+          <p:cNvPr id="2" name="Cross 1">
+            <a:extLst>
+              <a:ext uri="{FF2B5EF4-FFF2-40B4-BE49-F238E27FC236}">
+                <a16:creationId xmlns:a16="http://schemas.microsoft.com/office/drawing/2014/main" id="{866EA19D-1262-4FFF-B326-A229FB5AE178}"/>
+              </a:ext>
+            </a:extLst>
+          </p:cNvPr>
+          <p:cNvSpPr/>
+          <p:nvPr/>
+        </p:nvSpPr>
+        <p:spPr>
+          <a:xfrm>
+            <a:off x="4276436" y="1523999"/>
+            <a:ext cx="591127" cy="591127"/>
+          </a:xfrm>
+          <a:prstGeom prst="plus">
+            <a:avLst>
+              <a:gd name="adj" fmla="val 35938"/>
+            </a:avLst>
+          </a:prstGeom>
+          <a:ln>
+            <a:noFill/>
+          </a:ln>
+        </p:spPr>
+        <p:style>
+          <a:lnRef idx="2">
+            <a:schemeClr val="accent1">
+              <a:shade val="50000"/>
+            </a:schemeClr>
+          </a:lnRef>
+          <a:fillRef idx="1">
+            <a:schemeClr val="accent1"/>
+          </a:fillRef>
+          <a:effectRef idx="0">
+            <a:schemeClr val="accent1"/>
+          </a:effectRef>
+          <a:fontRef idx="minor">
+            <a:schemeClr val="lt1"/>
+          </a:fontRef>
+        </p:style>
+        <p:txBody>
+          <a:bodyPr rtlCol="0" anchor="ctr"/>
+          <a:lstStyle/>
+          <a:p>
+            <a:pPr algn="ctr"/>
+            <a:endParaRPr lang="en-US"/>
+          </a:p>
+        </p:txBody>
+      </p:sp>
+    </p:spTree>
+    <p:extLst>
+      <p:ext uri="{BB962C8B-B14F-4D97-AF65-F5344CB8AC3E}">
+        <p14:creationId xmlns:p14="http://schemas.microsoft.com/office/powerpoint/2010/main" val="2496509111"/>
+      </p:ext>
+    </p:extLst>
+  </p:cSld>
+  <p:clrMapOvr>
+    <a:masterClrMapping/>
+  </p:clrMapOvr>
+</p:sld>
+</file>
+
+<file path=ppt/slides/slide4.xml><?xml version="1.0" encoding="utf-8"?>
+<p:sld xmlns:a="http://schemas.openxmlformats.org/drawingml/2006/main" xmlns:r="http://schemas.openxmlformats.org/officeDocument/2006/relationships" xmlns:p="http://schemas.openxmlformats.org/presentationml/2006/main">
+  <p:cSld>
+    <p:spTree>
+      <p:nvGrpSpPr>
+        <p:cNvPr id="1" name=""/>
+        <p:cNvGrpSpPr/>
+        <p:nvPr/>
+      </p:nvGrpSpPr>
+      <p:grpSpPr>
+        <a:xfrm>
+          <a:off x="0" y="0"/>
+          <a:ext cx="0" cy="0"/>
+          <a:chOff x="0" y="0"/>
+          <a:chExt cx="0" cy="0"/>
+        </a:xfrm>
+      </p:grpSpPr>
+      <p:sp>
+        <p:nvSpPr>
+          <p:cNvPr id="2" name="TextBox 1">
+            <a:extLst>
+              <a:ext uri="{FF2B5EF4-FFF2-40B4-BE49-F238E27FC236}">
+                <a16:creationId xmlns:a16="http://schemas.microsoft.com/office/drawing/2014/main" id="{81032A95-5D02-48BF-8ABE-FB9E240F08B1}"/>
+              </a:ext>
+            </a:extLst>
+          </p:cNvPr>
+          <p:cNvSpPr txBox="1"/>
+          <p:nvPr/>
+        </p:nvSpPr>
+        <p:spPr>
+          <a:xfrm>
+            <a:off x="667623" y="232491"/>
+            <a:ext cx="3667094" cy="369332"/>
+          </a:xfrm>
+          <a:prstGeom prst="rect">
+            <a:avLst/>
+          </a:prstGeom>
+          <a:noFill/>
+        </p:spPr>
+        <p:txBody>
+          <a:bodyPr wrap="none" rtlCol="0">
+            <a:spAutoFit/>
+          </a:bodyPr>
+          <a:lstStyle/>
+          <a:p>
+            <a:pPr algn="ctr"/>
+            <a:r>
+              <a:rPr lang="en-US" b="1" dirty="0">
+                <a:solidFill>
+                  <a:srgbClr val="C00000"/>
+                </a:solidFill>
+              </a:rPr>
+              <a:t>Full datasets provided as .xml(s)</a:t>
+            </a:r>
+          </a:p>
+        </p:txBody>
+      </p:sp>
+      <p:pic>
+        <p:nvPicPr>
+          <p:cNvPr id="3" name="Picture 2">
+            <a:extLst>
+              <a:ext uri="{FF2B5EF4-FFF2-40B4-BE49-F238E27FC236}">
+                <a16:creationId xmlns:a16="http://schemas.microsoft.com/office/drawing/2014/main" id="{73CC57B4-5BA1-45BE-A8A0-E1A1F4D48D2F}"/>
+              </a:ext>
+            </a:extLst>
+          </p:cNvPr>
+          <p:cNvPicPr>
+            <a:picLocks noChangeAspect="1"/>
+          </p:cNvPicPr>
+          <p:nvPr/>
+        </p:nvPicPr>
+        <p:blipFill>
+          <a:blip r:embed="rId2">
+            <a:extLst>
+              <a:ext uri="{BEBA8EAE-BF5A-486C-A8C5-ECC9F3942E4B}">
+                <a14:imgProps xmlns:a14="http://schemas.microsoft.com/office/drawing/2010/main">
+                  <a14:imgLayer r:embed="rId3">
+                    <a14:imgEffect>
+                      <a14:saturation sat="33000"/>
+                    </a14:imgEffect>
+                  </a14:imgLayer>
+                </a14:imgProps>
+              </a:ext>
+            </a:extLst>
+          </a:blip>
+          <a:stretch>
+            <a:fillRect/>
+          </a:stretch>
+        </p:blipFill>
+        <p:spPr>
+          <a:xfrm>
+            <a:off x="430340" y="601823"/>
+            <a:ext cx="4141660" cy="2574082"/>
+          </a:xfrm>
+          <a:prstGeom prst="rect">
+            <a:avLst/>
+          </a:prstGeom>
+          <a:effectLst>
+            <a:outerShdw blurRad="50800" dist="38100" dir="2700000" algn="tl" rotWithShape="0">
+              <a:prstClr val="black">
+                <a:alpha val="40000"/>
+              </a:prstClr>
+            </a:outerShdw>
+          </a:effectLst>
+        </p:spPr>
+      </p:pic>
+      <p:sp>
+        <p:nvSpPr>
+          <p:cNvPr id="4" name="Cross 3">
+            <a:extLst>
+              <a:ext uri="{FF2B5EF4-FFF2-40B4-BE49-F238E27FC236}">
+                <a16:creationId xmlns:a16="http://schemas.microsoft.com/office/drawing/2014/main" id="{6F3C3BFD-F13E-423E-98D2-81824F785AE5}"/>
+              </a:ext>
+            </a:extLst>
+          </p:cNvPr>
+          <p:cNvSpPr/>
+          <p:nvPr/>
+        </p:nvSpPr>
+        <p:spPr>
+          <a:xfrm>
+            <a:off x="4821381" y="1593300"/>
+            <a:ext cx="591127" cy="591127"/>
+          </a:xfrm>
+          <a:prstGeom prst="plus">
+            <a:avLst>
+              <a:gd name="adj" fmla="val 35938"/>
+            </a:avLst>
+          </a:prstGeom>
+          <a:solidFill>
+            <a:srgbClr val="C00000"/>
+          </a:solidFill>
+          <a:ln>
+            <a:noFill/>
+          </a:ln>
+        </p:spPr>
+        <p:style>
+          <a:lnRef idx="2">
+            <a:schemeClr val="accent1">
+              <a:shade val="50000"/>
+            </a:schemeClr>
+          </a:lnRef>
+          <a:fillRef idx="1">
+            <a:schemeClr val="accent1"/>
+          </a:fillRef>
+          <a:effectRef idx="0">
+            <a:schemeClr val="accent1"/>
+          </a:effectRef>
+          <a:fontRef idx="minor">
+            <a:schemeClr val="lt1"/>
+          </a:fontRef>
+        </p:style>
+        <p:txBody>
+          <a:bodyPr rtlCol="0" anchor="ctr"/>
+          <a:lstStyle/>
+          <a:p>
+            <a:pPr algn="ctr"/>
+            <a:endParaRPr lang="en-US"/>
+          </a:p>
+        </p:txBody>
+      </p:sp>
+      <p:pic>
+        <p:nvPicPr>
+          <p:cNvPr id="7" name="Picture 6">
+            <a:extLst>
+              <a:ext uri="{FF2B5EF4-FFF2-40B4-BE49-F238E27FC236}">
+                <a16:creationId xmlns:a16="http://schemas.microsoft.com/office/drawing/2014/main" id="{3AD30C94-8C31-4F79-B382-33846AAB3BC7}"/>
+              </a:ext>
+            </a:extLst>
+          </p:cNvPr>
+          <p:cNvPicPr>
+            <a:picLocks noChangeAspect="1"/>
+          </p:cNvPicPr>
+          <p:nvPr/>
+        </p:nvPicPr>
+        <p:blipFill>
+          <a:blip r:embed="rId4">
+            <a:extLst>
+              <a:ext uri="{28A0092B-C50C-407E-A947-70E740481C1C}">
+                <a14:useLocalDpi xmlns:a14="http://schemas.microsoft.com/office/drawing/2010/main" val="0"/>
+              </a:ext>
+            </a:extLst>
+          </a:blip>
+          <a:stretch>
+            <a:fillRect/>
+          </a:stretch>
+        </p:blipFill>
+        <p:spPr>
+          <a:xfrm>
+            <a:off x="6934752" y="353363"/>
+            <a:ext cx="815465" cy="945215"/>
+          </a:xfrm>
+          <a:prstGeom prst="rect">
+            <a:avLst/>
+          </a:prstGeom>
+        </p:spPr>
+      </p:pic>
+      <p:grpSp>
+        <p:nvGrpSpPr>
+          <p:cNvPr id="11" name="Group 10">
+            <a:extLst>
+              <a:ext uri="{FF2B5EF4-FFF2-40B4-BE49-F238E27FC236}">
+                <a16:creationId xmlns:a16="http://schemas.microsoft.com/office/drawing/2014/main" id="{5578516C-ADAB-4E44-A04C-386B74C55A3E}"/>
+              </a:ext>
+            </a:extLst>
+          </p:cNvPr>
+          <p:cNvGrpSpPr/>
+          <p:nvPr/>
+        </p:nvGrpSpPr>
+        <p:grpSpPr>
+          <a:xfrm>
+            <a:off x="6054987" y="343832"/>
+            <a:ext cx="831273" cy="964276"/>
+            <a:chOff x="6862617" y="353364"/>
+            <a:chExt cx="831273" cy="964276"/>
+          </a:xfrm>
+        </p:grpSpPr>
+        <p:sp>
+          <p:nvSpPr>
+            <p:cNvPr id="8" name="Hexagon 7">
+              <a:extLst>
+                <a:ext uri="{FF2B5EF4-FFF2-40B4-BE49-F238E27FC236}">
+                  <a16:creationId xmlns:a16="http://schemas.microsoft.com/office/drawing/2014/main" id="{B1B14944-1DFF-4E27-899F-C7277D6A6A6A}"/>
+                </a:ext>
+              </a:extLst>
+            </p:cNvPr>
+            <p:cNvSpPr/>
+            <p:nvPr/>
+          </p:nvSpPr>
+          <p:spPr>
+            <a:xfrm rot="5400000">
+              <a:off x="6796116" y="419865"/>
+              <a:ext cx="964276" cy="831273"/>
+            </a:xfrm>
+            <a:prstGeom prst="hexagon">
+              <a:avLst>
+                <a:gd name="adj" fmla="val 29444"/>
+                <a:gd name="vf" fmla="val 115470"/>
+              </a:avLst>
+            </a:prstGeom>
+            <a:ln>
+              <a:noFill/>
+            </a:ln>
+          </p:spPr>
+          <p:style>
+            <a:lnRef idx="2">
+              <a:schemeClr val="accent1">
+                <a:shade val="50000"/>
+              </a:schemeClr>
+            </a:lnRef>
+            <a:fillRef idx="1">
+              <a:schemeClr val="accent1"/>
+            </a:fillRef>
+            <a:effectRef idx="0">
+              <a:schemeClr val="accent1"/>
+            </a:effectRef>
+            <a:fontRef idx="minor">
+              <a:schemeClr val="lt1"/>
+            </a:fontRef>
+          </p:style>
+          <p:txBody>
+            <a:bodyPr rtlCol="0" anchor="ctr"/>
+            <a:lstStyle/>
+            <a:p>
+              <a:pPr algn="ctr"/>
+              <a:endParaRPr lang="en-US"/>
+            </a:p>
+          </p:txBody>
+        </p:sp>
+        <p:sp>
+          <p:nvSpPr>
+            <p:cNvPr id="9" name="Hexagon 8">
+              <a:extLst>
+                <a:ext uri="{FF2B5EF4-FFF2-40B4-BE49-F238E27FC236}">
+                  <a16:creationId xmlns:a16="http://schemas.microsoft.com/office/drawing/2014/main" id="{6A19F557-182A-4946-88C5-E50C611C40B5}"/>
+                </a:ext>
+              </a:extLst>
+            </p:cNvPr>
+            <p:cNvSpPr/>
+            <p:nvPr/>
+          </p:nvSpPr>
+          <p:spPr>
+            <a:xfrm rot="5400000">
+              <a:off x="6852365" y="468355"/>
+              <a:ext cx="851777" cy="734291"/>
+            </a:xfrm>
+            <a:prstGeom prst="hexagon">
+              <a:avLst>
+                <a:gd name="adj" fmla="val 29444"/>
+                <a:gd name="vf" fmla="val 115470"/>
+              </a:avLst>
+            </a:prstGeom>
+            <a:solidFill>
+              <a:schemeClr val="bg1"/>
+            </a:solidFill>
+          </p:spPr>
+          <p:style>
+            <a:lnRef idx="2">
+              <a:schemeClr val="accent1">
+                <a:shade val="50000"/>
+              </a:schemeClr>
+            </a:lnRef>
+            <a:fillRef idx="1">
+              <a:schemeClr val="accent1"/>
+            </a:fillRef>
+            <a:effectRef idx="0">
+              <a:schemeClr val="accent1"/>
+            </a:effectRef>
+            <a:fontRef idx="minor">
+              <a:schemeClr val="lt1"/>
+            </a:fontRef>
+          </p:style>
+          <p:txBody>
+            <a:bodyPr rtlCol="0" anchor="ctr"/>
+            <a:lstStyle/>
+            <a:p>
+              <a:pPr algn="ctr"/>
+              <a:endParaRPr lang="en-US"/>
+            </a:p>
+          </p:txBody>
+        </p:sp>
+        <p:sp>
+          <p:nvSpPr>
+            <p:cNvPr id="10" name="TextBox 9">
+              <a:extLst>
+                <a:ext uri="{FF2B5EF4-FFF2-40B4-BE49-F238E27FC236}">
+                  <a16:creationId xmlns:a16="http://schemas.microsoft.com/office/drawing/2014/main" id="{18DC555F-40F8-4288-A73B-9FB573ABB076}"/>
+                </a:ext>
+              </a:extLst>
+            </p:cNvPr>
+            <p:cNvSpPr txBox="1"/>
+            <p:nvPr/>
+          </p:nvSpPr>
+          <p:spPr>
+            <a:xfrm>
+              <a:off x="6922124" y="650834"/>
+              <a:ext cx="723275" cy="369332"/>
+            </a:xfrm>
+            <a:prstGeom prst="rect">
+              <a:avLst/>
+            </a:prstGeom>
+            <a:noFill/>
+          </p:spPr>
+          <p:txBody>
+            <a:bodyPr wrap="none" rtlCol="0">
+              <a:spAutoFit/>
+            </a:bodyPr>
+            <a:lstStyle/>
+            <a:p>
+              <a:pPr algn="ctr"/>
+              <a:r>
+                <a:rPr lang="en-US" b="1" dirty="0">
+                  <a:solidFill>
+                    <a:schemeClr val="accent1"/>
+                  </a:solidFill>
+                </a:rPr>
+                <a:t>xml2</a:t>
+              </a:r>
+            </a:p>
+          </p:txBody>
+        </p:sp>
+      </p:grpSp>
+      <p:pic>
+        <p:nvPicPr>
+          <p:cNvPr id="13" name="Picture 12">
+            <a:extLst>
+              <a:ext uri="{FF2B5EF4-FFF2-40B4-BE49-F238E27FC236}">
+                <a16:creationId xmlns:a16="http://schemas.microsoft.com/office/drawing/2014/main" id="{3035D25E-A70E-41D4-872F-441E5771DB56}"/>
+              </a:ext>
+            </a:extLst>
+          </p:cNvPr>
+          <p:cNvPicPr>
+            <a:picLocks noChangeAspect="1"/>
+          </p:cNvPicPr>
+          <p:nvPr/>
+        </p:nvPicPr>
+        <p:blipFill>
+          <a:blip r:embed="rId5">
+            <a:extLst>
+              <a:ext uri="{28A0092B-C50C-407E-A947-70E740481C1C}">
+                <a14:useLocalDpi xmlns:a14="http://schemas.microsoft.com/office/drawing/2010/main" val="0"/>
+              </a:ext>
+            </a:extLst>
+          </a:blip>
+          <a:stretch>
+            <a:fillRect/>
+          </a:stretch>
+        </p:blipFill>
+        <p:spPr>
+          <a:xfrm>
+            <a:off x="7798708" y="343831"/>
+            <a:ext cx="815465" cy="945215"/>
+          </a:xfrm>
+          <a:prstGeom prst="rect">
+            <a:avLst/>
+          </a:prstGeom>
+        </p:spPr>
+      </p:pic>
+    </p:spTree>
+    <p:extLst>
+      <p:ext uri="{BB962C8B-B14F-4D97-AF65-F5344CB8AC3E}">
+        <p14:creationId xmlns:p14="http://schemas.microsoft.com/office/powerpoint/2010/main" val="1815133831"/>
+      </p:ext>
+    </p:extLst>
+  </p:cSld>
+  <p:clrMapOvr>
+    <a:masterClrMapping/>
+  </p:clrMapOvr>
+</p:sld>
+</file>
+
+<file path=ppt/slides/slide5.xml><?xml version="1.0" encoding="utf-8"?>
+<p:sld xmlns:a="http://schemas.openxmlformats.org/drawingml/2006/main" xmlns:r="http://schemas.openxmlformats.org/officeDocument/2006/relationships" xmlns:p="http://schemas.openxmlformats.org/presentationml/2006/main">
+  <p:cSld>
+    <p:spTree>
+      <p:nvGrpSpPr>
+        <p:cNvPr id="1" name=""/>
+        <p:cNvGrpSpPr/>
+        <p:nvPr/>
+      </p:nvGrpSpPr>
+      <p:grpSpPr>
+        <a:xfrm>
+          <a:off x="0" y="0"/>
+          <a:ext cx="0" cy="0"/>
+          <a:chOff x="0" y="0"/>
+          <a:chExt cx="0" cy="0"/>
+        </a:xfrm>
+      </p:grpSpPr>
+      <p:sp>
+        <p:nvSpPr>
+          <p:cNvPr id="2" name="TextBox 1">
+            <a:extLst>
+              <a:ext uri="{FF2B5EF4-FFF2-40B4-BE49-F238E27FC236}">
+                <a16:creationId xmlns:a16="http://schemas.microsoft.com/office/drawing/2014/main" id="{C4E77012-BB0B-474C-B5EB-33BC35AB8848}"/>
+              </a:ext>
+            </a:extLst>
+          </p:cNvPr>
+          <p:cNvSpPr txBox="1"/>
+          <p:nvPr/>
+        </p:nvSpPr>
+        <p:spPr>
+          <a:xfrm>
+            <a:off x="2150338" y="1696970"/>
+            <a:ext cx="4714007" cy="461665"/>
+          </a:xfrm>
+          <a:prstGeom prst="rect">
+            <a:avLst/>
+          </a:prstGeom>
+          <a:noFill/>
+        </p:spPr>
+        <p:txBody>
+          <a:bodyPr wrap="square" rtlCol="0">
+            <a:spAutoFit/>
+          </a:bodyPr>
+          <a:lstStyle/>
+          <a:p>
+            <a:pPr algn="ctr"/>
+            <a:r>
+              <a:rPr lang="en-US" sz="2400" b="1" dirty="0">
+                <a:solidFill>
+                  <a:srgbClr val="8888FF"/>
+                </a:solidFill>
+              </a:rPr>
+              <a:t>You’re welcome, my 50 users!</a:t>
+            </a:r>
+          </a:p>
+        </p:txBody>
+      </p:sp>
+      <p:pic>
+        <p:nvPicPr>
+          <p:cNvPr id="3" name="Picture 2">
+            <a:extLst>
+              <a:ext uri="{FF2B5EF4-FFF2-40B4-BE49-F238E27FC236}">
+                <a16:creationId xmlns:a16="http://schemas.microsoft.com/office/drawing/2014/main" id="{55DF768A-979A-4F1B-937F-04DCDE8543E9}"/>
+              </a:ext>
+            </a:extLst>
+          </p:cNvPr>
+          <p:cNvPicPr>
+            <a:picLocks noChangeAspect="1"/>
+          </p:cNvPicPr>
+          <p:nvPr/>
+        </p:nvPicPr>
+        <p:blipFill>
+          <a:blip r:embed="rId2"/>
+          <a:stretch>
+            <a:fillRect/>
+          </a:stretch>
+        </p:blipFill>
+        <p:spPr>
+          <a:xfrm>
+            <a:off x="2816845" y="2158635"/>
+            <a:ext cx="3510309" cy="2632731"/>
+          </a:xfrm>
+          <a:prstGeom prst="rect">
+            <a:avLst/>
+          </a:prstGeom>
+        </p:spPr>
+      </p:pic>
+    </p:spTree>
+    <p:extLst>
+      <p:ext uri="{BB962C8B-B14F-4D97-AF65-F5344CB8AC3E}">
+        <p14:creationId xmlns:p14="http://schemas.microsoft.com/office/powerpoint/2010/main" val="1117541302"/>
+      </p:ext>
+    </p:extLst>
+  </p:cSld>
+  <p:clrMapOvr>
+    <a:masterClrMapping/>
+  </p:clrMapOvr>
+</p:sld>
+</file>
+
+<file path=ppt/slides/slide6.xml><?xml version="1.0" encoding="utf-8"?>
+<p:sld xmlns:a="http://schemas.openxmlformats.org/drawingml/2006/main" xmlns:r="http://schemas.openxmlformats.org/officeDocument/2006/relationships" xmlns:p="http://schemas.openxmlformats.org/presentationml/2006/main">
+  <p:cSld>
+    <p:spTree>
+      <p:nvGrpSpPr>
+        <p:cNvPr id="1" name=""/>
+        <p:cNvGrpSpPr/>
+        <p:nvPr/>
+      </p:nvGrpSpPr>
+      <p:grpSpPr>
+        <a:xfrm>
+          <a:off x="0" y="0"/>
+          <a:ext cx="0" cy="0"/>
+          <a:chOff x="0" y="0"/>
+          <a:chExt cx="0" cy="0"/>
+        </a:xfrm>
+      </p:grpSpPr>
+    </p:spTree>
+    <p:extLst>
+      <p:ext uri="{BB962C8B-B14F-4D97-AF65-F5344CB8AC3E}">
+        <p14:creationId xmlns:p14="http://schemas.microsoft.com/office/powerpoint/2010/main" val="1987402053"/>
+      </p:ext>
+    </p:extLst>
+  </p:cSld>
+  <p:clrMapOvr>
+    <a:masterClrMapping/>
+  </p:clrMapOvr>
+</p:sld>
+</file>
+
+<file path=ppt/slides/slide7.xml><?xml version="1.0" encoding="utf-8"?>
+<p:sld xmlns:a="http://schemas.openxmlformats.org/drawingml/2006/main" xmlns:r="http://schemas.openxmlformats.org/officeDocument/2006/relationships" xmlns:p="http://schemas.openxmlformats.org/presentationml/2006/main">
+  <p:cSld>
+    <p:spTree>
+      <p:nvGrpSpPr>
+        <p:cNvPr id="1" name=""/>
+        <p:cNvGrpSpPr/>
+        <p:nvPr/>
+      </p:nvGrpSpPr>
+      <p:grpSpPr>
+        <a:xfrm>
+          <a:off x="0" y="0"/>
+          <a:ext cx="0" cy="0"/>
+          <a:chOff x="0" y="0"/>
+          <a:chExt cx="0" cy="0"/>
+        </a:xfrm>
+      </p:grpSpPr>
+    </p:spTree>
+    <p:extLst>
+      <p:ext uri="{BB962C8B-B14F-4D97-AF65-F5344CB8AC3E}">
+        <p14:creationId xmlns:p14="http://schemas.microsoft.com/office/powerpoint/2010/main" val="2798096952"/>
+      </p:ext>
+    </p:extLst>
+  </p:cSld>
+  <p:clrMapOvr>
+    <a:masterClrMapping/>
+  </p:clrMapOvr>
+</p:sld>
+</file>
+
 <file path=ppt/theme/theme1.xml><?xml version="1.0" encoding="utf-8"?>
 <a:theme xmlns:a="http://schemas.openxmlformats.org/drawingml/2006/main" name="Office Theme">
   <a:themeElements>
-    <a:clrScheme name="Office">
+    <a:clrScheme name="Office Theme">
       <a:dk1>
         <a:sysClr val="windowText" lastClr="000000"/>
       </a:dk1>
@@ -3510,7 +4370,7 @@
         <a:cs typeface=""/>
       </a:minorFont>
     </a:fontScheme>
-    <a:fmtScheme name="Office">
+    <a:fmtScheme name="Office Theme">
       <a:fillStyleLst>
         <a:solidFill>
           <a:schemeClr val="phClr"/>

--- a/2019-04-27_SatRday-Chicago/Writing_R_package_for_a_niche_EDA.pptx
+++ b/2019-04-27_SatRday-Chicago/Writing_R_package_for_a_niche_EDA.pptx
@@ -10,8 +10,9 @@
     <p:sldId id="258" r:id="rId4"/>
     <p:sldId id="259" r:id="rId5"/>
     <p:sldId id="260" r:id="rId6"/>
-    <p:sldId id="261" r:id="rId7"/>
-    <p:sldId id="262" r:id="rId8"/>
+    <p:sldId id="263" r:id="rId7"/>
+    <p:sldId id="261" r:id="rId8"/>
+    <p:sldId id="262" r:id="rId9"/>
   </p:sldIdLst>
   <p:sldSz cx="9144000" cy="6858000" type="screen4x3"/>
   <p:notesSz cx="6858000" cy="9144000"/>
@@ -3111,6 +3112,14 @@
 <file path=ppt/slides/slide1.xml><?xml version="1.0" encoding="utf-8"?>
 <p:sld xmlns:a="http://schemas.openxmlformats.org/drawingml/2006/main" xmlns:r="http://schemas.openxmlformats.org/officeDocument/2006/relationships" xmlns:p="http://schemas.openxmlformats.org/presentationml/2006/main">
   <p:cSld>
+    <p:bg>
+      <p:bgPr>
+        <a:solidFill>
+          <a:srgbClr val="F3F2F4"/>
+        </a:solidFill>
+        <a:effectLst/>
+      </p:bgPr>
+    </p:bg>
     <p:spTree>
       <p:nvGrpSpPr>
         <p:cNvPr id="1" name=""/>
@@ -3243,219 +3252,155 @@
           </a:p>
         </p:txBody>
       </p:sp>
-      <p:grpSp>
-        <p:nvGrpSpPr>
-          <p:cNvPr id="9" name="Group 8">
+      <p:sp>
+        <p:nvSpPr>
+          <p:cNvPr id="2" name="TextBox 1">
             <a:extLst>
               <a:ext uri="{FF2B5EF4-FFF2-40B4-BE49-F238E27FC236}">
-                <a16:creationId xmlns:a16="http://schemas.microsoft.com/office/drawing/2014/main" id="{DBAEADEF-19A9-4910-BE9D-7AF369BCFD59}"/>
+                <a16:creationId xmlns:a16="http://schemas.microsoft.com/office/drawing/2014/main" id="{5F029E75-E58B-4E3A-A3DE-B209C030C8A5}"/>
               </a:ext>
             </a:extLst>
           </p:cNvPr>
-          <p:cNvGrpSpPr/>
+          <p:cNvSpPr txBox="1"/>
           <p:nvPr/>
-        </p:nvGrpSpPr>
-        <p:grpSpPr>
+        </p:nvSpPr>
+        <p:spPr>
           <a:xfrm>
-            <a:off x="5181558" y="4355536"/>
-            <a:ext cx="3586879" cy="1369606"/>
-            <a:chOff x="5078034" y="3497171"/>
-            <a:chExt cx="3586879" cy="1369606"/>
+            <a:off x="6170802" y="4280997"/>
+            <a:ext cx="2597635" cy="1369606"/>
           </a:xfrm>
-        </p:grpSpPr>
-        <p:pic>
-          <p:nvPicPr>
-            <p:cNvPr id="4" name="Picture 3">
-              <a:extLst>
-                <a:ext uri="{FF2B5EF4-FFF2-40B4-BE49-F238E27FC236}">
-                  <a16:creationId xmlns:a16="http://schemas.microsoft.com/office/drawing/2014/main" id="{04E5339E-A1A5-48D1-8794-5F1E3D374D12}"/>
-                </a:ext>
-              </a:extLst>
-            </p:cNvPr>
-            <p:cNvPicPr>
-              <a:picLocks noChangeAspect="1"/>
-            </p:cNvPicPr>
-            <p:nvPr/>
-          </p:nvPicPr>
-          <p:blipFill>
-            <a:blip r:embed="rId3">
-              <a:duotone>
-                <a:schemeClr val="accent3">
-                  <a:shade val="45000"/>
-                  <a:satMod val="135000"/>
-                </a:schemeClr>
-                <a:prstClr val="white"/>
-              </a:duotone>
-              <a:extLst>
-                <a:ext uri="{28A0092B-C50C-407E-A947-70E740481C1C}">
-                  <a14:useLocalDpi xmlns:a14="http://schemas.microsoft.com/office/drawing/2010/main" val="0"/>
-                </a:ext>
-              </a:extLst>
-            </a:blip>
-            <a:stretch>
-              <a:fillRect/>
-            </a:stretch>
-          </p:blipFill>
-          <p:spPr>
-            <a:xfrm>
-              <a:off x="8297768" y="4468854"/>
-              <a:ext cx="367145" cy="367145"/>
-            </a:xfrm>
-            <a:prstGeom prst="rect">
-              <a:avLst/>
-            </a:prstGeom>
-          </p:spPr>
-        </p:pic>
-        <p:sp>
-          <p:nvSpPr>
-            <p:cNvPr id="2" name="TextBox 1">
-              <a:extLst>
-                <a:ext uri="{FF2B5EF4-FFF2-40B4-BE49-F238E27FC236}">
-                  <a16:creationId xmlns:a16="http://schemas.microsoft.com/office/drawing/2014/main" id="{5F029E75-E58B-4E3A-A3DE-B209C030C8A5}"/>
-                </a:ext>
-              </a:extLst>
-            </p:cNvPr>
-            <p:cNvSpPr txBox="1"/>
-            <p:nvPr/>
-          </p:nvSpPr>
-          <p:spPr>
-            <a:xfrm>
-              <a:off x="5078034" y="3497171"/>
-              <a:ext cx="3586879" cy="1369606"/>
-            </a:xfrm>
-            <a:prstGeom prst="rect">
-              <a:avLst/>
-            </a:prstGeom>
-            <a:noFill/>
-          </p:spPr>
-          <p:txBody>
-            <a:bodyPr wrap="none" rtlCol="0">
-              <a:spAutoFit/>
-            </a:bodyPr>
-            <a:lstStyle/>
-            <a:p>
-              <a:pPr algn="r">
-                <a:spcAft>
-                  <a:spcPts val="600"/>
-                </a:spcAft>
-              </a:pPr>
-              <a:r>
-                <a:rPr lang="en-US" sz="2000" dirty="0">
-                  <a:solidFill>
-                    <a:srgbClr val="86695B"/>
-                  </a:solidFill>
-                  <a:latin typeface="+mj-lt"/>
-                </a:rPr>
-                <a:t>Anh N. Tran</a:t>
-              </a:r>
-            </a:p>
-            <a:p>
-              <a:pPr algn="r">
-                <a:spcAft>
-                  <a:spcPts val="600"/>
-                </a:spcAft>
-              </a:pPr>
-              <a:r>
-                <a:rPr lang="en-US" sz="1600" i="1" dirty="0">
-                  <a:solidFill>
-                    <a:srgbClr val="777086"/>
-                  </a:solidFill>
-                </a:rPr>
-                <a:t>Postdoctoral fellow at Northwestern U.</a:t>
-              </a:r>
-            </a:p>
-            <a:p>
-              <a:pPr algn="r">
-                <a:spcAft>
-                  <a:spcPts val="600"/>
-                </a:spcAft>
-              </a:pPr>
-              <a:r>
-                <a:rPr lang="en-US" sz="1600" i="1" dirty="0">
-                  <a:solidFill>
-                    <a:srgbClr val="777086"/>
-                  </a:solidFill>
-                </a:rPr>
-                <a:t>@</a:t>
-              </a:r>
-              <a:r>
-                <a:rPr lang="en-US" sz="1600" i="1" dirty="0" err="1">
-                  <a:solidFill>
-                    <a:srgbClr val="777086"/>
-                  </a:solidFill>
-                </a:rPr>
-                <a:t>anh_n_tran</a:t>
-              </a:r>
-              <a:r>
-                <a:rPr lang="en-US" sz="1600" i="1" dirty="0">
-                  <a:solidFill>
-                    <a:srgbClr val="777086"/>
-                  </a:solidFill>
-                </a:rPr>
-                <a:t>     </a:t>
-              </a:r>
-            </a:p>
-            <a:p>
-              <a:pPr algn="r">
-                <a:spcAft>
-                  <a:spcPts val="600"/>
-                </a:spcAft>
-              </a:pPr>
-              <a:r>
-                <a:rPr lang="en-US" sz="1600" i="1" dirty="0">
-                  <a:solidFill>
-                    <a:srgbClr val="777086"/>
-                  </a:solidFill>
-                </a:rPr>
-                <a:t>trannhatanh89     </a:t>
-              </a:r>
-            </a:p>
-          </p:txBody>
-        </p:sp>
-        <p:pic>
-          <p:nvPicPr>
-            <p:cNvPr id="8" name="Picture 7">
-              <a:extLst>
-                <a:ext uri="{FF2B5EF4-FFF2-40B4-BE49-F238E27FC236}">
-                  <a16:creationId xmlns:a16="http://schemas.microsoft.com/office/drawing/2014/main" id="{00464E96-F167-43EF-8C09-86894EDF7B47}"/>
-                </a:ext>
-              </a:extLst>
-            </p:cNvPr>
-            <p:cNvPicPr>
-              <a:picLocks noChangeAspect="1"/>
-            </p:cNvPicPr>
-            <p:nvPr/>
-          </p:nvPicPr>
-          <p:blipFill>
-            <a:blip r:embed="rId4">
-              <a:duotone>
-                <a:schemeClr val="accent3">
-                  <a:shade val="45000"/>
-                  <a:satMod val="135000"/>
-                </a:schemeClr>
-                <a:prstClr val="white"/>
-              </a:duotone>
-              <a:extLst>
-                <a:ext uri="{28A0092B-C50C-407E-A947-70E740481C1C}">
-                  <a14:useLocalDpi xmlns:a14="http://schemas.microsoft.com/office/drawing/2010/main" val="0"/>
-                </a:ext>
-              </a:extLst>
-            </a:blip>
-            <a:stretch>
-              <a:fillRect/>
-            </a:stretch>
-          </p:blipFill>
-          <p:spPr>
-            <a:xfrm>
-              <a:off x="8349169" y="4204513"/>
-              <a:ext cx="264341" cy="264341"/>
-            </a:xfrm>
-            <a:prstGeom prst="rect">
-              <a:avLst/>
-            </a:prstGeom>
-          </p:spPr>
-        </p:pic>
-      </p:grpSp>
+          <a:prstGeom prst="rect">
+            <a:avLst/>
+          </a:prstGeom>
+          <a:noFill/>
+        </p:spPr>
+        <p:txBody>
+          <a:bodyPr wrap="none" rtlCol="0">
+            <a:spAutoFit/>
+          </a:bodyPr>
+          <a:lstStyle/>
+          <a:p>
+            <a:pPr algn="r">
+              <a:spcAft>
+                <a:spcPts val="600"/>
+              </a:spcAft>
+            </a:pPr>
+            <a:r>
+              <a:rPr lang="en-US" sz="2000" dirty="0">
+                <a:solidFill>
+                  <a:srgbClr val="86695B"/>
+                </a:solidFill>
+                <a:latin typeface="+mj-lt"/>
+              </a:rPr>
+              <a:t>Anh N. Tran</a:t>
+            </a:r>
+          </a:p>
+          <a:p>
+            <a:pPr algn="r">
+              <a:spcAft>
+                <a:spcPts val="600"/>
+              </a:spcAft>
+            </a:pPr>
+            <a:r>
+              <a:rPr lang="en-US" sz="1600" i="1" dirty="0">
+                <a:solidFill>
+                  <a:srgbClr val="777086"/>
+                </a:solidFill>
+              </a:rPr>
+              <a:t>Postdoc at Northwestern U.</a:t>
+            </a:r>
+          </a:p>
+          <a:p>
+            <a:pPr algn="r">
+              <a:spcAft>
+                <a:spcPts val="600"/>
+              </a:spcAft>
+            </a:pPr>
+            <a:r>
+              <a:rPr lang="en-US" sz="1600" i="1" dirty="0">
+                <a:solidFill>
+                  <a:srgbClr val="777086"/>
+                </a:solidFill>
+              </a:rPr>
+              <a:t>@</a:t>
+            </a:r>
+            <a:r>
+              <a:rPr lang="en-US" sz="1600" i="1" dirty="0" err="1">
+                <a:solidFill>
+                  <a:srgbClr val="777086"/>
+                </a:solidFill>
+              </a:rPr>
+              <a:t>anh_n_tran</a:t>
+            </a:r>
+            <a:r>
+              <a:rPr lang="en-US" sz="1600" i="1" dirty="0">
+                <a:solidFill>
+                  <a:srgbClr val="777086"/>
+                </a:solidFill>
+              </a:rPr>
+              <a:t>     </a:t>
+            </a:r>
+          </a:p>
+          <a:p>
+            <a:pPr algn="r">
+              <a:spcAft>
+                <a:spcPts val="600"/>
+              </a:spcAft>
+            </a:pPr>
+            <a:r>
+              <a:rPr lang="en-US" sz="1600" i="1" dirty="0">
+                <a:solidFill>
+                  <a:srgbClr val="777086"/>
+                </a:solidFill>
+              </a:rPr>
+              <a:t>trannhatanh89     </a:t>
+            </a:r>
+          </a:p>
+        </p:txBody>
+      </p:sp>
+      <p:pic>
+        <p:nvPicPr>
+          <p:cNvPr id="8" name="Picture 7">
+            <a:extLst>
+              <a:ext uri="{FF2B5EF4-FFF2-40B4-BE49-F238E27FC236}">
+                <a16:creationId xmlns:a16="http://schemas.microsoft.com/office/drawing/2014/main" id="{00464E96-F167-43EF-8C09-86894EDF7B47}"/>
+              </a:ext>
+            </a:extLst>
+          </p:cNvPr>
+          <p:cNvPicPr>
+            <a:picLocks noChangeAspect="1"/>
+          </p:cNvPicPr>
+          <p:nvPr/>
+        </p:nvPicPr>
+        <p:blipFill>
+          <a:blip r:embed="rId3">
+            <a:duotone>
+              <a:schemeClr val="accent3">
+                <a:shade val="45000"/>
+                <a:satMod val="135000"/>
+              </a:schemeClr>
+              <a:prstClr val="white"/>
+            </a:duotone>
+            <a:extLst>
+              <a:ext uri="{28A0092B-C50C-407E-A947-70E740481C1C}">
+                <a14:useLocalDpi xmlns:a14="http://schemas.microsoft.com/office/drawing/2010/main" val="0"/>
+              </a:ext>
+            </a:extLst>
+          </a:blip>
+          <a:stretch>
+            <a:fillRect/>
+          </a:stretch>
+        </p:blipFill>
+        <p:spPr>
+          <a:xfrm>
+            <a:off x="8452693" y="5062878"/>
+            <a:ext cx="264341" cy="264341"/>
+          </a:xfrm>
+          <a:prstGeom prst="rect">
+            <a:avLst/>
+          </a:prstGeom>
+        </p:spPr>
+      </p:pic>
       <p:sp>
         <p:nvSpPr>
           <p:cNvPr id="10" name="TextBox 9">
@@ -3470,8 +3415,8 @@
         </p:nvSpPr>
         <p:spPr>
           <a:xfrm>
-            <a:off x="5726130" y="6076302"/>
-            <a:ext cx="3042307" cy="338554"/>
+            <a:off x="5666690" y="6263207"/>
+            <a:ext cx="3101747" cy="338554"/>
           </a:xfrm>
           <a:prstGeom prst="rect">
             <a:avLst/>
@@ -3486,24 +3431,705 @@
           <a:p>
             <a:pPr algn="r"/>
             <a:r>
-              <a:rPr lang="en-US" sz="1600" dirty="0" err="1">
+              <a:rPr lang="en-US" sz="1600" b="1" i="1" dirty="0" err="1">
                 <a:solidFill>
                   <a:srgbClr val="86695B"/>
                 </a:solidFill>
+                <a:latin typeface="+mj-lt"/>
               </a:rPr>
               <a:t>SatRday</a:t>
             </a:r>
             <a:r>
-              <a:rPr lang="en-US" sz="1600" dirty="0">
+              <a:rPr lang="en-US" sz="1600" b="1" i="1" dirty="0">
                 <a:solidFill>
                   <a:srgbClr val="86695B"/>
                 </a:solidFill>
+                <a:latin typeface="+mj-lt"/>
               </a:rPr>
               <a:t> Chicago, April 27, 2019</a:t>
             </a:r>
           </a:p>
         </p:txBody>
       </p:sp>
+      <p:grpSp>
+        <p:nvGrpSpPr>
+          <p:cNvPr id="11" name="Graphic 6">
+            <a:extLst>
+              <a:ext uri="{FF2B5EF4-FFF2-40B4-BE49-F238E27FC236}">
+                <a16:creationId xmlns:a16="http://schemas.microsoft.com/office/drawing/2014/main" id="{DCBBD02E-C1C4-479F-BD93-BA3E29C89D1B}"/>
+              </a:ext>
+            </a:extLst>
+          </p:cNvPr>
+          <p:cNvGrpSpPr/>
+          <p:nvPr/>
+        </p:nvGrpSpPr>
+        <p:grpSpPr>
+          <a:xfrm>
+            <a:off x="8452693" y="5377688"/>
+            <a:ext cx="264341" cy="264341"/>
+            <a:chOff x="8452693" y="5377688"/>
+            <a:chExt cx="264341" cy="264341"/>
+          </a:xfrm>
+          <a:solidFill>
+            <a:schemeClr val="tx1">
+              <a:lumMod val="50000"/>
+              <a:lumOff val="50000"/>
+            </a:schemeClr>
+          </a:solidFill>
+        </p:grpSpPr>
+        <p:sp>
+          <p:nvSpPr>
+            <p:cNvPr id="12" name="Freeform: Shape 11">
+              <a:extLst>
+                <a:ext uri="{FF2B5EF4-FFF2-40B4-BE49-F238E27FC236}">
+                  <a16:creationId xmlns:a16="http://schemas.microsoft.com/office/drawing/2014/main" id="{56C42A4F-34C8-4477-8FDB-6B6DD55E4D71}"/>
+                </a:ext>
+              </a:extLst>
+            </p:cNvPr>
+            <p:cNvSpPr/>
+            <p:nvPr/>
+          </p:nvSpPr>
+          <p:spPr>
+            <a:xfrm>
+              <a:off x="8452693" y="5380918"/>
+              <a:ext cx="263739" cy="257115"/>
+            </a:xfrm>
+            <a:custGeom>
+              <a:avLst/>
+              <a:gdLst>
+                <a:gd name="connsiteX0" fmla="*/ 246356 w 263738"/>
+                <a:gd name="connsiteY0" fmla="*/ 65759 h 257115"/>
+                <a:gd name="connsiteX1" fmla="*/ 198306 w 263738"/>
+                <a:gd name="connsiteY1" fmla="*/ 17708 h 257115"/>
+                <a:gd name="connsiteX2" fmla="*/ 132033 w 263738"/>
+                <a:gd name="connsiteY2" fmla="*/ 0 h 257115"/>
+                <a:gd name="connsiteX3" fmla="*/ 65759 w 263738"/>
+                <a:gd name="connsiteY3" fmla="*/ 17708 h 257115"/>
+                <a:gd name="connsiteX4" fmla="*/ 17708 w 263738"/>
+                <a:gd name="connsiteY4" fmla="*/ 65759 h 257115"/>
+                <a:gd name="connsiteX5" fmla="*/ 0 w 263738"/>
+                <a:gd name="connsiteY5" fmla="*/ 132029 h 257115"/>
+                <a:gd name="connsiteX6" fmla="*/ 25186 w 263738"/>
+                <a:gd name="connsiteY6" fmla="*/ 209649 h 257115"/>
+                <a:gd name="connsiteX7" fmla="*/ 90255 w 263738"/>
+                <a:gd name="connsiteY7" fmla="*/ 257355 h 257115"/>
+                <a:gd name="connsiteX8" fmla="*/ 97131 w 263738"/>
+                <a:gd name="connsiteY8" fmla="*/ 256153 h 257115"/>
+                <a:gd name="connsiteX9" fmla="*/ 99366 w 263738"/>
+                <a:gd name="connsiteY9" fmla="*/ 250997 h 257115"/>
+                <a:gd name="connsiteX10" fmla="*/ 99279 w 263738"/>
+                <a:gd name="connsiteY10" fmla="*/ 241714 h 257115"/>
+                <a:gd name="connsiteX11" fmla="*/ 99192 w 263738"/>
+                <a:gd name="connsiteY11" fmla="*/ 226416 h 257115"/>
+                <a:gd name="connsiteX12" fmla="*/ 95238 w 263738"/>
+                <a:gd name="connsiteY12" fmla="*/ 227100 h 257115"/>
+                <a:gd name="connsiteX13" fmla="*/ 85696 w 263738"/>
+                <a:gd name="connsiteY13" fmla="*/ 227702 h 257115"/>
+                <a:gd name="connsiteX14" fmla="*/ 73749 w 263738"/>
+                <a:gd name="connsiteY14" fmla="*/ 226499 h 257115"/>
+                <a:gd name="connsiteX15" fmla="*/ 62230 w 263738"/>
+                <a:gd name="connsiteY15" fmla="*/ 221345 h 257115"/>
+                <a:gd name="connsiteX16" fmla="*/ 54667 w 263738"/>
+                <a:gd name="connsiteY16" fmla="*/ 210774 h 257115"/>
+                <a:gd name="connsiteX17" fmla="*/ 52948 w 263738"/>
+                <a:gd name="connsiteY17" fmla="*/ 206818 h 257115"/>
+                <a:gd name="connsiteX18" fmla="*/ 47533 w 263738"/>
+                <a:gd name="connsiteY18" fmla="*/ 198051 h 257115"/>
+                <a:gd name="connsiteX19" fmla="*/ 40055 w 263738"/>
+                <a:gd name="connsiteY19" fmla="*/ 191519 h 257115"/>
+                <a:gd name="connsiteX20" fmla="*/ 38852 w 263738"/>
+                <a:gd name="connsiteY20" fmla="*/ 190657 h 257115"/>
+                <a:gd name="connsiteX21" fmla="*/ 36617 w 263738"/>
+                <a:gd name="connsiteY21" fmla="*/ 188593 h 257115"/>
+                <a:gd name="connsiteX22" fmla="*/ 35071 w 263738"/>
+                <a:gd name="connsiteY22" fmla="*/ 186186 h 257115"/>
+                <a:gd name="connsiteX23" fmla="*/ 35930 w 263738"/>
+                <a:gd name="connsiteY23" fmla="*/ 184205 h 257115"/>
+                <a:gd name="connsiteX24" fmla="*/ 40916 w 263738"/>
+                <a:gd name="connsiteY24" fmla="*/ 183437 h 257115"/>
+                <a:gd name="connsiteX25" fmla="*/ 44353 w 263738"/>
+                <a:gd name="connsiteY25" fmla="*/ 183951 h 257115"/>
+                <a:gd name="connsiteX26" fmla="*/ 52863 w 263738"/>
+                <a:gd name="connsiteY26" fmla="*/ 188076 h 257115"/>
+                <a:gd name="connsiteX27" fmla="*/ 61200 w 263738"/>
+                <a:gd name="connsiteY27" fmla="*/ 197013 h 257115"/>
+                <a:gd name="connsiteX28" fmla="*/ 70742 w 263738"/>
+                <a:gd name="connsiteY28" fmla="*/ 207759 h 257115"/>
+                <a:gd name="connsiteX29" fmla="*/ 82001 w 263738"/>
+                <a:gd name="connsiteY29" fmla="*/ 211454 h 257115"/>
+                <a:gd name="connsiteX30" fmla="*/ 91800 w 263738"/>
+                <a:gd name="connsiteY30" fmla="*/ 210597 h 257115"/>
+                <a:gd name="connsiteX31" fmla="*/ 99536 w 263738"/>
+                <a:gd name="connsiteY31" fmla="*/ 208017 h 257115"/>
+                <a:gd name="connsiteX32" fmla="*/ 107959 w 263738"/>
+                <a:gd name="connsiteY32" fmla="*/ 190308 h 257115"/>
+                <a:gd name="connsiteX33" fmla="*/ 90338 w 263738"/>
+                <a:gd name="connsiteY33" fmla="*/ 187213 h 257115"/>
+                <a:gd name="connsiteX34" fmla="*/ 74179 w 263738"/>
+                <a:gd name="connsiteY34" fmla="*/ 180505 h 257115"/>
+                <a:gd name="connsiteX35" fmla="*/ 60339 w 263738"/>
+                <a:gd name="connsiteY35" fmla="*/ 168989 h 257115"/>
+                <a:gd name="connsiteX36" fmla="*/ 51315 w 263738"/>
+                <a:gd name="connsiteY36" fmla="*/ 150937 h 257115"/>
+                <a:gd name="connsiteX37" fmla="*/ 47791 w 263738"/>
+                <a:gd name="connsiteY37" fmla="*/ 125150 h 257115"/>
+                <a:gd name="connsiteX38" fmla="*/ 61373 w 263738"/>
+                <a:gd name="connsiteY38" fmla="*/ 89733 h 257115"/>
+                <a:gd name="connsiteX39" fmla="*/ 62576 w 263738"/>
+                <a:gd name="connsiteY39" fmla="*/ 54664 h 257115"/>
+                <a:gd name="connsiteX40" fmla="*/ 77361 w 263738"/>
+                <a:gd name="connsiteY40" fmla="*/ 56984 h 257115"/>
+                <a:gd name="connsiteX41" fmla="*/ 91716 w 263738"/>
+                <a:gd name="connsiteY41" fmla="*/ 63604 h 257115"/>
+                <a:gd name="connsiteX42" fmla="*/ 99023 w 263738"/>
+                <a:gd name="connsiteY42" fmla="*/ 68246 h 257115"/>
+                <a:gd name="connsiteX43" fmla="*/ 132031 w 263738"/>
+                <a:gd name="connsiteY43" fmla="*/ 63777 h 257115"/>
+                <a:gd name="connsiteX44" fmla="*/ 165043 w 263738"/>
+                <a:gd name="connsiteY44" fmla="*/ 68246 h 257115"/>
+                <a:gd name="connsiteX45" fmla="*/ 171575 w 263738"/>
+                <a:gd name="connsiteY45" fmla="*/ 64122 h 257115"/>
+                <a:gd name="connsiteX46" fmla="*/ 187389 w 263738"/>
+                <a:gd name="connsiteY46" fmla="*/ 56556 h 257115"/>
+                <a:gd name="connsiteX47" fmla="*/ 201319 w 263738"/>
+                <a:gd name="connsiteY47" fmla="*/ 54666 h 257115"/>
+                <a:gd name="connsiteX48" fmla="*/ 202691 w 263738"/>
+                <a:gd name="connsiteY48" fmla="*/ 89735 h 257115"/>
+                <a:gd name="connsiteX49" fmla="*/ 216275 w 263738"/>
+                <a:gd name="connsiteY49" fmla="*/ 125151 h 257115"/>
+                <a:gd name="connsiteX50" fmla="*/ 212751 w 263738"/>
+                <a:gd name="connsiteY50" fmla="*/ 151023 h 257115"/>
+                <a:gd name="connsiteX51" fmla="*/ 203643 w 263738"/>
+                <a:gd name="connsiteY51" fmla="*/ 169075 h 257115"/>
+                <a:gd name="connsiteX52" fmla="*/ 189715 w 263738"/>
+                <a:gd name="connsiteY52" fmla="*/ 180507 h 257115"/>
+                <a:gd name="connsiteX53" fmla="*/ 173553 w 263738"/>
+                <a:gd name="connsiteY53" fmla="*/ 187212 h 257115"/>
+                <a:gd name="connsiteX54" fmla="*/ 155933 w 263738"/>
+                <a:gd name="connsiteY54" fmla="*/ 190311 h 257115"/>
+                <a:gd name="connsiteX55" fmla="*/ 164870 w 263738"/>
+                <a:gd name="connsiteY55" fmla="*/ 214721 h 257115"/>
+                <a:gd name="connsiteX56" fmla="*/ 164870 w 263738"/>
+                <a:gd name="connsiteY56" fmla="*/ 250993 h 257115"/>
+                <a:gd name="connsiteX57" fmla="*/ 167021 w 263738"/>
+                <a:gd name="connsiteY57" fmla="*/ 256148 h 257115"/>
+                <a:gd name="connsiteX58" fmla="*/ 173811 w 263738"/>
+                <a:gd name="connsiteY58" fmla="*/ 257350 h 257115"/>
+                <a:gd name="connsiteX59" fmla="*/ 238883 w 263738"/>
+                <a:gd name="connsiteY59" fmla="*/ 209644 h 257115"/>
+                <a:gd name="connsiteX60" fmla="*/ 264068 w 263738"/>
+                <a:gd name="connsiteY60" fmla="*/ 132024 h 257115"/>
+                <a:gd name="connsiteX61" fmla="*/ 246356 w 263738"/>
+                <a:gd name="connsiteY61" fmla="*/ 65759 h 257115"/>
+              </a:gdLst>
+              <a:ahLst/>
+              <a:cxnLst>
+                <a:cxn ang="0">
+                  <a:pos x="connsiteX0" y="connsiteY0"/>
+                </a:cxn>
+                <a:cxn ang="0">
+                  <a:pos x="connsiteX1" y="connsiteY1"/>
+                </a:cxn>
+                <a:cxn ang="0">
+                  <a:pos x="connsiteX2" y="connsiteY2"/>
+                </a:cxn>
+                <a:cxn ang="0">
+                  <a:pos x="connsiteX3" y="connsiteY3"/>
+                </a:cxn>
+                <a:cxn ang="0">
+                  <a:pos x="connsiteX4" y="connsiteY4"/>
+                </a:cxn>
+                <a:cxn ang="0">
+                  <a:pos x="connsiteX5" y="connsiteY5"/>
+                </a:cxn>
+                <a:cxn ang="0">
+                  <a:pos x="connsiteX6" y="connsiteY6"/>
+                </a:cxn>
+                <a:cxn ang="0">
+                  <a:pos x="connsiteX7" y="connsiteY7"/>
+                </a:cxn>
+                <a:cxn ang="0">
+                  <a:pos x="connsiteX8" y="connsiteY8"/>
+                </a:cxn>
+                <a:cxn ang="0">
+                  <a:pos x="connsiteX9" y="connsiteY9"/>
+                </a:cxn>
+                <a:cxn ang="0">
+                  <a:pos x="connsiteX10" y="connsiteY10"/>
+                </a:cxn>
+                <a:cxn ang="0">
+                  <a:pos x="connsiteX11" y="connsiteY11"/>
+                </a:cxn>
+                <a:cxn ang="0">
+                  <a:pos x="connsiteX12" y="connsiteY12"/>
+                </a:cxn>
+                <a:cxn ang="0">
+                  <a:pos x="connsiteX13" y="connsiteY13"/>
+                </a:cxn>
+                <a:cxn ang="0">
+                  <a:pos x="connsiteX14" y="connsiteY14"/>
+                </a:cxn>
+                <a:cxn ang="0">
+                  <a:pos x="connsiteX15" y="connsiteY15"/>
+                </a:cxn>
+                <a:cxn ang="0">
+                  <a:pos x="connsiteX16" y="connsiteY16"/>
+                </a:cxn>
+                <a:cxn ang="0">
+                  <a:pos x="connsiteX17" y="connsiteY17"/>
+                </a:cxn>
+                <a:cxn ang="0">
+                  <a:pos x="connsiteX18" y="connsiteY18"/>
+                </a:cxn>
+                <a:cxn ang="0">
+                  <a:pos x="connsiteX19" y="connsiteY19"/>
+                </a:cxn>
+                <a:cxn ang="0">
+                  <a:pos x="connsiteX20" y="connsiteY20"/>
+                </a:cxn>
+                <a:cxn ang="0">
+                  <a:pos x="connsiteX21" y="connsiteY21"/>
+                </a:cxn>
+                <a:cxn ang="0">
+                  <a:pos x="connsiteX22" y="connsiteY22"/>
+                </a:cxn>
+                <a:cxn ang="0">
+                  <a:pos x="connsiteX23" y="connsiteY23"/>
+                </a:cxn>
+                <a:cxn ang="0">
+                  <a:pos x="connsiteX24" y="connsiteY24"/>
+                </a:cxn>
+                <a:cxn ang="0">
+                  <a:pos x="connsiteX25" y="connsiteY25"/>
+                </a:cxn>
+                <a:cxn ang="0">
+                  <a:pos x="connsiteX26" y="connsiteY26"/>
+                </a:cxn>
+                <a:cxn ang="0">
+                  <a:pos x="connsiteX27" y="connsiteY27"/>
+                </a:cxn>
+                <a:cxn ang="0">
+                  <a:pos x="connsiteX28" y="connsiteY28"/>
+                </a:cxn>
+                <a:cxn ang="0">
+                  <a:pos x="connsiteX29" y="connsiteY29"/>
+                </a:cxn>
+                <a:cxn ang="0">
+                  <a:pos x="connsiteX30" y="connsiteY30"/>
+                </a:cxn>
+                <a:cxn ang="0">
+                  <a:pos x="connsiteX31" y="connsiteY31"/>
+                </a:cxn>
+                <a:cxn ang="0">
+                  <a:pos x="connsiteX32" y="connsiteY32"/>
+                </a:cxn>
+                <a:cxn ang="0">
+                  <a:pos x="connsiteX33" y="connsiteY33"/>
+                </a:cxn>
+                <a:cxn ang="0">
+                  <a:pos x="connsiteX34" y="connsiteY34"/>
+                </a:cxn>
+                <a:cxn ang="0">
+                  <a:pos x="connsiteX35" y="connsiteY35"/>
+                </a:cxn>
+                <a:cxn ang="0">
+                  <a:pos x="connsiteX36" y="connsiteY36"/>
+                </a:cxn>
+                <a:cxn ang="0">
+                  <a:pos x="connsiteX37" y="connsiteY37"/>
+                </a:cxn>
+                <a:cxn ang="0">
+                  <a:pos x="connsiteX38" y="connsiteY38"/>
+                </a:cxn>
+                <a:cxn ang="0">
+                  <a:pos x="connsiteX39" y="connsiteY39"/>
+                </a:cxn>
+                <a:cxn ang="0">
+                  <a:pos x="connsiteX40" y="connsiteY40"/>
+                </a:cxn>
+                <a:cxn ang="0">
+                  <a:pos x="connsiteX41" y="connsiteY41"/>
+                </a:cxn>
+                <a:cxn ang="0">
+                  <a:pos x="connsiteX42" y="connsiteY42"/>
+                </a:cxn>
+                <a:cxn ang="0">
+                  <a:pos x="connsiteX43" y="connsiteY43"/>
+                </a:cxn>
+                <a:cxn ang="0">
+                  <a:pos x="connsiteX44" y="connsiteY44"/>
+                </a:cxn>
+                <a:cxn ang="0">
+                  <a:pos x="connsiteX45" y="connsiteY45"/>
+                </a:cxn>
+                <a:cxn ang="0">
+                  <a:pos x="connsiteX46" y="connsiteY46"/>
+                </a:cxn>
+                <a:cxn ang="0">
+                  <a:pos x="connsiteX47" y="connsiteY47"/>
+                </a:cxn>
+                <a:cxn ang="0">
+                  <a:pos x="connsiteX48" y="connsiteY48"/>
+                </a:cxn>
+                <a:cxn ang="0">
+                  <a:pos x="connsiteX49" y="connsiteY49"/>
+                </a:cxn>
+                <a:cxn ang="0">
+                  <a:pos x="connsiteX50" y="connsiteY50"/>
+                </a:cxn>
+                <a:cxn ang="0">
+                  <a:pos x="connsiteX51" y="connsiteY51"/>
+                </a:cxn>
+                <a:cxn ang="0">
+                  <a:pos x="connsiteX52" y="connsiteY52"/>
+                </a:cxn>
+                <a:cxn ang="0">
+                  <a:pos x="connsiteX53" y="connsiteY53"/>
+                </a:cxn>
+                <a:cxn ang="0">
+                  <a:pos x="connsiteX54" y="connsiteY54"/>
+                </a:cxn>
+                <a:cxn ang="0">
+                  <a:pos x="connsiteX55" y="connsiteY55"/>
+                </a:cxn>
+                <a:cxn ang="0">
+                  <a:pos x="connsiteX56" y="connsiteY56"/>
+                </a:cxn>
+                <a:cxn ang="0">
+                  <a:pos x="connsiteX57" y="connsiteY57"/>
+                </a:cxn>
+                <a:cxn ang="0">
+                  <a:pos x="connsiteX58" y="connsiteY58"/>
+                </a:cxn>
+                <a:cxn ang="0">
+                  <a:pos x="connsiteX59" y="connsiteY59"/>
+                </a:cxn>
+                <a:cxn ang="0">
+                  <a:pos x="connsiteX60" y="connsiteY60"/>
+                </a:cxn>
+                <a:cxn ang="0">
+                  <a:pos x="connsiteX61" y="connsiteY61"/>
+                </a:cxn>
+              </a:cxnLst>
+              <a:rect l="l" t="t" r="r" b="b"/>
+              <a:pathLst>
+                <a:path w="263738" h="257115">
+                  <a:moveTo>
+                    <a:pt x="246356" y="65759"/>
+                  </a:moveTo>
+                  <a:cubicBezTo>
+                    <a:pt x="234549" y="45529"/>
+                    <a:pt x="218534" y="29513"/>
+                    <a:pt x="198306" y="17708"/>
+                  </a:cubicBezTo>
+                  <a:cubicBezTo>
+                    <a:pt x="178076" y="5902"/>
+                    <a:pt x="155990" y="0"/>
+                    <a:pt x="132033" y="0"/>
+                  </a:cubicBezTo>
+                  <a:cubicBezTo>
+                    <a:pt x="108079" y="0"/>
+                    <a:pt x="85985" y="5903"/>
+                    <a:pt x="65759" y="17708"/>
+                  </a:cubicBezTo>
+                  <a:cubicBezTo>
+                    <a:pt x="45529" y="29513"/>
+                    <a:pt x="29515" y="45529"/>
+                    <a:pt x="17708" y="65759"/>
+                  </a:cubicBezTo>
+                  <a:cubicBezTo>
+                    <a:pt x="5903" y="85988"/>
+                    <a:pt x="0" y="108078"/>
+                    <a:pt x="0" y="132029"/>
+                  </a:cubicBezTo>
+                  <a:cubicBezTo>
+                    <a:pt x="0" y="160799"/>
+                    <a:pt x="8394" y="186671"/>
+                    <a:pt x="25186" y="209649"/>
+                  </a:cubicBezTo>
+                  <a:cubicBezTo>
+                    <a:pt x="41976" y="232629"/>
+                    <a:pt x="63666" y="248531"/>
+                    <a:pt x="90255" y="257355"/>
+                  </a:cubicBezTo>
+                  <a:cubicBezTo>
+                    <a:pt x="93350" y="257929"/>
+                    <a:pt x="95641" y="257525"/>
+                    <a:pt x="97131" y="256153"/>
+                  </a:cubicBezTo>
+                  <a:cubicBezTo>
+                    <a:pt x="98621" y="254779"/>
+                    <a:pt x="99366" y="253058"/>
+                    <a:pt x="99366" y="250997"/>
+                  </a:cubicBezTo>
+                  <a:cubicBezTo>
+                    <a:pt x="99366" y="250654"/>
+                    <a:pt x="99336" y="247560"/>
+                    <a:pt x="99279" y="241714"/>
+                  </a:cubicBezTo>
+                  <a:cubicBezTo>
+                    <a:pt x="99220" y="235868"/>
+                    <a:pt x="99192" y="230768"/>
+                    <a:pt x="99192" y="226416"/>
+                  </a:cubicBezTo>
+                  <a:lnTo>
+                    <a:pt x="95238" y="227100"/>
+                  </a:lnTo>
+                  <a:cubicBezTo>
+                    <a:pt x="92717" y="227562"/>
+                    <a:pt x="89536" y="227758"/>
+                    <a:pt x="85696" y="227702"/>
+                  </a:cubicBezTo>
+                  <a:cubicBezTo>
+                    <a:pt x="81858" y="227649"/>
+                    <a:pt x="77874" y="227247"/>
+                    <a:pt x="73749" y="226499"/>
+                  </a:cubicBezTo>
+                  <a:cubicBezTo>
+                    <a:pt x="69622" y="225757"/>
+                    <a:pt x="65783" y="224038"/>
+                    <a:pt x="62230" y="221345"/>
+                  </a:cubicBezTo>
+                  <a:cubicBezTo>
+                    <a:pt x="58678" y="218652"/>
+                    <a:pt x="56157" y="215126"/>
+                    <a:pt x="54667" y="210774"/>
+                  </a:cubicBezTo>
+                  <a:lnTo>
+                    <a:pt x="52948" y="206818"/>
+                  </a:lnTo>
+                  <a:cubicBezTo>
+                    <a:pt x="51802" y="204184"/>
+                    <a:pt x="49998" y="201258"/>
+                    <a:pt x="47533" y="198051"/>
+                  </a:cubicBezTo>
+                  <a:cubicBezTo>
+                    <a:pt x="45069" y="194841"/>
+                    <a:pt x="42576" y="192665"/>
+                    <a:pt x="40055" y="191519"/>
+                  </a:cubicBezTo>
+                  <a:lnTo>
+                    <a:pt x="38852" y="190657"/>
+                  </a:lnTo>
+                  <a:cubicBezTo>
+                    <a:pt x="38049" y="190085"/>
+                    <a:pt x="37305" y="189394"/>
+                    <a:pt x="36617" y="188593"/>
+                  </a:cubicBezTo>
+                  <a:cubicBezTo>
+                    <a:pt x="35929" y="187791"/>
+                    <a:pt x="35414" y="186989"/>
+                    <a:pt x="35071" y="186186"/>
+                  </a:cubicBezTo>
+                  <a:cubicBezTo>
+                    <a:pt x="34726" y="185382"/>
+                    <a:pt x="35012" y="184723"/>
+                    <a:pt x="35930" y="184205"/>
+                  </a:cubicBezTo>
+                  <a:cubicBezTo>
+                    <a:pt x="36848" y="183688"/>
+                    <a:pt x="38508" y="183437"/>
+                    <a:pt x="40916" y="183437"/>
+                  </a:cubicBezTo>
+                  <a:lnTo>
+                    <a:pt x="44353" y="183951"/>
+                  </a:lnTo>
+                  <a:cubicBezTo>
+                    <a:pt x="46645" y="184410"/>
+                    <a:pt x="49481" y="185782"/>
+                    <a:pt x="52863" y="188076"/>
+                  </a:cubicBezTo>
+                  <a:cubicBezTo>
+                    <a:pt x="56243" y="190368"/>
+                    <a:pt x="59022" y="193347"/>
+                    <a:pt x="61200" y="197013"/>
+                  </a:cubicBezTo>
+                  <a:cubicBezTo>
+                    <a:pt x="63837" y="201713"/>
+                    <a:pt x="67015" y="205295"/>
+                    <a:pt x="70742" y="207759"/>
+                  </a:cubicBezTo>
+                  <a:cubicBezTo>
+                    <a:pt x="74465" y="210224"/>
+                    <a:pt x="78220" y="211454"/>
+                    <a:pt x="82001" y="211454"/>
+                  </a:cubicBezTo>
+                  <a:cubicBezTo>
+                    <a:pt x="85783" y="211454"/>
+                    <a:pt x="89049" y="211168"/>
+                    <a:pt x="91800" y="210597"/>
+                  </a:cubicBezTo>
+                  <a:cubicBezTo>
+                    <a:pt x="94549" y="210024"/>
+                    <a:pt x="97128" y="209162"/>
+                    <a:pt x="99536" y="208017"/>
+                  </a:cubicBezTo>
+                  <a:cubicBezTo>
+                    <a:pt x="100568" y="200335"/>
+                    <a:pt x="103376" y="194433"/>
+                    <a:pt x="107959" y="190308"/>
+                  </a:cubicBezTo>
+                  <a:cubicBezTo>
+                    <a:pt x="101427" y="189622"/>
+                    <a:pt x="95554" y="188588"/>
+                    <a:pt x="90338" y="187213"/>
+                  </a:cubicBezTo>
+                  <a:cubicBezTo>
+                    <a:pt x="85124" y="185837"/>
+                    <a:pt x="79737" y="183603"/>
+                    <a:pt x="74179" y="180505"/>
+                  </a:cubicBezTo>
+                  <a:cubicBezTo>
+                    <a:pt x="68618" y="177412"/>
+                    <a:pt x="64005" y="173571"/>
+                    <a:pt x="60339" y="168989"/>
+                  </a:cubicBezTo>
+                  <a:cubicBezTo>
+                    <a:pt x="56672" y="164404"/>
+                    <a:pt x="53662" y="158385"/>
+                    <a:pt x="51315" y="150937"/>
+                  </a:cubicBezTo>
+                  <a:cubicBezTo>
+                    <a:pt x="48966" y="143486"/>
+                    <a:pt x="47791" y="134891"/>
+                    <a:pt x="47791" y="125150"/>
+                  </a:cubicBezTo>
+                  <a:cubicBezTo>
+                    <a:pt x="47791" y="111279"/>
+                    <a:pt x="52319" y="99476"/>
+                    <a:pt x="61373" y="89733"/>
+                  </a:cubicBezTo>
+                  <a:cubicBezTo>
+                    <a:pt x="57132" y="79305"/>
+                    <a:pt x="57532" y="67615"/>
+                    <a:pt x="62576" y="54664"/>
+                  </a:cubicBezTo>
+                  <a:cubicBezTo>
+                    <a:pt x="65900" y="53632"/>
+                    <a:pt x="70829" y="54407"/>
+                    <a:pt x="77361" y="56984"/>
+                  </a:cubicBezTo>
+                  <a:cubicBezTo>
+                    <a:pt x="83894" y="59563"/>
+                    <a:pt x="88678" y="61773"/>
+                    <a:pt x="91716" y="63604"/>
+                  </a:cubicBezTo>
+                  <a:cubicBezTo>
+                    <a:pt x="94755" y="65436"/>
+                    <a:pt x="97189" y="66987"/>
+                    <a:pt x="99023" y="68246"/>
+                  </a:cubicBezTo>
+                  <a:cubicBezTo>
+                    <a:pt x="109684" y="65267"/>
+                    <a:pt x="120686" y="63777"/>
+                    <a:pt x="132031" y="63777"/>
+                  </a:cubicBezTo>
+                  <a:cubicBezTo>
+                    <a:pt x="143377" y="63777"/>
+                    <a:pt x="154381" y="65267"/>
+                    <a:pt x="165043" y="68246"/>
+                  </a:cubicBezTo>
+                  <a:lnTo>
+                    <a:pt x="171575" y="64122"/>
+                  </a:lnTo>
+                  <a:cubicBezTo>
+                    <a:pt x="176043" y="61370"/>
+                    <a:pt x="181318" y="58848"/>
+                    <a:pt x="187389" y="56556"/>
+                  </a:cubicBezTo>
+                  <a:cubicBezTo>
+                    <a:pt x="193463" y="54265"/>
+                    <a:pt x="198108" y="53634"/>
+                    <a:pt x="201319" y="54666"/>
+                  </a:cubicBezTo>
+                  <a:cubicBezTo>
+                    <a:pt x="206474" y="67618"/>
+                    <a:pt x="206934" y="79307"/>
+                    <a:pt x="202691" y="89735"/>
+                  </a:cubicBezTo>
+                  <a:cubicBezTo>
+                    <a:pt x="211745" y="99478"/>
+                    <a:pt x="216275" y="111284"/>
+                    <a:pt x="216275" y="125151"/>
+                  </a:cubicBezTo>
+                  <a:cubicBezTo>
+                    <a:pt x="216275" y="134893"/>
+                    <a:pt x="215096" y="143515"/>
+                    <a:pt x="212751" y="151023"/>
+                  </a:cubicBezTo>
+                  <a:cubicBezTo>
+                    <a:pt x="210402" y="158532"/>
+                    <a:pt x="207367" y="164545"/>
+                    <a:pt x="203643" y="169075"/>
+                  </a:cubicBezTo>
+                  <a:cubicBezTo>
+                    <a:pt x="199915" y="173603"/>
+                    <a:pt x="195273" y="177414"/>
+                    <a:pt x="189715" y="180507"/>
+                  </a:cubicBezTo>
+                  <a:cubicBezTo>
+                    <a:pt x="184156" y="183602"/>
+                    <a:pt x="178767" y="185836"/>
+                    <a:pt x="173553" y="187212"/>
+                  </a:cubicBezTo>
+                  <a:cubicBezTo>
+                    <a:pt x="168338" y="188589"/>
+                    <a:pt x="162465" y="189623"/>
+                    <a:pt x="155933" y="190311"/>
+                  </a:cubicBezTo>
+                  <a:cubicBezTo>
+                    <a:pt x="161891" y="195467"/>
+                    <a:pt x="164870" y="203605"/>
+                    <a:pt x="164870" y="214721"/>
+                  </a:cubicBezTo>
+                  <a:lnTo>
+                    <a:pt x="164870" y="250993"/>
+                  </a:lnTo>
+                  <a:cubicBezTo>
+                    <a:pt x="164870" y="253053"/>
+                    <a:pt x="165586" y="254774"/>
+                    <a:pt x="167021" y="256148"/>
+                  </a:cubicBezTo>
+                  <a:cubicBezTo>
+                    <a:pt x="168453" y="257521"/>
+                    <a:pt x="170716" y="257925"/>
+                    <a:pt x="173811" y="257350"/>
+                  </a:cubicBezTo>
+                  <a:cubicBezTo>
+                    <a:pt x="200403" y="248526"/>
+                    <a:pt x="222093" y="232624"/>
+                    <a:pt x="238883" y="209644"/>
+                  </a:cubicBezTo>
+                  <a:cubicBezTo>
+                    <a:pt x="255671" y="186666"/>
+                    <a:pt x="264068" y="160795"/>
+                    <a:pt x="264068" y="132024"/>
+                  </a:cubicBezTo>
+                  <a:cubicBezTo>
+                    <a:pt x="264062" y="108076"/>
+                    <a:pt x="258156" y="85988"/>
+                    <a:pt x="246356" y="65759"/>
+                  </a:cubicBezTo>
+                  <a:close/>
+                </a:path>
+              </a:pathLst>
+            </a:custGeom>
+            <a:grpFill/>
+            <a:ln w="586" cap="flat">
+              <a:noFill/>
+              <a:prstDash val="solid"/>
+              <a:miter/>
+            </a:ln>
+          </p:spPr>
+          <p:txBody>
+            <a:bodyPr rtlCol="0" anchor="ctr"/>
+            <a:lstStyle/>
+            <a:p>
+              <a:endParaRPr lang="en-US"/>
+            </a:p>
+          </p:txBody>
+        </p:sp>
+      </p:grpSp>
     </p:spTree>
     <p:extLst>
       <p:ext uri="{BB962C8B-B14F-4D97-AF65-F5344CB8AC3E}">
@@ -3520,6 +4146,14 @@
 <file path=ppt/slides/slide2.xml><?xml version="1.0" encoding="utf-8"?>
 <p:sld xmlns:a="http://schemas.openxmlformats.org/drawingml/2006/main" xmlns:r="http://schemas.openxmlformats.org/officeDocument/2006/relationships" xmlns:p="http://schemas.openxmlformats.org/presentationml/2006/main">
   <p:cSld>
+    <p:bg>
+      <p:bgPr>
+        <a:solidFill>
+          <a:srgbClr val="F3F2F4"/>
+        </a:solidFill>
+        <a:effectLst/>
+      </p:bgPr>
+    </p:bg>
     <p:spTree>
       <p:nvGrpSpPr>
         <p:cNvPr id="1" name=""/>
@@ -3556,12 +4190,19 @@
         </p:blipFill>
         <p:spPr>
           <a:xfrm>
-            <a:off x="388342" y="198521"/>
+            <a:off x="265793" y="198521"/>
             <a:ext cx="5744187" cy="6460958"/>
           </a:xfrm>
           <a:prstGeom prst="rect">
             <a:avLst/>
           </a:prstGeom>
+          <a:effectLst>
+            <a:outerShdw blurRad="50800" dist="38100" dir="2700000" algn="tl" rotWithShape="0">
+              <a:prstClr val="black">
+                <a:alpha val="40000"/>
+              </a:prstClr>
+            </a:outerShdw>
+          </a:effectLst>
         </p:spPr>
       </p:pic>
     </p:spTree>
@@ -3580,6 +4221,14 @@
 <file path=ppt/slides/slide3.xml><?xml version="1.0" encoding="utf-8"?>
 <p:sld xmlns:a="http://schemas.openxmlformats.org/drawingml/2006/main" xmlns:r="http://schemas.openxmlformats.org/officeDocument/2006/relationships" xmlns:p="http://schemas.openxmlformats.org/presentationml/2006/main">
   <p:cSld>
+    <p:bg>
+      <p:bgPr>
+        <a:solidFill>
+          <a:srgbClr val="F3F2F4"/>
+        </a:solidFill>
+        <a:effectLst/>
+      </p:bgPr>
+    </p:bg>
     <p:spTree>
       <p:nvGrpSpPr>
         <p:cNvPr id="1" name=""/>
@@ -3608,7 +4257,7 @@
         </p:nvSpPr>
         <p:spPr>
           <a:xfrm>
-            <a:off x="370754" y="244279"/>
+            <a:off x="125253" y="108103"/>
             <a:ext cx="3859501" cy="369332"/>
           </a:xfrm>
           <a:prstGeom prst="rect">
@@ -3624,20 +4273,12 @@
           <a:p>
             <a:pPr algn="ctr"/>
             <a:r>
-              <a:rPr lang="en-US" b="1" dirty="0">
+              <a:rPr lang="en-US" b="1">
                 <a:solidFill>
                   <a:schemeClr val="accent1"/>
                 </a:solidFill>
               </a:rPr>
-              <a:t>Summarized data provided as .</a:t>
-            </a:r>
-            <a:r>
-              <a:rPr lang="en-US" b="1" dirty="0" err="1">
-                <a:solidFill>
-                  <a:schemeClr val="accent1"/>
-                </a:solidFill>
-              </a:rPr>
-              <a:t>tsv</a:t>
+              <a:t>Summarized data provided as .tsv</a:t>
             </a:r>
             <a:endParaRPr lang="en-US" b="1" dirty="0">
               <a:solidFill>
@@ -3649,10 +4290,10 @@
       </p:sp>
       <p:pic>
         <p:nvPicPr>
-          <p:cNvPr id="7" name="Picture 6">
+          <p:cNvPr id="44" name="Picture 43">
             <a:extLst>
               <a:ext uri="{FF2B5EF4-FFF2-40B4-BE49-F238E27FC236}">
-                <a16:creationId xmlns:a16="http://schemas.microsoft.com/office/drawing/2014/main" id="{58AAB2E6-B79F-4D7C-97BE-8C45A4B57F78}"/>
+                <a16:creationId xmlns:a16="http://schemas.microsoft.com/office/drawing/2014/main" id="{6C0D5DA5-0FCF-4DA2-BC1B-FCC696A4CBB0}"/>
               </a:ext>
             </a:extLst>
           </p:cNvPr>
@@ -3668,7 +4309,7 @@
         </p:blipFill>
         <p:spPr>
           <a:xfrm>
-            <a:off x="845170" y="696739"/>
+            <a:off x="734958" y="696739"/>
             <a:ext cx="2910667" cy="2434390"/>
           </a:xfrm>
           <a:prstGeom prst="rect">
@@ -3685,10 +4326,10 @@
       </p:pic>
       <p:sp>
         <p:nvSpPr>
-          <p:cNvPr id="2" name="Cross 1">
+          <p:cNvPr id="45" name="Cross 44">
             <a:extLst>
               <a:ext uri="{FF2B5EF4-FFF2-40B4-BE49-F238E27FC236}">
-                <a16:creationId xmlns:a16="http://schemas.microsoft.com/office/drawing/2014/main" id="{866EA19D-1262-4FFF-B326-A229FB5AE178}"/>
+                <a16:creationId xmlns:a16="http://schemas.microsoft.com/office/drawing/2014/main" id="{B46B6A51-1E16-43CC-9A95-7F5EE833DF82}"/>
               </a:ext>
             </a:extLst>
           </p:cNvPr>
@@ -3697,7 +4338,7 @@
         </p:nvSpPr>
         <p:spPr>
           <a:xfrm>
-            <a:off x="4276436" y="1523999"/>
+            <a:off x="4166224" y="1523999"/>
             <a:ext cx="591127" cy="591127"/>
           </a:xfrm>
           <a:prstGeom prst="plus">
@@ -3750,6 +4391,14 @@
 <file path=ppt/slides/slide4.xml><?xml version="1.0" encoding="utf-8"?>
 <p:sld xmlns:a="http://schemas.openxmlformats.org/drawingml/2006/main" xmlns:r="http://schemas.openxmlformats.org/officeDocument/2006/relationships" xmlns:p="http://schemas.openxmlformats.org/presentationml/2006/main">
   <p:cSld>
+    <p:bg>
+      <p:bgPr>
+        <a:solidFill>
+          <a:srgbClr val="F3F2F4"/>
+        </a:solidFill>
+        <a:effectLst/>
+      </p:bgPr>
+    </p:bg>
     <p:spTree>
       <p:nvGrpSpPr>
         <p:cNvPr id="1" name=""/>
@@ -3778,7 +4427,7 @@
         </p:nvSpPr>
         <p:spPr>
           <a:xfrm>
-            <a:off x="667623" y="232491"/>
+            <a:off x="149723" y="95650"/>
             <a:ext cx="3667094" cy="369332"/>
           </a:xfrm>
           <a:prstGeom prst="rect">
@@ -3806,10 +4455,10 @@
       </p:sp>
       <p:pic>
         <p:nvPicPr>
-          <p:cNvPr id="3" name="Picture 2">
+          <p:cNvPr id="38" name="Picture 37">
             <a:extLst>
               <a:ext uri="{FF2B5EF4-FFF2-40B4-BE49-F238E27FC236}">
-                <a16:creationId xmlns:a16="http://schemas.microsoft.com/office/drawing/2014/main" id="{73CC57B4-5BA1-45BE-A8A0-E1A1F4D48D2F}"/>
+                <a16:creationId xmlns:a16="http://schemas.microsoft.com/office/drawing/2014/main" id="{5C1EAB30-0ECB-4DDF-9F5F-6539D21996B2}"/>
               </a:ext>
             </a:extLst>
           </p:cNvPr>
@@ -3838,7 +4487,7 @@
         </p:blipFill>
         <p:spPr>
           <a:xfrm>
-            <a:off x="430340" y="601823"/>
+            <a:off x="242744" y="609354"/>
             <a:ext cx="4141660" cy="2574082"/>
           </a:xfrm>
           <a:prstGeom prst="rect">
@@ -3855,10 +4504,10 @@
       </p:pic>
       <p:sp>
         <p:nvSpPr>
-          <p:cNvPr id="4" name="Cross 3">
+          <p:cNvPr id="39" name="Cross 38">
             <a:extLst>
               <a:ext uri="{FF2B5EF4-FFF2-40B4-BE49-F238E27FC236}">
-                <a16:creationId xmlns:a16="http://schemas.microsoft.com/office/drawing/2014/main" id="{6F3C3BFD-F13E-423E-98D2-81824F785AE5}"/>
+                <a16:creationId xmlns:a16="http://schemas.microsoft.com/office/drawing/2014/main" id="{C3DF16FA-E138-434A-8B92-DC98122966DA}"/>
               </a:ext>
             </a:extLst>
           </p:cNvPr>
@@ -3867,7 +4516,7 @@
         </p:nvSpPr>
         <p:spPr>
           <a:xfrm>
-            <a:off x="4821381" y="1593300"/>
+            <a:off x="4572000" y="1600831"/>
             <a:ext cx="591127" cy="591127"/>
           </a:xfrm>
           <a:prstGeom prst="plus">
@@ -3909,10 +4558,10 @@
       </p:sp>
       <p:pic>
         <p:nvPicPr>
-          <p:cNvPr id="7" name="Picture 6">
+          <p:cNvPr id="40" name="Picture 39">
             <a:extLst>
               <a:ext uri="{FF2B5EF4-FFF2-40B4-BE49-F238E27FC236}">
-                <a16:creationId xmlns:a16="http://schemas.microsoft.com/office/drawing/2014/main" id="{3AD30C94-8C31-4F79-B382-33846AAB3BC7}"/>
+                <a16:creationId xmlns:a16="http://schemas.microsoft.com/office/drawing/2014/main" id="{8418F035-6326-4F1D-891D-852243A9002F}"/>
               </a:ext>
             </a:extLst>
           </p:cNvPr>
@@ -3935,7 +4584,7 @@
         </p:blipFill>
         <p:spPr>
           <a:xfrm>
-            <a:off x="6934752" y="353363"/>
+            <a:off x="6587608" y="646083"/>
             <a:ext cx="815465" cy="945215"/>
           </a:xfrm>
           <a:prstGeom prst="rect">
@@ -3945,10 +4594,10 @@
       </p:pic>
       <p:grpSp>
         <p:nvGrpSpPr>
-          <p:cNvPr id="11" name="Group 10">
+          <p:cNvPr id="41" name="Group 40">
             <a:extLst>
               <a:ext uri="{FF2B5EF4-FFF2-40B4-BE49-F238E27FC236}">
-                <a16:creationId xmlns:a16="http://schemas.microsoft.com/office/drawing/2014/main" id="{5578516C-ADAB-4E44-A04C-386B74C55A3E}"/>
+                <a16:creationId xmlns:a16="http://schemas.microsoft.com/office/drawing/2014/main" id="{CE8F5F7F-5491-4921-94B4-B0A56C53537B}"/>
               </a:ext>
             </a:extLst>
           </p:cNvPr>
@@ -3957,7 +4606,7 @@
         </p:nvGrpSpPr>
         <p:grpSpPr>
           <a:xfrm>
-            <a:off x="6054987" y="343832"/>
+            <a:off x="5663597" y="636555"/>
             <a:ext cx="831273" cy="964276"/>
             <a:chOff x="6862617" y="353364"/>
             <a:chExt cx="831273" cy="964276"/>
@@ -3965,10 +4614,10 @@
         </p:grpSpPr>
         <p:sp>
           <p:nvSpPr>
-            <p:cNvPr id="8" name="Hexagon 7">
+            <p:cNvPr id="42" name="Hexagon 41">
               <a:extLst>
                 <a:ext uri="{FF2B5EF4-FFF2-40B4-BE49-F238E27FC236}">
-                  <a16:creationId xmlns:a16="http://schemas.microsoft.com/office/drawing/2014/main" id="{B1B14944-1DFF-4E27-899F-C7277D6A6A6A}"/>
+                  <a16:creationId xmlns:a16="http://schemas.microsoft.com/office/drawing/2014/main" id="{D8BE715F-3C99-497A-B25A-CF68279D7912}"/>
                 </a:ext>
               </a:extLst>
             </p:cNvPr>
@@ -4017,10 +4666,10 @@
         </p:sp>
         <p:sp>
           <p:nvSpPr>
-            <p:cNvPr id="9" name="Hexagon 8">
+            <p:cNvPr id="43" name="Hexagon 42">
               <a:extLst>
                 <a:ext uri="{FF2B5EF4-FFF2-40B4-BE49-F238E27FC236}">
-                  <a16:creationId xmlns:a16="http://schemas.microsoft.com/office/drawing/2014/main" id="{6A19F557-182A-4946-88C5-E50C611C40B5}"/>
+                  <a16:creationId xmlns:a16="http://schemas.microsoft.com/office/drawing/2014/main" id="{5E5CFF63-676A-4C0D-859E-6EFC1742AA2F}"/>
                 </a:ext>
               </a:extLst>
             </p:cNvPr>
@@ -4069,10 +4718,10 @@
         </p:sp>
         <p:sp>
           <p:nvSpPr>
-            <p:cNvPr id="10" name="TextBox 9">
+            <p:cNvPr id="44" name="TextBox 43">
               <a:extLst>
                 <a:ext uri="{FF2B5EF4-FFF2-40B4-BE49-F238E27FC236}">
-                  <a16:creationId xmlns:a16="http://schemas.microsoft.com/office/drawing/2014/main" id="{18DC555F-40F8-4288-A73B-9FB573ABB076}"/>
+                  <a16:creationId xmlns:a16="http://schemas.microsoft.com/office/drawing/2014/main" id="{C349BEEE-9455-4BF1-8237-1BBB316370A6}"/>
                 </a:ext>
               </a:extLst>
             </p:cNvPr>
@@ -4110,10 +4759,10 @@
       </p:grpSp>
       <p:pic>
         <p:nvPicPr>
-          <p:cNvPr id="13" name="Picture 12">
+          <p:cNvPr id="45" name="Picture 44">
             <a:extLst>
               <a:ext uri="{FF2B5EF4-FFF2-40B4-BE49-F238E27FC236}">
-                <a16:creationId xmlns:a16="http://schemas.microsoft.com/office/drawing/2014/main" id="{3035D25E-A70E-41D4-872F-441E5771DB56}"/>
+                <a16:creationId xmlns:a16="http://schemas.microsoft.com/office/drawing/2014/main" id="{B99A0786-F0ED-4B43-8AC6-4FCE2CE3CA0B}"/>
               </a:ext>
             </a:extLst>
           </p:cNvPr>
@@ -4136,7 +4785,7 @@
         </p:blipFill>
         <p:spPr>
           <a:xfrm>
-            <a:off x="7798708" y="343831"/>
+            <a:off x="7495810" y="655616"/>
             <a:ext cx="815465" cy="945215"/>
           </a:xfrm>
           <a:prstGeom prst="rect">
@@ -4160,6 +4809,125 @@
 <file path=ppt/slides/slide5.xml><?xml version="1.0" encoding="utf-8"?>
 <p:sld xmlns:a="http://schemas.openxmlformats.org/drawingml/2006/main" xmlns:r="http://schemas.openxmlformats.org/officeDocument/2006/relationships" xmlns:p="http://schemas.openxmlformats.org/presentationml/2006/main">
   <p:cSld>
+    <p:bg>
+      <p:bgPr>
+        <a:solidFill>
+          <a:srgbClr val="F3F2F4"/>
+        </a:solidFill>
+        <a:effectLst/>
+      </p:bgPr>
+    </p:bg>
+    <p:spTree>
+      <p:nvGrpSpPr>
+        <p:cNvPr id="1" name=""/>
+        <p:cNvGrpSpPr/>
+        <p:nvPr/>
+      </p:nvGrpSpPr>
+      <p:grpSpPr>
+        <a:xfrm>
+          <a:off x="0" y="0"/>
+          <a:ext cx="0" cy="0"/>
+          <a:chOff x="0" y="0"/>
+          <a:chExt cx="0" cy="0"/>
+        </a:xfrm>
+      </p:grpSpPr>
+      <p:pic>
+        <p:nvPicPr>
+          <p:cNvPr id="5" name="Picture 4">
+            <a:extLst>
+              <a:ext uri="{FF2B5EF4-FFF2-40B4-BE49-F238E27FC236}">
+                <a16:creationId xmlns:a16="http://schemas.microsoft.com/office/drawing/2014/main" id="{907B4803-3EDA-4B77-A4E6-A90ED3612D67}"/>
+              </a:ext>
+            </a:extLst>
+          </p:cNvPr>
+          <p:cNvPicPr>
+            <a:picLocks noChangeAspect="1"/>
+          </p:cNvPicPr>
+          <p:nvPr/>
+        </p:nvPicPr>
+        <p:blipFill>
+          <a:blip r:embed="rId2"/>
+          <a:stretch>
+            <a:fillRect/>
+          </a:stretch>
+        </p:blipFill>
+        <p:spPr>
+          <a:xfrm>
+            <a:off x="2159000" y="923708"/>
+            <a:ext cx="6663677" cy="5769192"/>
+          </a:xfrm>
+          <a:prstGeom prst="rect">
+            <a:avLst/>
+          </a:prstGeom>
+        </p:spPr>
+      </p:pic>
+      <p:pic>
+        <p:nvPicPr>
+          <p:cNvPr id="76" name="Picture 75">
+            <a:extLst>
+              <a:ext uri="{FF2B5EF4-FFF2-40B4-BE49-F238E27FC236}">
+                <a16:creationId xmlns:a16="http://schemas.microsoft.com/office/drawing/2014/main" id="{1837DED7-53C3-49EA-9554-E4513E48A915}"/>
+              </a:ext>
+            </a:extLst>
+          </p:cNvPr>
+          <p:cNvPicPr>
+            <a:picLocks noChangeAspect="1"/>
+          </p:cNvPicPr>
+          <p:nvPr/>
+        </p:nvPicPr>
+        <p:blipFill>
+          <a:blip r:embed="rId3">
+            <a:extLst>
+              <a:ext uri="{28A0092B-C50C-407E-A947-70E740481C1C}">
+                <a14:useLocalDpi xmlns:a14="http://schemas.microsoft.com/office/drawing/2010/main" val="0"/>
+              </a:ext>
+            </a:extLst>
+          </a:blip>
+          <a:stretch>
+            <a:fillRect/>
+          </a:stretch>
+        </p:blipFill>
+        <p:spPr>
+          <a:xfrm>
+            <a:off x="321323" y="147995"/>
+            <a:ext cx="1632167" cy="1884005"/>
+          </a:xfrm>
+          <a:prstGeom prst="rect">
+            <a:avLst/>
+          </a:prstGeom>
+          <a:effectLst>
+            <a:outerShdw blurRad="139700" dist="50800" dir="2700000" algn="tl" rotWithShape="0">
+              <a:prstClr val="black">
+                <a:alpha val="40000"/>
+              </a:prstClr>
+            </a:outerShdw>
+          </a:effectLst>
+        </p:spPr>
+      </p:pic>
+    </p:spTree>
+    <p:extLst>
+      <p:ext uri="{BB962C8B-B14F-4D97-AF65-F5344CB8AC3E}">
+        <p14:creationId xmlns:p14="http://schemas.microsoft.com/office/powerpoint/2010/main" val="1117541302"/>
+      </p:ext>
+    </p:extLst>
+  </p:cSld>
+  <p:clrMapOvr>
+    <a:masterClrMapping/>
+  </p:clrMapOvr>
+</p:sld>
+</file>
+
+<file path=ppt/slides/slide6.xml><?xml version="1.0" encoding="utf-8"?>
+<p:sld xmlns:a="http://schemas.openxmlformats.org/drawingml/2006/main" xmlns:r="http://schemas.openxmlformats.org/officeDocument/2006/relationships" xmlns:p="http://schemas.openxmlformats.org/presentationml/2006/main">
+  <p:cSld>
+    <p:bg>
+      <p:bgPr>
+        <a:solidFill>
+          <a:srgbClr val="F3F2F4"/>
+        </a:solidFill>
+        <a:effectLst/>
+      </p:bgPr>
+    </p:bg>
     <p:spTree>
       <p:nvGrpSpPr>
         <p:cNvPr id="1" name=""/>
@@ -4236,18 +5004,25 @@
         </p:blipFill>
         <p:spPr>
           <a:xfrm>
-            <a:off x="2816845" y="2158635"/>
+            <a:off x="2816845" y="2325451"/>
             <a:ext cx="3510309" cy="2632731"/>
           </a:xfrm>
           <a:prstGeom prst="rect">
             <a:avLst/>
           </a:prstGeom>
+          <a:effectLst>
+            <a:outerShdw blurRad="50800" dist="38100" dir="2700000" algn="tl" rotWithShape="0">
+              <a:prstClr val="black">
+                <a:alpha val="40000"/>
+              </a:prstClr>
+            </a:outerShdw>
+          </a:effectLst>
         </p:spPr>
       </p:pic>
     </p:spTree>
     <p:extLst>
       <p:ext uri="{BB962C8B-B14F-4D97-AF65-F5344CB8AC3E}">
-        <p14:creationId xmlns:p14="http://schemas.microsoft.com/office/powerpoint/2010/main" val="1117541302"/>
+        <p14:creationId xmlns:p14="http://schemas.microsoft.com/office/powerpoint/2010/main" val="2854396378"/>
       </p:ext>
     </p:extLst>
   </p:cSld>
@@ -4257,9 +5032,17 @@
 </p:sld>
 </file>
 
-<file path=ppt/slides/slide6.xml><?xml version="1.0" encoding="utf-8"?>
+<file path=ppt/slides/slide7.xml><?xml version="1.0" encoding="utf-8"?>
 <p:sld xmlns:a="http://schemas.openxmlformats.org/drawingml/2006/main" xmlns:r="http://schemas.openxmlformats.org/officeDocument/2006/relationships" xmlns:p="http://schemas.openxmlformats.org/presentationml/2006/main">
   <p:cSld>
+    <p:bg>
+      <p:bgPr>
+        <a:solidFill>
+          <a:srgbClr val="F3F2F4"/>
+        </a:solidFill>
+        <a:effectLst/>
+      </p:bgPr>
+    </p:bg>
     <p:spTree>
       <p:nvGrpSpPr>
         <p:cNvPr id="1" name=""/>
@@ -4287,9 +5070,17 @@
 </p:sld>
 </file>
 
-<file path=ppt/slides/slide7.xml><?xml version="1.0" encoding="utf-8"?>
+<file path=ppt/slides/slide8.xml><?xml version="1.0" encoding="utf-8"?>
 <p:sld xmlns:a="http://schemas.openxmlformats.org/drawingml/2006/main" xmlns:r="http://schemas.openxmlformats.org/officeDocument/2006/relationships" xmlns:p="http://schemas.openxmlformats.org/presentationml/2006/main">
   <p:cSld>
+    <p:bg>
+      <p:bgPr>
+        <a:solidFill>
+          <a:srgbClr val="F3F2F4"/>
+        </a:solidFill>
+        <a:effectLst/>
+      </p:bgPr>
+    </p:bg>
     <p:spTree>
       <p:nvGrpSpPr>
         <p:cNvPr id="1" name=""/>
